--- a/SEM-5/OOMD/Unit 5/Unit5_Application Analysis.pptx
+++ b/SEM-5/OOMD/Unit 5/Unit5_Application Analysis.pptx
@@ -240,7 +240,7 @@
             <a:fld id="{46CFF6EA-A321-41A0-B9CA-11D445300381}" type="datetimeFigureOut">
               <a:rPr lang="en-US" smtClean="0"/>
               <a:pPr/>
-              <a:t>1/16/2023</a:t>
+              <a:t>2/9/2023</a:t>
             </a:fld>
             <a:endParaRPr lang="en-US" dirty="0"/>
           </a:p>
@@ -306,38 +306,37 @@
           <a:p>
             <a:pPr lvl="0"/>
             <a:r>
-              <a:rPr lang="en-US" smtClean="0"/>
+              <a:rPr lang="en-US"/>
               <a:t>Click to edit Master text styles</a:t>
             </a:r>
           </a:p>
           <a:p>
             <a:pPr lvl="1"/>
             <a:r>
-              <a:rPr lang="en-US" smtClean="0"/>
+              <a:rPr lang="en-US"/>
               <a:t>Second level</a:t>
             </a:r>
           </a:p>
           <a:p>
             <a:pPr lvl="2"/>
             <a:r>
-              <a:rPr lang="en-US" smtClean="0"/>
+              <a:rPr lang="en-US"/>
               <a:t>Third level</a:t>
             </a:r>
           </a:p>
           <a:p>
             <a:pPr lvl="3"/>
             <a:r>
-              <a:rPr lang="en-US" smtClean="0"/>
+              <a:rPr lang="en-US"/>
               <a:t>Fourth level</a:t>
             </a:r>
           </a:p>
           <a:p>
             <a:pPr lvl="4"/>
             <a:r>
-              <a:rPr lang="en-US" smtClean="0"/>
+              <a:rPr lang="en-US"/>
               <a:t>Fifth level</a:t>
             </a:r>
-            <a:endParaRPr lang="en-US"/>
           </a:p>
         </p:txBody>
       </p:sp>
@@ -549,10 +548,9 @@
           <a:lstStyle/>
           <a:p>
             <a:r>
-              <a:rPr lang="en-US" smtClean="0"/>
+              <a:rPr lang="en-US"/>
               <a:t>Click to edit Master title style</a:t>
             </a:r>
-            <a:endParaRPr lang="en-US"/>
           </a:p>
         </p:txBody>
       </p:sp>
@@ -668,10 +666,9 @@
           </a:lstStyle>
           <a:p>
             <a:r>
-              <a:rPr lang="en-US" smtClean="0"/>
+              <a:rPr lang="en-US"/>
               <a:t>Click to edit Master subtitle style</a:t>
             </a:r>
-            <a:endParaRPr lang="en-US"/>
           </a:p>
         </p:txBody>
       </p:sp>
@@ -693,7 +690,7 @@
             <a:fld id="{4BC7FDF5-4155-4DE3-831B-EABD18B61535}" type="datetime1">
               <a:rPr lang="en-US" smtClean="0"/>
               <a:pPr/>
-              <a:t>1/16/2023</a:t>
+              <a:t>2/9/2023</a:t>
             </a:fld>
             <a:endParaRPr lang="en-US" dirty="0"/>
           </a:p>
@@ -715,10 +712,9 @@
           <a:lstStyle/>
           <a:p>
             <a:r>
-              <a:rPr lang="en-US" dirty="0" smtClean="0"/>
+              <a:rPr lang="en-US" dirty="0"/>
               <a:t>Department of Computer Science and Engineering</a:t>
             </a:r>
-            <a:endParaRPr lang="en-US" dirty="0"/>
           </a:p>
         </p:txBody>
       </p:sp>
@@ -787,10 +783,9 @@
           <a:lstStyle/>
           <a:p>
             <a:r>
-              <a:rPr lang="en-US" smtClean="0"/>
+              <a:rPr lang="en-US"/>
               <a:t>Click to edit Master title style</a:t>
             </a:r>
-            <a:endParaRPr lang="en-US"/>
           </a:p>
         </p:txBody>
       </p:sp>
@@ -811,38 +806,37 @@
           <a:p>
             <a:pPr lvl="0"/>
             <a:r>
-              <a:rPr lang="en-US" smtClean="0"/>
+              <a:rPr lang="en-US"/>
               <a:t>Click to edit Master text styles</a:t>
             </a:r>
           </a:p>
           <a:p>
             <a:pPr lvl="1"/>
             <a:r>
-              <a:rPr lang="en-US" smtClean="0"/>
+              <a:rPr lang="en-US"/>
               <a:t>Second level</a:t>
             </a:r>
           </a:p>
           <a:p>
             <a:pPr lvl="2"/>
             <a:r>
-              <a:rPr lang="en-US" smtClean="0"/>
+              <a:rPr lang="en-US"/>
               <a:t>Third level</a:t>
             </a:r>
           </a:p>
           <a:p>
             <a:pPr lvl="3"/>
             <a:r>
-              <a:rPr lang="en-US" smtClean="0"/>
+              <a:rPr lang="en-US"/>
               <a:t>Fourth level</a:t>
             </a:r>
           </a:p>
           <a:p>
             <a:pPr lvl="4"/>
             <a:r>
-              <a:rPr lang="en-US" smtClean="0"/>
+              <a:rPr lang="en-US"/>
               <a:t>Fifth level</a:t>
             </a:r>
-            <a:endParaRPr lang="en-US"/>
           </a:p>
         </p:txBody>
       </p:sp>
@@ -864,7 +858,7 @@
             <a:fld id="{A751CBA5-0EE3-431F-BEEE-457FBFB1BF59}" type="datetime1">
               <a:rPr lang="en-US" smtClean="0"/>
               <a:pPr/>
-              <a:t>1/16/2023</a:t>
+              <a:t>2/9/2023</a:t>
             </a:fld>
             <a:endParaRPr lang="en-US" dirty="0"/>
           </a:p>
@@ -886,10 +880,9 @@
           <a:lstStyle/>
           <a:p>
             <a:r>
-              <a:rPr lang="en-US" dirty="0" smtClean="0"/>
+              <a:rPr lang="en-US" dirty="0"/>
               <a:t>Department of Computer Science and Engineering</a:t>
             </a:r>
-            <a:endParaRPr lang="en-US" dirty="0"/>
           </a:p>
         </p:txBody>
       </p:sp>
@@ -963,10 +956,9 @@
           <a:lstStyle/>
           <a:p>
             <a:r>
-              <a:rPr lang="en-US" smtClean="0"/>
+              <a:rPr lang="en-US"/>
               <a:t>Click to edit Master title style</a:t>
             </a:r>
-            <a:endParaRPr lang="en-US"/>
           </a:p>
         </p:txBody>
       </p:sp>
@@ -992,38 +984,37 @@
           <a:p>
             <a:pPr lvl="0"/>
             <a:r>
-              <a:rPr lang="en-US" smtClean="0"/>
+              <a:rPr lang="en-US"/>
               <a:t>Click to edit Master text styles</a:t>
             </a:r>
           </a:p>
           <a:p>
             <a:pPr lvl="1"/>
             <a:r>
-              <a:rPr lang="en-US" smtClean="0"/>
+              <a:rPr lang="en-US"/>
               <a:t>Second level</a:t>
             </a:r>
           </a:p>
           <a:p>
             <a:pPr lvl="2"/>
             <a:r>
-              <a:rPr lang="en-US" smtClean="0"/>
+              <a:rPr lang="en-US"/>
               <a:t>Third level</a:t>
             </a:r>
           </a:p>
           <a:p>
             <a:pPr lvl="3"/>
             <a:r>
-              <a:rPr lang="en-US" smtClean="0"/>
+              <a:rPr lang="en-US"/>
               <a:t>Fourth level</a:t>
             </a:r>
           </a:p>
           <a:p>
             <a:pPr lvl="4"/>
             <a:r>
-              <a:rPr lang="en-US" smtClean="0"/>
+              <a:rPr lang="en-US"/>
               <a:t>Fifth level</a:t>
             </a:r>
-            <a:endParaRPr lang="en-US"/>
           </a:p>
         </p:txBody>
       </p:sp>
@@ -1045,7 +1036,7 @@
             <a:fld id="{70DEFB04-3B4A-41AF-9584-914C5A89E70D}" type="datetime1">
               <a:rPr lang="en-US" smtClean="0"/>
               <a:pPr/>
-              <a:t>1/16/2023</a:t>
+              <a:t>2/9/2023</a:t>
             </a:fld>
             <a:endParaRPr lang="en-US" dirty="0"/>
           </a:p>
@@ -1067,10 +1058,9 @@
           <a:lstStyle/>
           <a:p>
             <a:r>
-              <a:rPr lang="en-US" dirty="0" smtClean="0"/>
+              <a:rPr lang="en-US" dirty="0"/>
               <a:t>Department of Computer Science and Engineering</a:t>
             </a:r>
-            <a:endParaRPr lang="en-US" dirty="0"/>
           </a:p>
         </p:txBody>
       </p:sp>
@@ -1139,10 +1129,9 @@
           <a:lstStyle/>
           <a:p>
             <a:r>
-              <a:rPr lang="en-US" smtClean="0"/>
+              <a:rPr lang="en-US"/>
               <a:t>Click to edit Master title style</a:t>
             </a:r>
-            <a:endParaRPr lang="en-US"/>
           </a:p>
         </p:txBody>
       </p:sp>
@@ -1163,38 +1152,37 @@
           <a:p>
             <a:pPr lvl="0"/>
             <a:r>
-              <a:rPr lang="en-US" smtClean="0"/>
+              <a:rPr lang="en-US"/>
               <a:t>Click to edit Master text styles</a:t>
             </a:r>
           </a:p>
           <a:p>
             <a:pPr lvl="1"/>
             <a:r>
-              <a:rPr lang="en-US" smtClean="0"/>
+              <a:rPr lang="en-US"/>
               <a:t>Second level</a:t>
             </a:r>
           </a:p>
           <a:p>
             <a:pPr lvl="2"/>
             <a:r>
-              <a:rPr lang="en-US" smtClean="0"/>
+              <a:rPr lang="en-US"/>
               <a:t>Third level</a:t>
             </a:r>
           </a:p>
           <a:p>
             <a:pPr lvl="3"/>
             <a:r>
-              <a:rPr lang="en-US" smtClean="0"/>
+              <a:rPr lang="en-US"/>
               <a:t>Fourth level</a:t>
             </a:r>
           </a:p>
           <a:p>
             <a:pPr lvl="4"/>
             <a:r>
-              <a:rPr lang="en-US" smtClean="0"/>
+              <a:rPr lang="en-US"/>
               <a:t>Fifth level</a:t>
             </a:r>
-            <a:endParaRPr lang="en-US"/>
           </a:p>
         </p:txBody>
       </p:sp>
@@ -1216,7 +1204,7 @@
             <a:fld id="{EAD68581-92D1-4B88-9DC8-97D51B7738A7}" type="datetime1">
               <a:rPr lang="en-US" smtClean="0"/>
               <a:pPr/>
-              <a:t>1/16/2023</a:t>
+              <a:t>2/9/2023</a:t>
             </a:fld>
             <a:endParaRPr lang="en-US" dirty="0"/>
           </a:p>
@@ -1238,10 +1226,9 @@
           <a:lstStyle/>
           <a:p>
             <a:r>
-              <a:rPr lang="en-US" dirty="0" smtClean="0"/>
+              <a:rPr lang="en-US" dirty="0"/>
               <a:t>Department of Computer Science and Engineering</a:t>
             </a:r>
-            <a:endParaRPr lang="en-US" dirty="0"/>
           </a:p>
         </p:txBody>
       </p:sp>
@@ -1319,10 +1306,9 @@
           </a:lstStyle>
           <a:p>
             <a:r>
-              <a:rPr lang="en-US" smtClean="0"/>
+              <a:rPr lang="en-US"/>
               <a:t>Click to edit Master title style</a:t>
             </a:r>
-            <a:endParaRPr lang="en-US"/>
           </a:p>
         </p:txBody>
       </p:sp>
@@ -1439,7 +1425,7 @@
           <a:p>
             <a:pPr lvl="0"/>
             <a:r>
-              <a:rPr lang="en-US" smtClean="0"/>
+              <a:rPr lang="en-US"/>
               <a:t>Click to edit Master text styles</a:t>
             </a:r>
           </a:p>
@@ -1463,7 +1449,7 @@
             <a:fld id="{EFE8456C-351C-4182-B78F-80E9C73D4897}" type="datetime1">
               <a:rPr lang="en-US" smtClean="0"/>
               <a:pPr/>
-              <a:t>1/16/2023</a:t>
+              <a:t>2/9/2023</a:t>
             </a:fld>
             <a:endParaRPr lang="en-US" dirty="0"/>
           </a:p>
@@ -1485,10 +1471,9 @@
           <a:lstStyle/>
           <a:p>
             <a:r>
-              <a:rPr lang="en-US" dirty="0" smtClean="0"/>
+              <a:rPr lang="en-US" dirty="0"/>
               <a:t>Department of Computer Science and Engineering</a:t>
             </a:r>
-            <a:endParaRPr lang="en-US" dirty="0"/>
           </a:p>
         </p:txBody>
       </p:sp>
@@ -1557,10 +1542,9 @@
           <a:lstStyle/>
           <a:p>
             <a:r>
-              <a:rPr lang="en-US" smtClean="0"/>
+              <a:rPr lang="en-US"/>
               <a:t>Click to edit Master title style</a:t>
             </a:r>
-            <a:endParaRPr lang="en-US"/>
           </a:p>
         </p:txBody>
       </p:sp>
@@ -1614,38 +1598,37 @@
           <a:p>
             <a:pPr lvl="0"/>
             <a:r>
-              <a:rPr lang="en-US" smtClean="0"/>
+              <a:rPr lang="en-US"/>
               <a:t>Click to edit Master text styles</a:t>
             </a:r>
           </a:p>
           <a:p>
             <a:pPr lvl="1"/>
             <a:r>
-              <a:rPr lang="en-US" smtClean="0"/>
+              <a:rPr lang="en-US"/>
               <a:t>Second level</a:t>
             </a:r>
           </a:p>
           <a:p>
             <a:pPr lvl="2"/>
             <a:r>
-              <a:rPr lang="en-US" smtClean="0"/>
+              <a:rPr lang="en-US"/>
               <a:t>Third level</a:t>
             </a:r>
           </a:p>
           <a:p>
             <a:pPr lvl="3"/>
             <a:r>
-              <a:rPr lang="en-US" smtClean="0"/>
+              <a:rPr lang="en-US"/>
               <a:t>Fourth level</a:t>
             </a:r>
           </a:p>
           <a:p>
             <a:pPr lvl="4"/>
             <a:r>
-              <a:rPr lang="en-US" smtClean="0"/>
+              <a:rPr lang="en-US"/>
               <a:t>Fifth level</a:t>
             </a:r>
-            <a:endParaRPr lang="en-US"/>
           </a:p>
         </p:txBody>
       </p:sp>
@@ -1699,38 +1682,37 @@
           <a:p>
             <a:pPr lvl="0"/>
             <a:r>
-              <a:rPr lang="en-US" smtClean="0"/>
+              <a:rPr lang="en-US"/>
               <a:t>Click to edit Master text styles</a:t>
             </a:r>
           </a:p>
           <a:p>
             <a:pPr lvl="1"/>
             <a:r>
-              <a:rPr lang="en-US" smtClean="0"/>
+              <a:rPr lang="en-US"/>
               <a:t>Second level</a:t>
             </a:r>
           </a:p>
           <a:p>
             <a:pPr lvl="2"/>
             <a:r>
-              <a:rPr lang="en-US" smtClean="0"/>
+              <a:rPr lang="en-US"/>
               <a:t>Third level</a:t>
             </a:r>
           </a:p>
           <a:p>
             <a:pPr lvl="3"/>
             <a:r>
-              <a:rPr lang="en-US" smtClean="0"/>
+              <a:rPr lang="en-US"/>
               <a:t>Fourth level</a:t>
             </a:r>
           </a:p>
           <a:p>
             <a:pPr lvl="4"/>
             <a:r>
-              <a:rPr lang="en-US" smtClean="0"/>
+              <a:rPr lang="en-US"/>
               <a:t>Fifth level</a:t>
             </a:r>
-            <a:endParaRPr lang="en-US"/>
           </a:p>
         </p:txBody>
       </p:sp>
@@ -1752,7 +1734,7 @@
             <a:fld id="{0377CF10-0B0D-4811-89BC-9004596D7A3A}" type="datetime1">
               <a:rPr lang="en-US" smtClean="0"/>
               <a:pPr/>
-              <a:t>1/16/2023</a:t>
+              <a:t>2/9/2023</a:t>
             </a:fld>
             <a:endParaRPr lang="en-US" dirty="0"/>
           </a:p>
@@ -1774,10 +1756,9 @@
           <a:lstStyle/>
           <a:p>
             <a:r>
-              <a:rPr lang="en-US" dirty="0" smtClean="0"/>
+              <a:rPr lang="en-US" dirty="0"/>
               <a:t>Department of Computer Science and Engineering</a:t>
             </a:r>
-            <a:endParaRPr lang="en-US" dirty="0"/>
           </a:p>
         </p:txBody>
       </p:sp>
@@ -1850,10 +1831,9 @@
           </a:lstStyle>
           <a:p>
             <a:r>
-              <a:rPr lang="en-US" smtClean="0"/>
+              <a:rPr lang="en-US"/>
               <a:t>Click to edit Master title style</a:t>
             </a:r>
-            <a:endParaRPr lang="en-US"/>
           </a:p>
         </p:txBody>
       </p:sp>
@@ -1916,7 +1896,7 @@
           <a:p>
             <a:pPr lvl="0"/>
             <a:r>
-              <a:rPr lang="en-US" smtClean="0"/>
+              <a:rPr lang="en-US"/>
               <a:t>Click to edit Master text styles</a:t>
             </a:r>
           </a:p>
@@ -1972,38 +1952,37 @@
           <a:p>
             <a:pPr lvl="0"/>
             <a:r>
-              <a:rPr lang="en-US" smtClean="0"/>
+              <a:rPr lang="en-US"/>
               <a:t>Click to edit Master text styles</a:t>
             </a:r>
           </a:p>
           <a:p>
             <a:pPr lvl="1"/>
             <a:r>
-              <a:rPr lang="en-US" smtClean="0"/>
+              <a:rPr lang="en-US"/>
               <a:t>Second level</a:t>
             </a:r>
           </a:p>
           <a:p>
             <a:pPr lvl="2"/>
             <a:r>
-              <a:rPr lang="en-US" smtClean="0"/>
+              <a:rPr lang="en-US"/>
               <a:t>Third level</a:t>
             </a:r>
           </a:p>
           <a:p>
             <a:pPr lvl="3"/>
             <a:r>
-              <a:rPr lang="en-US" smtClean="0"/>
+              <a:rPr lang="en-US"/>
               <a:t>Fourth level</a:t>
             </a:r>
           </a:p>
           <a:p>
             <a:pPr lvl="4"/>
             <a:r>
-              <a:rPr lang="en-US" smtClean="0"/>
+              <a:rPr lang="en-US"/>
               <a:t>Fifth level</a:t>
             </a:r>
-            <a:endParaRPr lang="en-US"/>
           </a:p>
         </p:txBody>
       </p:sp>
@@ -2066,7 +2045,7 @@
           <a:p>
             <a:pPr lvl="0"/>
             <a:r>
-              <a:rPr lang="en-US" smtClean="0"/>
+              <a:rPr lang="en-US"/>
               <a:t>Click to edit Master text styles</a:t>
             </a:r>
           </a:p>
@@ -2122,38 +2101,37 @@
           <a:p>
             <a:pPr lvl="0"/>
             <a:r>
-              <a:rPr lang="en-US" smtClean="0"/>
+              <a:rPr lang="en-US"/>
               <a:t>Click to edit Master text styles</a:t>
             </a:r>
           </a:p>
           <a:p>
             <a:pPr lvl="1"/>
             <a:r>
-              <a:rPr lang="en-US" smtClean="0"/>
+              <a:rPr lang="en-US"/>
               <a:t>Second level</a:t>
             </a:r>
           </a:p>
           <a:p>
             <a:pPr lvl="2"/>
             <a:r>
-              <a:rPr lang="en-US" smtClean="0"/>
+              <a:rPr lang="en-US"/>
               <a:t>Third level</a:t>
             </a:r>
           </a:p>
           <a:p>
             <a:pPr lvl="3"/>
             <a:r>
-              <a:rPr lang="en-US" smtClean="0"/>
+              <a:rPr lang="en-US"/>
               <a:t>Fourth level</a:t>
             </a:r>
           </a:p>
           <a:p>
             <a:pPr lvl="4"/>
             <a:r>
-              <a:rPr lang="en-US" smtClean="0"/>
+              <a:rPr lang="en-US"/>
               <a:t>Fifth level</a:t>
             </a:r>
-            <a:endParaRPr lang="en-US"/>
           </a:p>
         </p:txBody>
       </p:sp>
@@ -2175,7 +2153,7 @@
             <a:fld id="{F91C525E-6CF6-4F0D-86DF-F2DAD67B724B}" type="datetime1">
               <a:rPr lang="en-US" smtClean="0"/>
               <a:pPr/>
-              <a:t>1/16/2023</a:t>
+              <a:t>2/9/2023</a:t>
             </a:fld>
             <a:endParaRPr lang="en-US" dirty="0"/>
           </a:p>
@@ -2197,10 +2175,9 @@
           <a:lstStyle/>
           <a:p>
             <a:r>
-              <a:rPr lang="en-US" dirty="0" smtClean="0"/>
+              <a:rPr lang="en-US" dirty="0"/>
               <a:t>Department of Computer Science and Engineering</a:t>
             </a:r>
-            <a:endParaRPr lang="en-US" dirty="0"/>
           </a:p>
         </p:txBody>
       </p:sp>
@@ -2269,10 +2246,9 @@
           <a:lstStyle/>
           <a:p>
             <a:r>
-              <a:rPr lang="en-US" smtClean="0"/>
+              <a:rPr lang="en-US"/>
               <a:t>Click to edit Master title style</a:t>
             </a:r>
-            <a:endParaRPr lang="en-US"/>
           </a:p>
         </p:txBody>
       </p:sp>
@@ -2294,7 +2270,7 @@
             <a:fld id="{33932732-4A20-419F-9707-02BC3BEB63AC}" type="datetime1">
               <a:rPr lang="en-US" smtClean="0"/>
               <a:pPr/>
-              <a:t>1/16/2023</a:t>
+              <a:t>2/9/2023</a:t>
             </a:fld>
             <a:endParaRPr lang="en-US" dirty="0"/>
           </a:p>
@@ -2316,10 +2292,9 @@
           <a:lstStyle/>
           <a:p>
             <a:r>
-              <a:rPr lang="en-US" dirty="0" smtClean="0"/>
+              <a:rPr lang="en-US" dirty="0"/>
               <a:t>Department of Computer Science and Engineering</a:t>
             </a:r>
-            <a:endParaRPr lang="en-US" dirty="0"/>
           </a:p>
         </p:txBody>
       </p:sp>
@@ -2390,7 +2365,7 @@
             <a:fld id="{AC08AB18-6F1D-4C26-91BC-B858B0172913}" type="datetime1">
               <a:rPr lang="en-US" smtClean="0"/>
               <a:pPr/>
-              <a:t>1/16/2023</a:t>
+              <a:t>2/9/2023</a:t>
             </a:fld>
             <a:endParaRPr lang="en-US" dirty="0"/>
           </a:p>
@@ -2412,10 +2387,9 @@
           <a:lstStyle/>
           <a:p>
             <a:r>
-              <a:rPr lang="en-US" dirty="0" smtClean="0"/>
+              <a:rPr lang="en-US" dirty="0"/>
               <a:t>Department of Computer Science and Engineering</a:t>
             </a:r>
-            <a:endParaRPr lang="en-US" dirty="0"/>
           </a:p>
         </p:txBody>
       </p:sp>
@@ -2493,10 +2467,9 @@
           </a:lstStyle>
           <a:p>
             <a:r>
-              <a:rPr lang="en-US" smtClean="0"/>
+              <a:rPr lang="en-US"/>
               <a:t>Click to edit Master title style</a:t>
             </a:r>
-            <a:endParaRPr lang="en-US"/>
           </a:p>
         </p:txBody>
       </p:sp>
@@ -2550,38 +2523,37 @@
           <a:p>
             <a:pPr lvl="0"/>
             <a:r>
-              <a:rPr lang="en-US" smtClean="0"/>
+              <a:rPr lang="en-US"/>
               <a:t>Click to edit Master text styles</a:t>
             </a:r>
           </a:p>
           <a:p>
             <a:pPr lvl="1"/>
             <a:r>
-              <a:rPr lang="en-US" smtClean="0"/>
+              <a:rPr lang="en-US"/>
               <a:t>Second level</a:t>
             </a:r>
           </a:p>
           <a:p>
             <a:pPr lvl="2"/>
             <a:r>
-              <a:rPr lang="en-US" smtClean="0"/>
+              <a:rPr lang="en-US"/>
               <a:t>Third level</a:t>
             </a:r>
           </a:p>
           <a:p>
             <a:pPr lvl="3"/>
             <a:r>
-              <a:rPr lang="en-US" smtClean="0"/>
+              <a:rPr lang="en-US"/>
               <a:t>Fourth level</a:t>
             </a:r>
           </a:p>
           <a:p>
             <a:pPr lvl="4"/>
             <a:r>
-              <a:rPr lang="en-US" smtClean="0"/>
+              <a:rPr lang="en-US"/>
               <a:t>Fifth level</a:t>
             </a:r>
-            <a:endParaRPr lang="en-US"/>
           </a:p>
         </p:txBody>
       </p:sp>
@@ -2644,7 +2616,7 @@
           <a:p>
             <a:pPr lvl="0"/>
             <a:r>
-              <a:rPr lang="en-US" smtClean="0"/>
+              <a:rPr lang="en-US"/>
               <a:t>Click to edit Master text styles</a:t>
             </a:r>
           </a:p>
@@ -2668,7 +2640,7 @@
             <a:fld id="{2718529D-26EB-4445-9D96-C702CBBE8C28}" type="datetime1">
               <a:rPr lang="en-US" smtClean="0"/>
               <a:pPr/>
-              <a:t>1/16/2023</a:t>
+              <a:t>2/9/2023</a:t>
             </a:fld>
             <a:endParaRPr lang="en-US" dirty="0"/>
           </a:p>
@@ -2690,10 +2662,9 @@
           <a:lstStyle/>
           <a:p>
             <a:r>
-              <a:rPr lang="en-US" dirty="0" smtClean="0"/>
+              <a:rPr lang="en-US" dirty="0"/>
               <a:t>Department of Computer Science and Engineering</a:t>
             </a:r>
-            <a:endParaRPr lang="en-US" dirty="0"/>
           </a:p>
         </p:txBody>
       </p:sp>
@@ -2771,10 +2742,9 @@
           </a:lstStyle>
           <a:p>
             <a:r>
-              <a:rPr lang="en-US" smtClean="0"/>
+              <a:rPr lang="en-US"/>
               <a:t>Click to edit Master title style</a:t>
             </a:r>
-            <a:endParaRPr lang="en-US"/>
           </a:p>
         </p:txBody>
       </p:sp>
@@ -2898,7 +2868,7 @@
           <a:p>
             <a:pPr lvl="0"/>
             <a:r>
-              <a:rPr lang="en-US" smtClean="0"/>
+              <a:rPr lang="en-US"/>
               <a:t>Click to edit Master text styles</a:t>
             </a:r>
           </a:p>
@@ -2922,7 +2892,7 @@
             <a:fld id="{121116CA-CF59-4FCC-A2D8-1C296C109469}" type="datetime1">
               <a:rPr lang="en-US" smtClean="0"/>
               <a:pPr/>
-              <a:t>1/16/2023</a:t>
+              <a:t>2/9/2023</a:t>
             </a:fld>
             <a:endParaRPr lang="en-US" dirty="0"/>
           </a:p>
@@ -2944,10 +2914,9 @@
           <a:lstStyle/>
           <a:p>
             <a:r>
-              <a:rPr lang="en-US" dirty="0" smtClean="0"/>
+              <a:rPr lang="en-US" dirty="0"/>
               <a:t>Department of Computer Science and Engineering</a:t>
             </a:r>
-            <a:endParaRPr lang="en-US" dirty="0"/>
           </a:p>
         </p:txBody>
       </p:sp>
@@ -3031,10 +3000,9 @@
           <a:lstStyle/>
           <a:p>
             <a:r>
-              <a:rPr lang="en-US" smtClean="0"/>
+              <a:rPr lang="en-US"/>
               <a:t>Click to edit Master title style</a:t>
             </a:r>
-            <a:endParaRPr lang="en-US"/>
           </a:p>
         </p:txBody>
       </p:sp>
@@ -3065,38 +3033,37 @@
           <a:p>
             <a:pPr lvl="0"/>
             <a:r>
-              <a:rPr lang="en-US" smtClean="0"/>
+              <a:rPr lang="en-US"/>
               <a:t>Click to edit Master text styles</a:t>
             </a:r>
           </a:p>
           <a:p>
             <a:pPr lvl="1"/>
             <a:r>
-              <a:rPr lang="en-US" smtClean="0"/>
+              <a:rPr lang="en-US"/>
               <a:t>Second level</a:t>
             </a:r>
           </a:p>
           <a:p>
             <a:pPr lvl="2"/>
             <a:r>
-              <a:rPr lang="en-US" smtClean="0"/>
+              <a:rPr lang="en-US"/>
               <a:t>Third level</a:t>
             </a:r>
           </a:p>
           <a:p>
             <a:pPr lvl="3"/>
             <a:r>
-              <a:rPr lang="en-US" smtClean="0"/>
+              <a:rPr lang="en-US"/>
               <a:t>Fourth level</a:t>
             </a:r>
           </a:p>
           <a:p>
             <a:pPr lvl="4"/>
             <a:r>
-              <a:rPr lang="en-US" smtClean="0"/>
+              <a:rPr lang="en-US"/>
               <a:t>Fifth level</a:t>
             </a:r>
-            <a:endParaRPr lang="en-US"/>
           </a:p>
         </p:txBody>
       </p:sp>
@@ -3136,7 +3103,7 @@
             <a:fld id="{9408F63B-DDB2-4D1B-8613-9B72FA5D595B}" type="datetime1">
               <a:rPr lang="en-US" smtClean="0"/>
               <a:pPr/>
-              <a:t>1/16/2023</a:t>
+              <a:t>2/9/2023</a:t>
             </a:fld>
             <a:endParaRPr lang="en-US" dirty="0"/>
           </a:p>
@@ -3176,10 +3143,9 @@
           </a:lstStyle>
           <a:p>
             <a:r>
-              <a:rPr lang="en-US" dirty="0" smtClean="0"/>
+              <a:rPr lang="en-US" dirty="0"/>
               <a:t>Department of Computer Science and Engineering</a:t>
             </a:r>
-            <a:endParaRPr lang="en-US" dirty="0"/>
           </a:p>
         </p:txBody>
       </p:sp>
@@ -3552,10 +3518,9 @@
           <a:lstStyle/>
           <a:p>
             <a:r>
-              <a:rPr lang="en-US" dirty="0" smtClean="0"/>
+              <a:rPr lang="en-US" dirty="0"/>
               <a:t>Department of Computer Science and Engineering</a:t>
             </a:r>
-            <a:endParaRPr lang="en-US" dirty="0"/>
           </a:p>
         </p:txBody>
       </p:sp>
@@ -3583,37 +3548,21 @@
           <a:p>
             <a:r>
               <a:rPr lang="en-US" b="1" dirty="0"/>
-              <a:t>UNIT- </a:t>
-            </a:r>
-            <a:r>
-              <a:rPr lang="en-US" b="1" dirty="0" smtClean="0"/>
-              <a:t>V</a:t>
-            </a:r>
-            <a:r>
-              <a:rPr lang="en-US" dirty="0"/>
-              <a:t/>
+              <a:t>UNIT- V</a:t>
             </a:r>
             <a:br>
               <a:rPr lang="en-US" dirty="0"/>
             </a:br>
-            <a:r>
-              <a:rPr lang="en-US" dirty="0"/>
-              <a:t/>
-            </a:r>
             <a:br>
               <a:rPr lang="en-US" dirty="0"/>
             </a:br>
             <a:r>
-              <a:rPr lang="en-IN" b="1" dirty="0" smtClean="0"/>
+              <a:rPr lang="en-IN" b="1" dirty="0"/>
               <a:t>APPLICATION </a:t>
             </a:r>
             <a:r>
-              <a:rPr lang="en-US" b="1" dirty="0" smtClean="0"/>
-              <a:t> </a:t>
-            </a:r>
-            <a:r>
               <a:rPr lang="en-US" b="1" dirty="0"/>
-              <a:t>ANALYSIS</a:t>
+              <a:t> ANALYSIS</a:t>
             </a:r>
             <a:endParaRPr lang="en-IN" dirty="0"/>
           </a:p>
@@ -3624,13 +3573,6 @@
   <p:clrMapOvr>
     <a:masterClrMapping/>
   </p:clrMapOvr>
-  <p:timing>
-    <p:tnLst>
-      <p:par>
-        <p:cTn id="1" dur="indefinite" restart="never" nodeType="tmRoot"/>
-      </p:par>
-    </p:tnLst>
-  </p:timing>
 </p:sld>
 </file>
 
@@ -3680,7 +3622,6 @@
               <a:rPr lang="en-US" sz="2000" b="1" dirty="0"/>
               <a:t>Query account </a:t>
             </a:r>
-            <a:endParaRPr lang="en-US" sz="2000" b="1" dirty="0" smtClean="0"/>
           </a:p>
           <a:p>
             <a:pPr marL="0" indent="0">
@@ -3688,19 +3629,11 @@
             </a:pPr>
             <a:r>
               <a:rPr lang="en-US" sz="2000" dirty="0"/>
-              <a:t>	</a:t>
-            </a:r>
-            <a:r>
-              <a:rPr lang="en-US" sz="2000" dirty="0" smtClean="0"/>
-              <a:t>– </a:t>
+              <a:t>	– </a:t>
             </a:r>
             <a:r>
               <a:rPr lang="en-US" sz="2000" b="1" dirty="0"/>
-              <a:t>Initial </a:t>
-            </a:r>
-            <a:r>
-              <a:rPr lang="en-US" sz="2000" b="1" dirty="0" smtClean="0"/>
-              <a:t>event</a:t>
+              <a:t>Initial event</a:t>
             </a:r>
           </a:p>
           <a:p>
@@ -3709,18 +3642,30 @@
             </a:pPr>
             <a:r>
               <a:rPr lang="en-US" sz="2000" dirty="0"/>
-              <a:t>	</a:t>
-            </a:r>
-            <a:r>
-              <a:rPr lang="en-US" sz="2000" dirty="0" smtClean="0"/>
-              <a:t> 	• </a:t>
+              <a:t>	 	• A customer’s </a:t>
+            </a:r>
+            <a:r>
+              <a:rPr lang="en-US" sz="2000" dirty="0">
+                <a:highlight>
+                  <a:srgbClr val="00FF00"/>
+                </a:highlight>
+              </a:rPr>
+              <a:t>request</a:t>
             </a:r>
             <a:r>
               <a:rPr lang="en-US" sz="2000" dirty="0"/>
-              <a:t>A customer’s request for account data</a:t>
-            </a:r>
-            <a:r>
-              <a:rPr lang="en-US" sz="2000" dirty="0" smtClean="0"/>
+              <a:t> for </a:t>
+            </a:r>
+            <a:r>
+              <a:rPr lang="en-US" sz="2000" dirty="0">
+                <a:highlight>
+                  <a:srgbClr val="00FF00"/>
+                </a:highlight>
+              </a:rPr>
+              <a:t>account data</a:t>
+            </a:r>
+            <a:r>
+              <a:rPr lang="en-US" sz="2000" dirty="0"/>
               <a:t>.</a:t>
             </a:r>
           </a:p>
@@ -3730,44 +3675,44 @@
             </a:pPr>
             <a:r>
               <a:rPr lang="en-US" sz="2000" dirty="0"/>
-              <a:t>	</a:t>
-            </a:r>
-            <a:r>
-              <a:rPr lang="en-US" sz="2000" dirty="0" smtClean="0"/>
-              <a:t> </a:t>
-            </a:r>
+              <a:t>	 – </a:t>
+            </a:r>
+            <a:r>
+              <a:rPr lang="en-US" sz="2000" b="1" dirty="0"/>
+              <a:t>final event</a:t>
+            </a:r>
+          </a:p>
+          <a:p>
+            <a:pPr marL="0" indent="0">
+              <a:buNone/>
+            </a:pPr>
             <a:r>
               <a:rPr lang="en-US" sz="2000" dirty="0"/>
-              <a:t>– </a:t>
-            </a:r>
-            <a:r>
-              <a:rPr lang="en-US" sz="2000" b="1" dirty="0"/>
-              <a:t>final </a:t>
-            </a:r>
-            <a:r>
-              <a:rPr lang="en-US" sz="2000" b="1" dirty="0" smtClean="0"/>
-              <a:t>event</a:t>
-            </a:r>
-          </a:p>
-          <a:p>
-            <a:pPr marL="0" indent="0">
-              <a:buNone/>
-            </a:pPr>
+              <a:t>		 • The system’s </a:t>
+            </a:r>
+            <a:r>
+              <a:rPr lang="en-US" sz="2000" dirty="0">
+                <a:highlight>
+                  <a:srgbClr val="00FF00"/>
+                </a:highlight>
+              </a:rPr>
+              <a:t>delivery</a:t>
+            </a:r>
             <a:r>
               <a:rPr lang="en-US" sz="2000" dirty="0"/>
-              <a:t>	</a:t>
-            </a:r>
-            <a:r>
-              <a:rPr lang="en-US" sz="2000" dirty="0" smtClean="0"/>
-              <a:t>	 </a:t>
+              <a:t> of </a:t>
+            </a:r>
+            <a:r>
+              <a:rPr lang="en-US" sz="2000" dirty="0">
+                <a:highlight>
+                  <a:srgbClr val="00FF00"/>
+                </a:highlight>
+              </a:rPr>
+              <a:t>account data </a:t>
             </a:r>
             <a:r>
               <a:rPr lang="en-US" sz="2000" dirty="0"/>
-              <a:t>• The system’s delivery of account data to the customer</a:t>
-            </a:r>
-            <a:r>
-              <a:rPr lang="en-US" sz="2000" dirty="0" smtClean="0"/>
-              <a:t>.</a:t>
+              <a:t>to the customer.</a:t>
             </a:r>
           </a:p>
           <a:p>
@@ -3778,7 +3723,6 @@
               <a:rPr lang="en-US" sz="2000" b="1" dirty="0"/>
               <a:t>Process transaction </a:t>
             </a:r>
-            <a:endParaRPr lang="en-US" sz="2000" b="1" dirty="0" smtClean="0"/>
           </a:p>
           <a:p>
             <a:pPr marL="0" indent="0">
@@ -3786,17 +3730,12 @@
             </a:pPr>
             <a:r>
               <a:rPr lang="en-US" sz="2000" dirty="0"/>
-              <a:t>	</a:t>
-            </a:r>
-            <a:r>
-              <a:rPr lang="en-US" sz="2000" dirty="0" smtClean="0"/>
-              <a:t>– </a:t>
+              <a:t>	– </a:t>
             </a:r>
             <a:r>
               <a:rPr lang="en-US" sz="2000" b="1" dirty="0"/>
               <a:t>Initial event </a:t>
             </a:r>
-            <a:endParaRPr lang="en-US" sz="2000" b="1" dirty="0" smtClean="0"/>
           </a:p>
           <a:p>
             <a:pPr marL="0" indent="0">
@@ -3804,17 +3743,32 @@
             </a:pPr>
             <a:r>
               <a:rPr lang="en-US" sz="2000" dirty="0"/>
-              <a:t>	</a:t>
-            </a:r>
-            <a:r>
-              <a:rPr lang="en-US" sz="2000" dirty="0" smtClean="0"/>
-              <a:t>	• </a:t>
+              <a:t>		• The customer’s </a:t>
+            </a:r>
+            <a:r>
+              <a:rPr lang="en-US" sz="2000" dirty="0">
+                <a:highlight>
+                  <a:srgbClr val="00FF00"/>
+                </a:highlight>
+              </a:rPr>
+              <a:t>initiation</a:t>
             </a:r>
             <a:r>
               <a:rPr lang="en-US" sz="2000" dirty="0"/>
-              <a:t>The customer’s initiation of a transaction. </a:t>
-            </a:r>
-            <a:endParaRPr lang="en-US" sz="2000" dirty="0" smtClean="0"/>
+              <a:t> of a </a:t>
+            </a:r>
+            <a:r>
+              <a:rPr lang="en-US" sz="2000" dirty="0">
+                <a:highlight>
+                  <a:srgbClr val="00FF00"/>
+                </a:highlight>
+              </a:rPr>
+              <a:t>transaction</a:t>
+            </a:r>
+            <a:r>
+              <a:rPr lang="en-US" sz="2000" dirty="0"/>
+              <a:t>. </a:t>
+            </a:r>
           </a:p>
           <a:p>
             <a:pPr marL="0" indent="0">
@@ -3822,17 +3776,12 @@
             </a:pPr>
             <a:r>
               <a:rPr lang="en-US" sz="2000" dirty="0"/>
-              <a:t>	</a:t>
-            </a:r>
-            <a:r>
-              <a:rPr lang="en-US" sz="2000" dirty="0" smtClean="0"/>
-              <a:t>– </a:t>
+              <a:t>	– </a:t>
             </a:r>
             <a:r>
               <a:rPr lang="en-US" sz="2000" b="1" dirty="0"/>
               <a:t>final event </a:t>
             </a:r>
-            <a:endParaRPr lang="en-US" sz="2000" b="1" dirty="0" smtClean="0"/>
           </a:p>
           <a:p>
             <a:pPr marL="0" indent="0">
@@ -3840,17 +3789,20 @@
             </a:pPr>
             <a:r>
               <a:rPr lang="en-US" sz="2000" dirty="0"/>
-              <a:t>	</a:t>
-            </a:r>
-            <a:r>
-              <a:rPr lang="en-US" sz="2000" dirty="0" smtClean="0"/>
-              <a:t>	• </a:t>
+              <a:t>		• </a:t>
+            </a:r>
+            <a:r>
+              <a:rPr lang="en-US" sz="2000" dirty="0">
+                <a:highlight>
+                  <a:srgbClr val="00FF00"/>
+                </a:highlight>
+              </a:rPr>
+              <a:t>Committing</a:t>
             </a:r>
             <a:r>
               <a:rPr lang="en-US" sz="2000" dirty="0"/>
-              <a:t>Committing or </a:t>
-            </a:r>
-            <a:endParaRPr lang="en-US" sz="2000" dirty="0" smtClean="0"/>
+              <a:t> or </a:t>
+            </a:r>
           </a:p>
           <a:p>
             <a:pPr marL="0" indent="0">
@@ -3858,19 +3810,19 @@
             </a:pPr>
             <a:r>
               <a:rPr lang="en-US" sz="2000" dirty="0"/>
-              <a:t>	</a:t>
-            </a:r>
-            <a:r>
-              <a:rPr lang="en-US" sz="2000" dirty="0" smtClean="0"/>
-              <a:t>	• </a:t>
+              <a:t>		• </a:t>
+            </a:r>
+            <a:r>
+              <a:rPr lang="en-US" sz="2000" dirty="0">
+                <a:highlight>
+                  <a:srgbClr val="00FF00"/>
+                </a:highlight>
+              </a:rPr>
+              <a:t>Aborting</a:t>
             </a:r>
             <a:r>
               <a:rPr lang="en-US" sz="2000" dirty="0"/>
-              <a:t>Aborting the </a:t>
-            </a:r>
-            <a:r>
-              <a:rPr lang="en-US" sz="2000" dirty="0" smtClean="0"/>
-              <a:t>transaction</a:t>
+              <a:t> the transaction</a:t>
             </a:r>
           </a:p>
           <a:p>
@@ -3879,11 +3831,7 @@
             </a:pPr>
             <a:r>
               <a:rPr lang="en-US" sz="2000" b="1" dirty="0"/>
-              <a:t>Transmit </a:t>
-            </a:r>
-            <a:r>
-              <a:rPr lang="en-US" sz="2000" b="1" dirty="0" smtClean="0"/>
-              <a:t>data</a:t>
+              <a:t>Transmit data</a:t>
             </a:r>
           </a:p>
           <a:p>
@@ -3892,21 +3840,12 @@
             </a:pPr>
             <a:r>
               <a:rPr lang="en-US" sz="2000" dirty="0"/>
-              <a:t>	</a:t>
-            </a:r>
-            <a:r>
-              <a:rPr lang="en-US" sz="2000" dirty="0" smtClean="0"/>
-              <a:t> </a:t>
-            </a:r>
-            <a:r>
-              <a:rPr lang="en-US" sz="2000" dirty="0"/>
-              <a:t>– </a:t>
+              <a:t>	 – </a:t>
             </a:r>
             <a:r>
               <a:rPr lang="en-US" sz="2000" b="1" dirty="0"/>
               <a:t>Initial event </a:t>
             </a:r>
-            <a:endParaRPr lang="en-US" sz="2000" b="1" dirty="0" smtClean="0"/>
           </a:p>
           <a:p>
             <a:pPr marL="0" indent="0">
@@ -3914,19 +3853,31 @@
             </a:pPr>
             <a:r>
               <a:rPr lang="en-US" sz="2000" dirty="0"/>
-              <a:t>	</a:t>
-            </a:r>
-            <a:r>
-              <a:rPr lang="en-US" sz="2000" dirty="0" smtClean="0"/>
-              <a:t>	• </a:t>
+              <a:t>		• Triggered by a </a:t>
+            </a:r>
+            <a:r>
+              <a:rPr lang="en-US" sz="2000" dirty="0">
+                <a:highlight>
+                  <a:srgbClr val="00FF00"/>
+                </a:highlight>
+              </a:rPr>
+              <a:t>customer’s</a:t>
             </a:r>
             <a:r>
               <a:rPr lang="en-US" sz="2000" dirty="0"/>
-              <a:t>Triggered by a customer’s request for account data, </a:t>
-            </a:r>
-            <a:r>
-              <a:rPr lang="en-US" sz="2000" dirty="0" smtClean="0"/>
-              <a:t>or</a:t>
+              <a:t> </a:t>
+            </a:r>
+            <a:r>
+              <a:rPr lang="en-US" sz="2000" dirty="0">
+                <a:highlight>
+                  <a:srgbClr val="00FF00"/>
+                </a:highlight>
+              </a:rPr>
+              <a:t>request</a:t>
+            </a:r>
+            <a:r>
+              <a:rPr lang="en-US" sz="2000" dirty="0"/>
+              <a:t> for account data, or</a:t>
             </a:r>
           </a:p>
           <a:p>
@@ -3935,17 +3886,44 @@
             </a:pPr>
             <a:r>
               <a:rPr lang="en-US" sz="2000" dirty="0"/>
-              <a:t>	</a:t>
-            </a:r>
-            <a:r>
-              <a:rPr lang="en-US" sz="2000" dirty="0" smtClean="0"/>
-              <a:t> 	• </a:t>
+              <a:t>	 	• Recovery from a </a:t>
+            </a:r>
+            <a:r>
+              <a:rPr lang="en-US" sz="2000" dirty="0">
+                <a:highlight>
+                  <a:srgbClr val="00FF00"/>
+                </a:highlight>
+              </a:rPr>
+              <a:t>network</a:t>
             </a:r>
             <a:r>
               <a:rPr lang="en-US" sz="2000" dirty="0"/>
-              <a:t>Recovery from a network, power, or another kind of failure. </a:t>
-            </a:r>
-            <a:endParaRPr lang="en-US" sz="2000" dirty="0" smtClean="0"/>
+              <a:t>, </a:t>
+            </a:r>
+            <a:r>
+              <a:rPr lang="en-US" sz="2000" dirty="0">
+                <a:highlight>
+                  <a:srgbClr val="00FF00"/>
+                </a:highlight>
+              </a:rPr>
+              <a:t>power</a:t>
+            </a:r>
+            <a:r>
+              <a:rPr lang="en-US" sz="2000" dirty="0"/>
+              <a:t>, or </a:t>
+            </a:r>
+            <a:r>
+              <a:rPr lang="en-US" sz="2000" dirty="0">
+                <a:highlight>
+                  <a:srgbClr val="00FF00"/>
+                </a:highlight>
+              </a:rPr>
+              <a:t>another kind of failure</a:t>
+            </a:r>
+            <a:r>
+              <a:rPr lang="en-US" sz="2000" dirty="0"/>
+              <a:t>. </a:t>
+            </a:r>
           </a:p>
           <a:p>
             <a:pPr marL="0" indent="0">
@@ -3953,17 +3931,12 @@
             </a:pPr>
             <a:r>
               <a:rPr lang="en-US" sz="2000" dirty="0"/>
-              <a:t>	</a:t>
-            </a:r>
-            <a:r>
-              <a:rPr lang="en-US" sz="2000" dirty="0" smtClean="0"/>
-              <a:t>– </a:t>
+              <a:t>	– </a:t>
             </a:r>
             <a:r>
               <a:rPr lang="en-US" sz="2000" b="1" dirty="0"/>
               <a:t>final event </a:t>
             </a:r>
-            <a:endParaRPr lang="en-US" sz="2000" b="1" dirty="0" smtClean="0"/>
           </a:p>
           <a:p>
             <a:pPr marL="0" indent="0">
@@ -3971,15 +3944,19 @@
             </a:pPr>
             <a:r>
               <a:rPr lang="en-US" sz="2000" dirty="0"/>
-              <a:t>	</a:t>
-            </a:r>
-            <a:r>
-              <a:rPr lang="en-US" sz="2000" dirty="0" smtClean="0"/>
-              <a:t>	• </a:t>
+              <a:t>		• </a:t>
+            </a:r>
+            <a:r>
+              <a:rPr lang="en-US" sz="2000" dirty="0">
+                <a:highlight>
+                  <a:srgbClr val="00FF00"/>
+                </a:highlight>
+              </a:rPr>
+              <a:t>Successful</a:t>
             </a:r>
             <a:r>
               <a:rPr lang="en-US" sz="2000" dirty="0"/>
-              <a:t>Successful transmission of data.</a:t>
+              <a:t> transmission of data.</a:t>
             </a:r>
             <a:endParaRPr lang="en-IN" sz="2000" dirty="0"/>
           </a:p>
@@ -4001,7 +3978,7 @@
           <a:lstStyle/>
           <a:p>
             <a:r>
-              <a:rPr lang="en-US" smtClean="0"/>
+              <a:rPr lang="en-US"/>
               <a:t>Department of Computer Science and Engineering</a:t>
             </a:r>
             <a:endParaRPr lang="en-US" dirty="0"/>
@@ -4074,19 +4051,19 @@
         </p:nvSpPr>
         <p:spPr>
           <a:xfrm>
-            <a:off x="457200" y="274638"/>
+            <a:off x="457200" y="246357"/>
             <a:ext cx="8229600" cy="639762"/>
           </a:xfrm>
         </p:spPr>
         <p:txBody>
           <a:bodyPr>
-            <a:normAutofit fontScale="90000"/>
+            <a:noAutofit/>
           </a:bodyPr>
           <a:lstStyle/>
           <a:p>
             <a:r>
-              <a:rPr lang="en-IN" dirty="0"/>
-              <a:t>Preparing Normal Scenarios</a:t>
+              <a:rPr lang="en-IN" sz="3600" dirty="0"/>
+              <a:t>Preparing Normal Scenarios(DFFF PAF POC)</a:t>
             </a:r>
           </a:p>
         </p:txBody>
@@ -4113,27 +4090,66 @@
           <a:p>
             <a:r>
               <a:rPr lang="en-US" sz="2000" dirty="0"/>
-              <a:t>For each use case, prepare one or more typical dialogs.</a:t>
-            </a:r>
-            <a:endParaRPr lang="en-US" sz="2000" dirty="0" smtClean="0"/>
-          </a:p>
-          <a:p>
-            <a:r>
-              <a:rPr lang="en-US" sz="2000" dirty="0" smtClean="0"/>
-              <a:t>A </a:t>
+              <a:t>For each </a:t>
+            </a:r>
+            <a:r>
+              <a:rPr lang="en-US" sz="2000" dirty="0">
+                <a:highlight>
+                  <a:srgbClr val="00FF00"/>
+                </a:highlight>
+              </a:rPr>
+              <a:t>use case</a:t>
             </a:r>
             <a:r>
               <a:rPr lang="en-US" sz="2000" dirty="0"/>
-              <a:t>scenario is a sequence of events among a set of interacting objects</a:t>
-            </a:r>
-            <a:r>
-              <a:rPr lang="en-US" sz="2000" dirty="0" smtClean="0"/>
+              <a:t>, prepare </a:t>
+            </a:r>
+            <a:r>
+              <a:rPr lang="en-US" sz="2000" dirty="0">
+                <a:highlight>
+                  <a:srgbClr val="00FF00"/>
+                </a:highlight>
+              </a:rPr>
+              <a:t>one or more typical dialogs</a:t>
+            </a:r>
+            <a:r>
+              <a:rPr lang="en-US" sz="2000" dirty="0"/>
               <a:t>.</a:t>
             </a:r>
           </a:p>
           <a:p>
             <a:r>
-              <a:rPr lang="en-US" sz="2000" dirty="0" smtClean="0"/>
+              <a:rPr lang="en-US" sz="2000" dirty="0"/>
+              <a:t>A scenario is a </a:t>
+            </a:r>
+            <a:r>
+              <a:rPr lang="en-US" sz="2000" dirty="0">
+                <a:highlight>
+                  <a:srgbClr val="00FF00"/>
+                </a:highlight>
+              </a:rPr>
+              <a:t>sequence of events </a:t>
+            </a:r>
+            <a:r>
+              <a:rPr lang="en-US" sz="2000" dirty="0"/>
+              <a:t>among a </a:t>
+            </a:r>
+            <a:r>
+              <a:rPr lang="en-US" sz="2000" dirty="0">
+                <a:highlight>
+                  <a:srgbClr val="00FF00"/>
+                </a:highlight>
+              </a:rPr>
+              <a:t>set of interacting objects</a:t>
+            </a:r>
+            <a:r>
+              <a:rPr lang="en-US" sz="2000" dirty="0"/>
+              <a:t>.</a:t>
+            </a:r>
+          </a:p>
+          <a:p>
+            <a:r>
+              <a:rPr lang="en-US" sz="2000" dirty="0"/>
               <a:t>Let us see some examples.</a:t>
             </a:r>
           </a:p>
@@ -4142,12 +4158,8 @@
               <a:buNone/>
             </a:pPr>
             <a:r>
-              <a:rPr lang="en-IN" sz="2000" dirty="0" smtClean="0"/>
-              <a:t>		Normal </a:t>
-            </a:r>
-            <a:r>
               <a:rPr lang="en-IN" sz="2000" dirty="0"/>
-              <a:t>ATM scenarios</a:t>
+              <a:t>		Normal ATM scenarios</a:t>
             </a:r>
           </a:p>
         </p:txBody>
@@ -4168,7 +4180,7 @@
           <a:lstStyle/>
           <a:p>
             <a:r>
-              <a:rPr lang="en-US" smtClean="0"/>
+              <a:rPr lang="en-US"/>
               <a:t>Department of Computer Science and Engineering</a:t>
             </a:r>
             <a:endParaRPr lang="en-US" dirty="0"/>
@@ -4341,7 +4353,7 @@
           <a:lstStyle/>
           <a:p>
             <a:r>
-              <a:rPr lang="en-US" smtClean="0"/>
+              <a:rPr lang="en-US"/>
               <a:t>Department of Computer Science and Engineering</a:t>
             </a:r>
             <a:endParaRPr lang="en-US" dirty="0"/>
@@ -4420,15 +4432,15 @@
         </p:spPr>
         <p:txBody>
           <a:bodyPr>
-            <a:normAutofit fontScale="90000"/>
+            <a:normAutofit/>
           </a:bodyPr>
           <a:lstStyle/>
           <a:p>
             <a:r>
-              <a:rPr lang="en-US" sz="3600" dirty="0"/>
-              <a:t>Adding Variation and Exception Scenarios</a:t>
-            </a:r>
-            <a:endParaRPr lang="en-IN" sz="3600" dirty="0"/>
+              <a:rPr lang="en-US" sz="2400" dirty="0"/>
+              <a:t>Adding Variation and Exception Scenarios (DFFF PAF POC)</a:t>
+            </a:r>
+            <a:endParaRPr lang="en-IN" sz="2400" dirty="0"/>
           </a:p>
         </p:txBody>
       </p:sp>
@@ -4456,46 +4468,62 @@
           <a:p>
             <a:r>
               <a:rPr lang="en-US" sz="2200" dirty="0"/>
-              <a:t>After you have prepared typical scenarios, consider “</a:t>
-            </a:r>
-            <a:r>
-              <a:rPr lang="en-US" sz="2200" dirty="0" smtClean="0"/>
-              <a:t>special</a:t>
+              <a:t>After you have prepared </a:t>
+            </a:r>
+            <a:r>
+              <a:rPr lang="en-US" sz="2200" dirty="0">
+                <a:highlight>
+                  <a:srgbClr val="00FF00"/>
+                </a:highlight>
+              </a:rPr>
+              <a:t>typical scenarios, </a:t>
             </a:r>
             <a:r>
               <a:rPr lang="en-US" sz="2200" dirty="0"/>
-              <a:t> </a:t>
-            </a:r>
-            <a:r>
-              <a:rPr lang="en-US" sz="2200" dirty="0" smtClean="0"/>
-              <a:t>cases and error cases”.</a:t>
-            </a:r>
-          </a:p>
-          <a:p>
+              <a:t>consider “</a:t>
+            </a:r>
+            <a:r>
+              <a:rPr lang="en-US" sz="2200" dirty="0">
+                <a:highlight>
+                  <a:srgbClr val="00FF00"/>
+                </a:highlight>
+              </a:rPr>
+              <a:t>special cases and error cases</a:t>
+            </a:r>
+            <a:r>
+              <a:rPr lang="en-US" sz="2200" dirty="0"/>
+              <a:t>”. </a:t>
+            </a:r>
+            <a:r>
+              <a:rPr lang="en-US" sz="2200" dirty="0">
+                <a:highlight>
+                  <a:srgbClr val="00FFFF"/>
+                </a:highlight>
+              </a:rPr>
+              <a:t>( SPECIAL ERROR OTHERS )</a:t>
+            </a:r>
+          </a:p>
+          <a:p>
+            <a:pPr marL="457200" indent="-457200">
+              <a:buFont typeface="+mj-lt"/>
+              <a:buAutoNum type="arabicPeriod"/>
+            </a:pPr>
             <a:r>
               <a:rPr lang="en-IN" sz="2200" b="1" dirty="0"/>
-              <a:t>Special </a:t>
-            </a:r>
-            <a:r>
-              <a:rPr lang="en-IN" sz="2200" b="1" dirty="0" smtClean="0"/>
-              <a:t>cases </a:t>
-            </a:r>
-            <a:r>
-              <a:rPr lang="en-IN" sz="2200" dirty="0" smtClean="0"/>
-              <a:t>such as Omitted </a:t>
+              <a:t>Special cases </a:t>
             </a:r>
             <a:r>
               <a:rPr lang="en-IN" sz="2200" dirty="0"/>
-              <a:t>input E.g., maximum values, </a:t>
-            </a:r>
-            <a:r>
-              <a:rPr lang="en-IN" sz="2200" dirty="0" smtClean="0"/>
-              <a:t>minimum value</a:t>
-            </a:r>
-          </a:p>
-          <a:p>
-            <a:r>
-              <a:rPr lang="en-IN" sz="2200" dirty="0" smtClean="0"/>
+              <a:t>such as Omitted input E.g., maximum values, minimum value</a:t>
+            </a:r>
+          </a:p>
+          <a:p>
+            <a:pPr marL="457200" indent="-457200">
+              <a:buFont typeface="+mj-lt"/>
+              <a:buAutoNum type="arabicPeriod"/>
+            </a:pPr>
+            <a:r>
+              <a:rPr lang="en-IN" sz="2200" dirty="0"/>
               <a:t> </a:t>
             </a:r>
             <a:r>
@@ -4506,118 +4534,156 @@
               <a:rPr lang="en-IN" sz="2200" dirty="0"/>
               <a:t>E.g. Invalid values, failures to respond </a:t>
             </a:r>
-            <a:endParaRPr lang="en-IN" sz="2200" dirty="0" smtClean="0"/>
-          </a:p>
-          <a:p>
-            <a:r>
-              <a:rPr lang="en-IN" sz="2200" b="1" dirty="0" smtClean="0"/>
-              <a:t>Other </a:t>
-            </a:r>
+          </a:p>
+          <a:p>
+            <a:pPr marL="457200" indent="-457200">
+              <a:buFont typeface="+mj-lt"/>
+              <a:buAutoNum type="arabicPeriod"/>
+            </a:pPr>
             <a:r>
               <a:rPr lang="en-IN" sz="2200" b="1" dirty="0"/>
-              <a:t>cases </a:t>
+              <a:t>Other cases </a:t>
             </a:r>
             <a:r>
               <a:rPr lang="en-IN" sz="2200" dirty="0"/>
               <a:t>E.g. Help requests, status queries</a:t>
             </a:r>
-            <a:endParaRPr lang="en-US" sz="2200" dirty="0" smtClean="0"/>
+            <a:endParaRPr lang="en-US" sz="2200" dirty="0"/>
           </a:p>
           <a:p>
             <a:pPr marL="0" indent="0">
               <a:buNone/>
             </a:pPr>
             <a:r>
-              <a:rPr lang="en-US" sz="2200" b="1" dirty="0" smtClean="0"/>
-              <a:t>For ATM </a:t>
-            </a:r>
-            <a:r>
               <a:rPr lang="en-US" sz="2200" b="1" dirty="0"/>
-              <a:t>example</a:t>
+              <a:t>For ATM example</a:t>
             </a:r>
             <a:r>
               <a:rPr lang="en-US" sz="2200" dirty="0"/>
               <a:t>. Some variations and exceptions follow. </a:t>
             </a:r>
-            <a:endParaRPr lang="en-US" sz="2200" dirty="0" smtClean="0"/>
-          </a:p>
-          <a:p>
-            <a:r>
-              <a:rPr lang="en-US" sz="2200" dirty="0" smtClean="0"/>
+          </a:p>
+          <a:p>
+            <a:r>
+              <a:rPr lang="en-US" sz="2200" dirty="0"/>
               <a:t>The </a:t>
             </a:r>
             <a:r>
+              <a:rPr lang="en-US" sz="2200" dirty="0">
+                <a:solidFill>
+                  <a:srgbClr val="FF0000"/>
+                </a:solidFill>
+              </a:rPr>
+              <a:t>ATM can’t read the card</a:t>
+            </a:r>
+            <a:r>
               <a:rPr lang="en-US" sz="2200" dirty="0"/>
-              <a:t>ATM can’t read the </a:t>
-            </a:r>
-            <a:r>
-              <a:rPr lang="en-US" sz="2200" dirty="0" smtClean="0"/>
-              <a:t>card.</a:t>
-            </a:r>
-          </a:p>
-          <a:p>
-            <a:r>
-              <a:rPr lang="en-US" sz="2200" dirty="0" smtClean="0"/>
-              <a:t>The </a:t>
-            </a:r>
+              <a:t>.</a:t>
+            </a:r>
+          </a:p>
+          <a:p>
             <a:r>
               <a:rPr lang="en-US" sz="2200" dirty="0"/>
-              <a:t>card has expired. </a:t>
-            </a:r>
-          </a:p>
-          <a:p>
-            <a:r>
-              <a:rPr lang="en-US" sz="2200" dirty="0" smtClean="0"/>
-              <a:t>The </a:t>
+              <a:t>The card has </a:t>
+            </a:r>
+            <a:r>
+              <a:rPr lang="en-US" sz="2200" dirty="0">
+                <a:solidFill>
+                  <a:srgbClr val="FF0000"/>
+                </a:solidFill>
+              </a:rPr>
+              <a:t>expired</a:t>
             </a:r>
             <a:r>
               <a:rPr lang="en-US" sz="2200" dirty="0"/>
-              <a:t>ATM times out waiting for a response. </a:t>
-            </a:r>
-            <a:endParaRPr lang="en-US" sz="2200" dirty="0" smtClean="0"/>
-          </a:p>
-          <a:p>
-            <a:r>
-              <a:rPr lang="en-US" sz="2200" dirty="0" smtClean="0"/>
-              <a:t>The </a:t>
+              <a:t>. </a:t>
+            </a:r>
+          </a:p>
+          <a:p>
+            <a:r>
+              <a:rPr lang="en-US" sz="2200" dirty="0">
+                <a:solidFill>
+                  <a:srgbClr val="FF0000"/>
+                </a:solidFill>
+              </a:rPr>
+              <a:t>The ATM times </a:t>
             </a:r>
             <a:r>
               <a:rPr lang="en-US" sz="2200" dirty="0"/>
-              <a:t>amount is invalid. </a:t>
-            </a:r>
-            <a:endParaRPr lang="en-US" sz="2200" dirty="0" smtClean="0"/>
-          </a:p>
-          <a:p>
-            <a:r>
-              <a:rPr lang="en-US" sz="2200" dirty="0" smtClean="0"/>
-              <a:t>The </a:t>
+              <a:t>out </a:t>
+            </a:r>
+            <a:r>
+              <a:rPr lang="en-US" sz="2200" dirty="0">
+                <a:solidFill>
+                  <a:srgbClr val="FF0000"/>
+                </a:solidFill>
+              </a:rPr>
+              <a:t>waiting</a:t>
             </a:r>
             <a:r>
               <a:rPr lang="en-US" sz="2200" dirty="0"/>
-              <a:t>machine is out of cash or paper. </a:t>
-            </a:r>
-          </a:p>
-          <a:p>
-            <a:r>
-              <a:rPr lang="en-US" sz="2200" dirty="0" smtClean="0"/>
-              <a:t>The </a:t>
-            </a:r>
+              <a:t> for a response. </a:t>
+            </a:r>
+          </a:p>
+          <a:p>
             <a:r>
               <a:rPr lang="en-US" sz="2200" dirty="0"/>
-              <a:t>communication lines are down. </a:t>
-            </a:r>
-            <a:endParaRPr lang="en-US" sz="2200" dirty="0" smtClean="0"/>
-          </a:p>
-          <a:p>
-            <a:r>
-              <a:rPr lang="en-US" sz="2200" dirty="0" smtClean="0"/>
-              <a:t>The </a:t>
+              <a:t>The amount is </a:t>
+            </a:r>
+            <a:r>
+              <a:rPr lang="en-US" sz="2200" dirty="0">
+                <a:solidFill>
+                  <a:srgbClr val="FF0000"/>
+                </a:solidFill>
+              </a:rPr>
+              <a:t>invalid</a:t>
             </a:r>
             <a:r>
               <a:rPr lang="en-US" sz="2200" dirty="0"/>
-              <a:t>transaction is rejected because of suspicious patterns of card usage.</a:t>
-            </a:r>
-            <a:endParaRPr lang="en-US" sz="2200" dirty="0" smtClean="0"/>
+              <a:t>. </a:t>
+            </a:r>
+          </a:p>
+          <a:p>
+            <a:r>
+              <a:rPr lang="en-US" sz="2200" dirty="0"/>
+              <a:t>The machine is </a:t>
+            </a:r>
+            <a:r>
+              <a:rPr lang="en-US" sz="2200" dirty="0">
+                <a:solidFill>
+                  <a:srgbClr val="FF0000"/>
+                </a:solidFill>
+              </a:rPr>
+              <a:t>out of cash or paper</a:t>
+            </a:r>
+            <a:r>
+              <a:rPr lang="en-US" sz="2200" dirty="0"/>
+              <a:t>. </a:t>
+            </a:r>
+          </a:p>
+          <a:p>
+            <a:r>
+              <a:rPr lang="en-US" sz="2200" dirty="0"/>
+              <a:t>The communication lines are down. </a:t>
+            </a:r>
+          </a:p>
+          <a:p>
+            <a:r>
+              <a:rPr lang="en-US" sz="2200" dirty="0"/>
+              <a:t>The transaction is </a:t>
+            </a:r>
+            <a:r>
+              <a:rPr lang="en-US" sz="2200" dirty="0">
+                <a:solidFill>
+                  <a:srgbClr val="FF0000"/>
+                </a:solidFill>
+              </a:rPr>
+              <a:t>rejected</a:t>
+            </a:r>
+            <a:r>
+              <a:rPr lang="en-US" sz="2200" dirty="0"/>
+              <a:t> because of suspicious patterns of card usage.</a:t>
+            </a:r>
           </a:p>
         </p:txBody>
       </p:sp>
@@ -4637,7 +4703,7 @@
           <a:lstStyle/>
           <a:p>
             <a:r>
-              <a:rPr lang="en-US" smtClean="0"/>
+              <a:rPr lang="en-US"/>
               <a:t>Department of Computer Science and Engineering</a:t>
             </a:r>
             <a:endParaRPr lang="en-US" dirty="0"/>
@@ -4716,13 +4782,13 @@
         </p:spPr>
         <p:txBody>
           <a:bodyPr>
-            <a:normAutofit/>
+            <a:normAutofit fontScale="90000"/>
           </a:bodyPr>
           <a:lstStyle/>
           <a:p>
             <a:r>
               <a:rPr lang="en-IN" dirty="0"/>
-              <a:t>Finding External Events</a:t>
+              <a:t>Finding External Events(DFFF PAF POC)</a:t>
             </a:r>
           </a:p>
         </p:txBody>
@@ -4745,7 +4811,7 @@
         </p:spPr>
         <p:txBody>
           <a:bodyPr>
-            <a:normAutofit fontScale="85000" lnSpcReduction="20000"/>
+            <a:normAutofit fontScale="77500" lnSpcReduction="20000"/>
           </a:bodyPr>
           <a:lstStyle/>
           <a:p>
@@ -4760,23 +4826,43 @@
               <a:rPr lang="en-US" sz="3100" dirty="0"/>
               <a:t>The external events include </a:t>
             </a:r>
-            <a:endParaRPr lang="en-US" sz="3100" dirty="0" smtClean="0"/>
           </a:p>
           <a:p>
             <a:pPr marL="0" indent="0" algn="just">
               <a:buNone/>
             </a:pPr>
             <a:r>
-              <a:rPr lang="en-US" sz="3100" dirty="0" smtClean="0"/>
+              <a:rPr lang="en-US" sz="3100" dirty="0"/>
               <a:t>	– </a:t>
             </a:r>
             <a:r>
+              <a:rPr lang="en-US" sz="3100" dirty="0">
+                <a:highlight>
+                  <a:srgbClr val="00FFFF"/>
+                </a:highlight>
+              </a:rPr>
+              <a:t>All inputs,</a:t>
+            </a:r>
+          </a:p>
+          <a:p>
+            <a:pPr marL="0" indent="0" algn="just">
+              <a:buNone/>
+            </a:pPr>
+            <a:r>
               <a:rPr lang="en-US" sz="3100" dirty="0"/>
-              <a:t>All inputs</a:t>
-            </a:r>
-            <a:r>
-              <a:rPr lang="en-US" sz="3100" dirty="0" smtClean="0"/>
-              <a:t>,</a:t>
+              <a:t>	 – </a:t>
+            </a:r>
+            <a:r>
+              <a:rPr lang="en-US" sz="3100" dirty="0">
+                <a:highlight>
+                  <a:srgbClr val="00FFFF"/>
+                </a:highlight>
+              </a:rPr>
+              <a:t>decisions</a:t>
+            </a:r>
+            <a:r>
+              <a:rPr lang="en-US" sz="3100" dirty="0"/>
+              <a:t>, </a:t>
             </a:r>
           </a:p>
           <a:p>
@@ -4784,124 +4870,156 @@
               <a:buNone/>
             </a:pPr>
             <a:r>
-              <a:rPr lang="en-US" sz="3100" dirty="0" smtClean="0"/>
-              <a:t>	 </a:t>
-            </a:r>
-            <a:r>
               <a:rPr lang="en-US" sz="3100" dirty="0"/>
-              <a:t>– decisions, </a:t>
-            </a:r>
-            <a:endParaRPr lang="en-US" sz="3100" dirty="0" smtClean="0"/>
+              <a:t>	– </a:t>
+            </a:r>
+            <a:r>
+              <a:rPr lang="en-US" sz="3100" dirty="0">
+                <a:highlight>
+                  <a:srgbClr val="00FFFF"/>
+                </a:highlight>
+              </a:rPr>
+              <a:t>interrupts</a:t>
+            </a:r>
+            <a:r>
+              <a:rPr lang="en-US" sz="3100" dirty="0"/>
+              <a:t>, and </a:t>
+            </a:r>
           </a:p>
           <a:p>
             <a:pPr marL="0" indent="0" algn="just">
               <a:buNone/>
             </a:pPr>
             <a:r>
-              <a:rPr lang="en-US" sz="3100" dirty="0" smtClean="0"/>
+              <a:rPr lang="en-US" sz="3100" dirty="0"/>
               <a:t>	– </a:t>
             </a:r>
             <a:r>
+              <a:rPr lang="en-US" sz="3100" dirty="0">
+                <a:highlight>
+                  <a:srgbClr val="00FFFF"/>
+                </a:highlight>
+              </a:rPr>
+              <a:t>Interactions to or from users or external devices.</a:t>
+            </a:r>
+          </a:p>
+          <a:p>
+            <a:pPr algn="just"/>
+            <a:r>
               <a:rPr lang="en-US" sz="3100" dirty="0"/>
-              <a:t>interrupts, and </a:t>
-            </a:r>
-            <a:endParaRPr lang="en-US" sz="3100" dirty="0" smtClean="0"/>
-          </a:p>
-          <a:p>
-            <a:pPr marL="0" indent="0" algn="just">
-              <a:buNone/>
-            </a:pPr>
-            <a:r>
-              <a:rPr lang="en-US" sz="3100" dirty="0" smtClean="0"/>
-              <a:t>	– </a:t>
+              <a:t>An event can trigger effects for a target object. (</a:t>
+            </a:r>
+            <a:r>
+              <a:rPr lang="en-US" sz="3100" dirty="0" err="1"/>
+              <a:t>Defination</a:t>
             </a:r>
             <a:r>
               <a:rPr lang="en-US" sz="3100" dirty="0"/>
-              <a:t>Interactions to or from users or external devices</a:t>
-            </a:r>
-            <a:r>
-              <a:rPr lang="en-US" sz="3100" dirty="0" smtClean="0"/>
+              <a:t> of the events)</a:t>
+            </a:r>
+          </a:p>
+          <a:p>
+            <a:pPr algn="just"/>
+            <a:r>
+              <a:rPr lang="en-US" sz="3100" dirty="0"/>
+              <a:t>Use </a:t>
+            </a:r>
+            <a:r>
+              <a:rPr lang="en-US" sz="3100" dirty="0">
+                <a:highlight>
+                  <a:srgbClr val="00FFFF"/>
+                </a:highlight>
+              </a:rPr>
+              <a:t>scenarios</a:t>
+            </a:r>
+            <a:r>
+              <a:rPr lang="en-US" sz="3100" dirty="0"/>
+              <a:t> for </a:t>
+            </a:r>
+            <a:r>
+              <a:rPr lang="en-US" sz="3100" dirty="0">
+                <a:highlight>
+                  <a:srgbClr val="00FFFF"/>
+                </a:highlight>
+              </a:rPr>
+              <a:t>normal events</a:t>
+            </a:r>
+            <a:r>
+              <a:rPr lang="en-US" sz="3100" dirty="0"/>
               <a:t>.</a:t>
             </a:r>
           </a:p>
           <a:p>
             <a:pPr algn="just"/>
             <a:r>
-              <a:rPr lang="en-US" sz="3100" dirty="0" smtClean="0"/>
-              <a:t>An </a:t>
+              <a:rPr lang="en-US" sz="3100" dirty="0">
+                <a:highlight>
+                  <a:srgbClr val="00FFFF"/>
+                </a:highlight>
+              </a:rPr>
+              <a:t>Internal computation (not events)</a:t>
             </a:r>
             <a:r>
               <a:rPr lang="en-US" sz="3100" dirty="0"/>
-              <a:t>event can trigger effects for a target object. </a:t>
-            </a:r>
-            <a:endParaRPr lang="en-US" sz="3100" dirty="0" smtClean="0"/>
+              <a:t> steps are not events, except for computations that </a:t>
+            </a:r>
+            <a:r>
+              <a:rPr lang="en-US" sz="3100" dirty="0">
+                <a:highlight>
+                  <a:srgbClr val="00FFFF"/>
+                </a:highlight>
+              </a:rPr>
+              <a:t>interact</a:t>
+            </a:r>
+            <a:r>
+              <a:rPr lang="en-US" sz="3100" dirty="0"/>
+              <a:t> with </a:t>
+            </a:r>
+            <a:r>
+              <a:rPr lang="en-IN" sz="3100" dirty="0"/>
+              <a:t>the </a:t>
+            </a:r>
+            <a:r>
+              <a:rPr lang="en-IN" sz="3100" dirty="0">
+                <a:highlight>
+                  <a:srgbClr val="00FFFF"/>
+                </a:highlight>
+              </a:rPr>
+              <a:t>external world</a:t>
+            </a:r>
+            <a:r>
+              <a:rPr lang="en-IN" sz="3100" dirty="0"/>
+              <a:t>.</a:t>
+            </a:r>
           </a:p>
           <a:p>
             <a:pPr algn="just"/>
             <a:r>
-              <a:rPr lang="en-US" sz="3100" dirty="0" smtClean="0"/>
-              <a:t>Use scenarios for normal events.</a:t>
+              <a:rPr lang="en-US" sz="3100" dirty="0"/>
+              <a:t>A transmittal of information to an object is an event.</a:t>
             </a:r>
           </a:p>
           <a:p>
             <a:pPr algn="just"/>
             <a:r>
-              <a:rPr lang="en-US" sz="3100" dirty="0" smtClean="0"/>
-              <a:t>Internal </a:t>
+              <a:rPr lang="en-US" sz="3100" b="1" dirty="0"/>
+              <a:t>For example</a:t>
             </a:r>
             <a:r>
               <a:rPr lang="en-US" sz="3100" dirty="0"/>
-              <a:t>computation steps are not events, except for computations that interact </a:t>
-            </a:r>
-            <a:r>
-              <a:rPr lang="en-US" sz="3100" dirty="0" smtClean="0"/>
-              <a:t>with </a:t>
-            </a:r>
-            <a:r>
-              <a:rPr lang="en-IN" sz="3100" dirty="0" smtClean="0"/>
-              <a:t>the </a:t>
-            </a:r>
-            <a:r>
-              <a:rPr lang="en-IN" sz="3100" dirty="0"/>
-              <a:t>external world</a:t>
-            </a:r>
-            <a:r>
-              <a:rPr lang="en-IN" sz="3100" dirty="0" smtClean="0"/>
-              <a:t>.</a:t>
-            </a:r>
-          </a:p>
-          <a:p>
-            <a:pPr algn="just"/>
+              <a:t>, </a:t>
+            </a:r>
+            <a:r>
+              <a:rPr lang="en-US" sz="3100" dirty="0">
+                <a:highlight>
+                  <a:srgbClr val="FFFF00"/>
+                </a:highlight>
+              </a:rPr>
+              <a:t>enter password is a message sent from external agent(from keyboard)  User to application object ATM.</a:t>
+            </a:r>
             <a:r>
               <a:rPr lang="en-US" sz="3100" dirty="0"/>
-              <a:t>A transmittal of information to an object is an </a:t>
-            </a:r>
-            <a:r>
-              <a:rPr lang="en-US" sz="3100" dirty="0" smtClean="0"/>
-              <a:t>event.</a:t>
-            </a:r>
-          </a:p>
-          <a:p>
-            <a:pPr algn="just"/>
-            <a:r>
-              <a:rPr lang="en-US" sz="3100" b="1" dirty="0" smtClean="0"/>
-              <a:t>For </a:t>
-            </a:r>
-            <a:r>
-              <a:rPr lang="en-US" sz="3100" b="1" dirty="0"/>
-              <a:t>example</a:t>
-            </a:r>
-            <a:r>
-              <a:rPr lang="en-US" sz="3100" dirty="0"/>
-              <a:t>, enter password is a message sent from external </a:t>
-            </a:r>
-            <a:r>
-              <a:rPr lang="en-US" sz="3100" dirty="0" smtClean="0"/>
-              <a:t>agent(from keyboard)  </a:t>
-            </a:r>
-            <a:r>
-              <a:rPr lang="en-US" sz="3100" dirty="0"/>
-              <a:t>User to application object ATM. Some information flows are implicit. Many events have parameters</a:t>
+              <a:t> Some information flows are implicit. Many events have parameters</a:t>
             </a:r>
             <a:endParaRPr lang="en-IN" sz="3100" dirty="0"/>
           </a:p>
@@ -4923,7 +5041,7 @@
           <a:lstStyle/>
           <a:p>
             <a:r>
-              <a:rPr lang="en-US" smtClean="0"/>
+              <a:rPr lang="en-US"/>
               <a:t>Department of Computer Science and Engineering</a:t>
             </a:r>
             <a:endParaRPr lang="en-US" dirty="0"/>
@@ -5026,7 +5144,7 @@
           <a:lstStyle/>
           <a:p>
             <a:r>
-              <a:rPr lang="en-US" smtClean="0"/>
+              <a:rPr lang="en-US"/>
               <a:t>Department of Computer Science and Engineering</a:t>
             </a:r>
             <a:endParaRPr lang="en-US" dirty="0"/>
@@ -5082,62 +5200,125 @@
               <a:rPr lang="en-US" sz="2000" b="1" dirty="0"/>
               <a:t>Sequence diagram </a:t>
             </a:r>
-            <a:endParaRPr lang="en-US" sz="2000" b="1" dirty="0" smtClean="0"/>
-          </a:p>
-          <a:p>
-            <a:r>
-              <a:rPr lang="en-US" sz="2000" dirty="0" smtClean="0"/>
-              <a:t>• </a:t>
-            </a:r>
+          </a:p>
+          <a:p>
             <a:r>
               <a:rPr lang="en-US" sz="2000" dirty="0"/>
-              <a:t>Prepare a sequence diagram for each scenario. </a:t>
-            </a:r>
-            <a:endParaRPr lang="en-US" sz="2000" dirty="0" smtClean="0"/>
-          </a:p>
-          <a:p>
-            <a:r>
-              <a:rPr lang="en-US" sz="2000" dirty="0" smtClean="0"/>
-              <a:t>• </a:t>
+              <a:t>• Prepare a sequence diagram for </a:t>
+            </a:r>
+            <a:r>
+              <a:rPr lang="en-US" sz="2000" dirty="0">
+                <a:highlight>
+                  <a:srgbClr val="00FF00"/>
+                </a:highlight>
+              </a:rPr>
+              <a:t>each scenario</a:t>
             </a:r>
             <a:r>
               <a:rPr lang="en-US" sz="2000" dirty="0"/>
-              <a:t>The sequence diagram captures the dialog and interplay between actors</a:t>
-            </a:r>
-            <a:r>
-              <a:rPr lang="en-US" sz="2000" dirty="0" smtClean="0"/>
-              <a:t>.</a:t>
-            </a:r>
-          </a:p>
-          <a:p>
-            <a:r>
-              <a:rPr lang="en-US" sz="2000" dirty="0" smtClean="0"/>
-              <a:t> </a:t>
-            </a:r>
+              <a:t>. </a:t>
+            </a:r>
+          </a:p>
+          <a:p>
             <a:r>
               <a:rPr lang="en-US" sz="2000" dirty="0"/>
-              <a:t>The sequence diagram clearly shows the sender and receiver of each event </a:t>
-            </a:r>
-            <a:endParaRPr lang="en-US" sz="2000" b="1" dirty="0" smtClean="0"/>
-          </a:p>
-          <a:p>
-            <a:r>
-              <a:rPr lang="en-US" sz="2000" b="1" dirty="0" smtClean="0"/>
-              <a:t>ATM </a:t>
-            </a:r>
+              <a:t>• The sequence diagram </a:t>
+            </a:r>
+            <a:r>
+              <a:rPr lang="en-US" sz="2000" dirty="0">
+                <a:highlight>
+                  <a:srgbClr val="00FF00"/>
+                </a:highlight>
+              </a:rPr>
+              <a:t>captures the dialog and interplay between actors.</a:t>
+            </a:r>
+          </a:p>
+          <a:p>
+            <a:r>
+              <a:rPr lang="en-US" sz="2000" dirty="0"/>
+              <a:t> The sequence diagram clearly shows the </a:t>
+            </a:r>
+            <a:r>
+              <a:rPr lang="en-US" sz="2000" dirty="0">
+                <a:highlight>
+                  <a:srgbClr val="00FF00"/>
+                </a:highlight>
+              </a:rPr>
+              <a:t>sender and receiver of each event </a:t>
+            </a:r>
+            <a:endParaRPr lang="en-US" sz="2000" b="1" dirty="0">
+              <a:highlight>
+                <a:srgbClr val="00FF00"/>
+              </a:highlight>
+            </a:endParaRPr>
+          </a:p>
+          <a:p>
             <a:r>
               <a:rPr lang="en-US" sz="2000" b="1" dirty="0"/>
-              <a:t>Example</a:t>
-            </a:r>
-            <a:r>
-              <a:rPr lang="en-US" sz="2000" b="1" dirty="0" smtClean="0"/>
-              <a:t>: Sequence </a:t>
-            </a:r>
-            <a:r>
-              <a:rPr lang="en-US" sz="2000" b="1" dirty="0"/>
-              <a:t>diagram of the process transaction</a:t>
+              <a:t>ATM Example: Sequence diagram of the process transaction</a:t>
             </a:r>
             <a:endParaRPr lang="en-IN" sz="2000" b="1" dirty="0"/>
+          </a:p>
+        </p:txBody>
+      </p:sp>
+      <p:sp>
+        <p:nvSpPr>
+          <p:cNvPr id="3" name="Rectangle 2">
+            <a:extLst>
+              <a:ext uri="{FF2B5EF4-FFF2-40B4-BE49-F238E27FC236}">
+                <a16:creationId xmlns:a16="http://schemas.microsoft.com/office/drawing/2014/main" id="{8E6AF109-0513-486B-043D-48B8CC55C8EC}"/>
+              </a:ext>
+            </a:extLst>
+          </p:cNvPr>
+          <p:cNvSpPr/>
+          <p:nvPr/>
+        </p:nvSpPr>
+        <p:spPr>
+          <a:xfrm>
+            <a:off x="1600200" y="21210"/>
+            <a:ext cx="5458161" cy="553998"/>
+          </a:xfrm>
+          <a:prstGeom prst="rect">
+            <a:avLst/>
+          </a:prstGeom>
+          <a:noFill/>
+        </p:spPr>
+        <p:txBody>
+          <a:bodyPr wrap="none" lIns="91440" tIns="45720" rIns="91440" bIns="45720">
+            <a:spAutoFit/>
+          </a:bodyPr>
+          <a:lstStyle/>
+          <a:p>
+            <a:pPr algn="ctr"/>
+            <a:r>
+              <a:rPr lang="en-US" sz="3000" b="0" cap="none" spc="0" dirty="0">
+                <a:ln w="0"/>
+                <a:solidFill>
+                  <a:schemeClr val="tx1"/>
+                </a:solidFill>
+                <a:effectLst>
+                  <a:outerShdw blurRad="38100" dist="19050" dir="2700000" algn="tl" rotWithShape="0">
+                    <a:schemeClr val="dk1">
+                      <a:alpha val="40000"/>
+                    </a:schemeClr>
+                  </a:outerShdw>
+                </a:effectLst>
+              </a:rPr>
+              <a:t>This comes in the  external events</a:t>
+            </a:r>
+            <a:endParaRPr lang="en-IN" sz="3000" b="0" cap="none" spc="0" dirty="0">
+              <a:ln w="0"/>
+              <a:solidFill>
+                <a:schemeClr val="tx1"/>
+              </a:solidFill>
+              <a:effectLst>
+                <a:outerShdw blurRad="38100" dist="19050" dir="2700000" algn="tl" rotWithShape="0">
+                  <a:schemeClr val="dk1">
+                    <a:alpha val="40000"/>
+                  </a:schemeClr>
+                </a:outerShdw>
+              </a:effectLst>
+            </a:endParaRPr>
           </a:p>
         </p:txBody>
       </p:sp>
@@ -5193,11 +5374,15 @@
           <a:p>
             <a:r>
               <a:rPr lang="en-US" sz="2800" dirty="0"/>
-              <a:t>Events for the ATM case </a:t>
-            </a:r>
-            <a:r>
-              <a:rPr lang="en-US" sz="2800" dirty="0" smtClean="0"/>
-              <a:t>study</a:t>
+              <a:t>Events for the ATM case study (</a:t>
+            </a:r>
+            <a:r>
+              <a:rPr lang="en-US" dirty="0"/>
+              <a:t>I</a:t>
+            </a:r>
+            <a:r>
+              <a:rPr lang="en-US" sz="2800" dirty="0"/>
+              <a:t>mportant Diagrams)</a:t>
             </a:r>
           </a:p>
           <a:p>
@@ -5224,7 +5409,7 @@
           <a:lstStyle/>
           <a:p>
             <a:r>
-              <a:rPr lang="en-US" smtClean="0"/>
+              <a:rPr lang="en-US"/>
               <a:t>Department of Computer Science and Engineering</a:t>
             </a:r>
             <a:endParaRPr lang="en-US" dirty="0"/>
@@ -5271,8 +5456,8 @@
         </p:blipFill>
         <p:spPr>
           <a:xfrm>
-            <a:off x="1143000" y="685800"/>
-            <a:ext cx="6553200" cy="5562600"/>
+            <a:off x="1295400" y="1155733"/>
+            <a:ext cx="7162800" cy="5562600"/>
           </a:xfrm>
           <a:prstGeom prst="rect">
             <a:avLst/>
@@ -5333,7 +5518,31 @@
           <a:p>
             <a:r>
               <a:rPr lang="en-US" sz="3600" dirty="0"/>
-              <a:t>Preparing Activity Diagrams for Complex Use Cases</a:t>
+              <a:t>Preparing Activity Diagrams for Complex Use Cases (</a:t>
+            </a:r>
+            <a:r>
+              <a:rPr lang="en-US" sz="3600" dirty="0" err="1"/>
+              <a:t>dfff</a:t>
+            </a:r>
+            <a:r>
+              <a:rPr lang="en-US" sz="3600" dirty="0"/>
+              <a:t> </a:t>
+            </a:r>
+            <a:r>
+              <a:rPr lang="en-US" sz="3600" dirty="0" err="1"/>
+              <a:t>paf</a:t>
+            </a:r>
+            <a:r>
+              <a:rPr lang="en-US" sz="3600" dirty="0"/>
+              <a:t> </a:t>
+            </a:r>
+            <a:r>
+              <a:rPr lang="en-US" sz="3600" dirty="0" err="1"/>
+              <a:t>Poc</a:t>
+            </a:r>
+            <a:r>
+              <a:rPr lang="en-US" sz="3600" dirty="0"/>
+              <a:t>)</a:t>
             </a:r>
             <a:endParaRPr lang="en-IN" sz="3600" dirty="0"/>
           </a:p>
@@ -5361,25 +5570,100 @@
           <a:p>
             <a:pPr algn="just"/>
             <a:r>
+              <a:rPr lang="en-US" sz="2800" b="1" dirty="0">
+                <a:highlight>
+                  <a:srgbClr val="00FF00"/>
+                </a:highlight>
+              </a:rPr>
+              <a:t>Sequence diagrams </a:t>
+            </a:r>
+            <a:r>
               <a:rPr lang="en-US" sz="2800" b="1" dirty="0"/>
-              <a:t>Sequence diagrams capture the dialog and interplay between actors, but they do not clearly show alternatives and decisions</a:t>
-            </a:r>
-            <a:r>
-              <a:rPr lang="en-US" dirty="0" smtClean="0"/>
+              <a:t>capture the d</a:t>
+            </a:r>
+            <a:r>
+              <a:rPr lang="en-US" sz="2800" b="1" dirty="0">
+                <a:highlight>
+                  <a:srgbClr val="00FF00"/>
+                </a:highlight>
+              </a:rPr>
+              <a:t>ialog and interplay between actors,</a:t>
+            </a:r>
+            <a:r>
+              <a:rPr lang="en-US" sz="2800" b="1" dirty="0"/>
+              <a:t> but </a:t>
+            </a:r>
+            <a:r>
+              <a:rPr lang="en-US" sz="2800" b="1" dirty="0">
+                <a:highlight>
+                  <a:srgbClr val="FF0000"/>
+                </a:highlight>
+              </a:rPr>
+              <a:t>they do not clearly show alternatives and decisions</a:t>
+            </a:r>
+            <a:r>
+              <a:rPr lang="en-US" dirty="0">
+                <a:highlight>
+                  <a:srgbClr val="FF0000"/>
+                </a:highlight>
+              </a:rPr>
               <a:t>.</a:t>
             </a:r>
           </a:p>
           <a:p>
             <a:pPr algn="just"/>
             <a:r>
-              <a:rPr lang="en-US" sz="2400" dirty="0" smtClean="0"/>
-              <a:t>Example : When </a:t>
-            </a:r>
-            <a:r>
               <a:rPr lang="en-US" sz="2400" dirty="0"/>
-              <a:t>the user inserts a card, there are many possible responses. Some responses indicate a possible problem with the card or account; hence the ATM retains the card. Only the successful completion of the tests allows ATM processing to proceed. </a:t>
-            </a:r>
-            <a:endParaRPr lang="en-US" sz="2400" dirty="0" smtClean="0"/>
+              <a:t>Example : </a:t>
+            </a:r>
+            <a:r>
+              <a:rPr lang="en-US" sz="2400" dirty="0">
+                <a:highlight>
+                  <a:srgbClr val="FFFF00"/>
+                </a:highlight>
+              </a:rPr>
+              <a:t>When the user inserts a card, there are many possible responses</a:t>
+            </a:r>
+            <a:r>
+              <a:rPr lang="en-US" sz="2400" dirty="0"/>
+              <a:t>. Some responses indicate a possible </a:t>
+            </a:r>
+            <a:r>
+              <a:rPr lang="en-US" sz="2400" dirty="0">
+                <a:highlight>
+                  <a:srgbClr val="FFFF00"/>
+                </a:highlight>
+              </a:rPr>
+              <a:t>problem</a:t>
+            </a:r>
+            <a:r>
+              <a:rPr lang="en-US" sz="2400" dirty="0"/>
+              <a:t> with the </a:t>
+            </a:r>
+            <a:r>
+              <a:rPr lang="en-US" sz="2400" dirty="0">
+                <a:highlight>
+                  <a:srgbClr val="FFFF00"/>
+                </a:highlight>
+              </a:rPr>
+              <a:t>card or account</a:t>
+            </a:r>
+            <a:r>
+              <a:rPr lang="en-US" sz="2400" dirty="0"/>
+              <a:t>; hence the ATM retains the card. Only the </a:t>
+            </a:r>
+            <a:r>
+              <a:rPr lang="en-US" sz="2400" dirty="0">
+                <a:highlight>
+                  <a:srgbClr val="FFFF00"/>
+                </a:highlight>
+              </a:rPr>
+              <a:t>successful completion </a:t>
+            </a:r>
+            <a:r>
+              <a:rPr lang="en-US" sz="2400" dirty="0"/>
+              <a:t>of the tests allows ATM processing to proceed. </a:t>
+            </a:r>
           </a:p>
         </p:txBody>
       </p:sp>
@@ -5399,7 +5683,7 @@
           <a:lstStyle/>
           <a:p>
             <a:r>
-              <a:rPr lang="en-US" smtClean="0"/>
+              <a:rPr lang="en-US"/>
               <a:t>Department of Computer Science and Engineering</a:t>
             </a:r>
             <a:endParaRPr lang="en-US" dirty="0"/>
@@ -5478,7 +5762,7 @@
           <a:lstStyle/>
           <a:p>
             <a:r>
-              <a:rPr lang="en-US" dirty="0" smtClean="0"/>
+              <a:rPr lang="en-US" dirty="0"/>
               <a:t>Activity diagram for card verification.</a:t>
             </a:r>
             <a:endParaRPr lang="en-IN" dirty="0"/>
@@ -5527,7 +5811,7 @@
           <a:lstStyle/>
           <a:p>
             <a:r>
-              <a:rPr lang="en-US" smtClean="0"/>
+              <a:rPr lang="en-US"/>
               <a:t>Department of Computer Science and Engineering</a:t>
             </a:r>
             <a:endParaRPr lang="en-US" dirty="0"/>
@@ -5555,6 +5839,86 @@
               <a:t>18</a:t>
             </a:fld>
             <a:endParaRPr lang="en-US" dirty="0"/>
+          </a:p>
+        </p:txBody>
+      </p:sp>
+      <p:sp>
+        <p:nvSpPr>
+          <p:cNvPr id="3" name="Rectangle 2">
+            <a:extLst>
+              <a:ext uri="{FF2B5EF4-FFF2-40B4-BE49-F238E27FC236}">
+                <a16:creationId xmlns:a16="http://schemas.microsoft.com/office/drawing/2014/main" id="{BE12BD03-42DC-5F79-D372-5D41B33F5CEC}"/>
+              </a:ext>
+            </a:extLst>
+          </p:cNvPr>
+          <p:cNvSpPr/>
+          <p:nvPr/>
+        </p:nvSpPr>
+        <p:spPr>
+          <a:xfrm>
+            <a:off x="751114" y="136525"/>
+            <a:ext cx="7202869" cy="400110"/>
+          </a:xfrm>
+          <a:prstGeom prst="rect">
+            <a:avLst/>
+          </a:prstGeom>
+          <a:noFill/>
+        </p:spPr>
+        <p:txBody>
+          <a:bodyPr wrap="none" lIns="91440" tIns="45720" rIns="91440" bIns="45720">
+            <a:spAutoFit/>
+          </a:bodyPr>
+          <a:lstStyle/>
+          <a:p>
+            <a:pPr algn="ctr"/>
+            <a:r>
+              <a:rPr lang="en-US" sz="2000" b="0" cap="none" spc="0" dirty="0">
+                <a:ln w="0"/>
+                <a:solidFill>
+                  <a:schemeClr val="tx1"/>
+                </a:solidFill>
+                <a:effectLst>
+                  <a:outerShdw blurRad="38100" dist="19050" dir="2700000" algn="tl" rotWithShape="0">
+                    <a:schemeClr val="dk1">
+                      <a:alpha val="40000"/>
+                    </a:schemeClr>
+                  </a:outerShdw>
+                </a:effectLst>
+              </a:rPr>
+              <a:t>Comes under preparing the activity diagrams for complex </a:t>
+            </a:r>
+            <a:r>
+              <a:rPr lang="en-US" sz="2000" b="0" cap="none" spc="0" dirty="0" err="1">
+                <a:ln w="0"/>
+                <a:solidFill>
+                  <a:schemeClr val="tx1"/>
+                </a:solidFill>
+                <a:effectLst>
+                  <a:outerShdw blurRad="38100" dist="19050" dir="2700000" algn="tl" rotWithShape="0">
+                    <a:schemeClr val="dk1">
+                      <a:alpha val="40000"/>
+                    </a:schemeClr>
+                  </a:outerShdw>
+                </a:effectLst>
+              </a:rPr>
+              <a:t>usecases</a:t>
+            </a:r>
+            <a:r>
+              <a:rPr lang="en-US" sz="2000" b="0" cap="none" spc="0" dirty="0">
+                <a:ln w="0"/>
+                <a:solidFill>
+                  <a:schemeClr val="tx1"/>
+                </a:solidFill>
+                <a:effectLst>
+                  <a:outerShdw blurRad="38100" dist="19050" dir="2700000" algn="tl" rotWithShape="0">
+                    <a:schemeClr val="dk1">
+                      <a:alpha val="40000"/>
+                    </a:schemeClr>
+                  </a:outerShdw>
+                </a:effectLst>
+              </a:rPr>
+              <a:t>.</a:t>
+            </a:r>
           </a:p>
         </p:txBody>
       </p:sp>
@@ -5605,12 +5969,14 @@
           </a:xfrm>
         </p:spPr>
         <p:txBody>
-          <a:bodyPr/>
+          <a:bodyPr>
+            <a:normAutofit fontScale="90000"/>
+          </a:bodyPr>
           <a:lstStyle/>
           <a:p>
             <a:r>
               <a:rPr lang="en-US" dirty="0"/>
-              <a:t>Organizing Actors and Use Cases</a:t>
+              <a:t>Organizing Actors and Use Cases(DFFF PAF POC)</a:t>
             </a:r>
             <a:endParaRPr lang="en-IN" dirty="0"/>
           </a:p>
@@ -5629,7 +5995,7 @@
         <p:spPr>
           <a:xfrm>
             <a:off x="457200" y="1189037"/>
-            <a:ext cx="8229600" cy="4983163"/>
+            <a:ext cx="8610600" cy="4983163"/>
           </a:xfrm>
         </p:spPr>
         <p:txBody>
@@ -5638,29 +6004,45 @@
           <a:p>
             <a:r>
               <a:rPr lang="en-US" sz="2400" dirty="0"/>
-              <a:t>The next step is to organize use cases with relationships (include, extend, and </a:t>
-            </a:r>
-            <a:r>
-              <a:rPr lang="en-US" sz="2400" dirty="0" smtClean="0"/>
-              <a:t>generalization) </a:t>
+              <a:t>The next step is to </a:t>
+            </a:r>
+            <a:r>
+              <a:rPr lang="en-US" sz="2400" dirty="0">
+                <a:highlight>
+                  <a:srgbClr val="00FF00"/>
+                </a:highlight>
+              </a:rPr>
+              <a:t>organize use cases with relationships </a:t>
             </a:r>
             <a:r>
               <a:rPr lang="en-US" sz="2400" dirty="0"/>
-              <a:t>It is helpful for large and complex </a:t>
-            </a:r>
-            <a:r>
-              <a:rPr lang="en-US" sz="2400" dirty="0" smtClean="0"/>
-              <a:t>systems</a:t>
-            </a:r>
-          </a:p>
-          <a:p>
+              <a:t>(</a:t>
+            </a:r>
+            <a:r>
+              <a:rPr lang="en-US" sz="2400" dirty="0">
+                <a:highlight>
+                  <a:srgbClr val="00FF00"/>
+                </a:highlight>
+              </a:rPr>
+              <a:t>include, extend, and generalization) </a:t>
+            </a:r>
             <a:r>
               <a:rPr lang="en-US" sz="2400" dirty="0"/>
-              <a:t>ATM example. Figure 13.6 organizes the use cases with the include relationship</a:t>
-            </a:r>
-            <a:r>
-              <a:rPr lang="en-US" sz="2400" dirty="0" smtClean="0"/>
-              <a:t>.</a:t>
+              <a:t>It is helpful for large and </a:t>
+            </a:r>
+            <a:r>
+              <a:rPr lang="en-US" sz="2400" dirty="0">
+                <a:highlight>
+                  <a:srgbClr val="00FF00"/>
+                </a:highlight>
+              </a:rPr>
+              <a:t>complex systems</a:t>
+            </a:r>
+          </a:p>
+          <a:p>
+            <a:r>
+              <a:rPr lang="en-US" sz="2400" dirty="0"/>
+              <a:t>ATM example. Figure 13.6 organizes the use cases with the include relationship.(Write any example for the complex use cases)</a:t>
             </a:r>
           </a:p>
           <a:p>
@@ -5684,7 +6066,7 @@
           <a:lstStyle/>
           <a:p>
             <a:r>
-              <a:rPr lang="en-US" smtClean="0"/>
+              <a:rPr lang="en-US"/>
               <a:t>Department of Computer Science and Engineering</a:t>
             </a:r>
             <a:endParaRPr lang="en-US" dirty="0"/>
@@ -5731,8 +6113,8 @@
         </p:blipFill>
         <p:spPr>
           <a:xfrm>
-            <a:off x="1143000" y="3138904"/>
-            <a:ext cx="6400800" cy="3582571"/>
+            <a:off x="2895600" y="3275429"/>
+            <a:ext cx="6395936" cy="3582571"/>
           </a:xfrm>
           <a:prstGeom prst="rect">
             <a:avLst/>
@@ -5791,20 +6173,12 @@
           </a:bodyPr>
           <a:lstStyle/>
           <a:p>
-            <a:r>
-              <a:rPr lang="en-US" dirty="0" smtClean="0"/>
-              <a:t/>
-            </a:r>
             <a:br>
-              <a:rPr lang="en-US" dirty="0" smtClean="0"/>
+              <a:rPr lang="en-US" dirty="0"/>
             </a:br>
             <a:r>
-              <a:rPr lang="en-US" dirty="0" smtClean="0"/>
+              <a:rPr lang="en-US" dirty="0"/>
               <a:t>CONTENTS </a:t>
-            </a:r>
-            <a:r>
-              <a:rPr lang="en-IN" dirty="0"/>
-              <a:t/>
             </a:r>
             <a:br>
               <a:rPr lang="en-IN" dirty="0"/>
@@ -5835,42 +6209,22 @@
           <a:p>
             <a:pPr lvl="0"/>
             <a:r>
-              <a:rPr lang="en-IN" dirty="0" smtClean="0"/>
-              <a:t> </a:t>
-            </a:r>
-            <a:r>
               <a:rPr lang="en-IN" dirty="0"/>
-              <a:t>Application interaction </a:t>
-            </a:r>
-            <a:r>
-              <a:rPr lang="en-IN" dirty="0" smtClean="0"/>
-              <a:t>model</a:t>
+              <a:t> Application interaction model</a:t>
             </a:r>
           </a:p>
           <a:p>
             <a:pPr lvl="0"/>
             <a:r>
-              <a:rPr lang="en-IN" dirty="0" smtClean="0"/>
-              <a:t> </a:t>
-            </a:r>
-            <a:r>
               <a:rPr lang="en-IN" dirty="0"/>
-              <a:t>Application class </a:t>
-            </a:r>
-            <a:r>
-              <a:rPr lang="en-IN" dirty="0" smtClean="0"/>
-              <a:t>model</a:t>
+              <a:t> Application class model</a:t>
             </a:r>
           </a:p>
           <a:p>
             <a:pPr lvl="0"/>
             <a:r>
-              <a:rPr lang="en-IN" dirty="0" smtClean="0"/>
-              <a:t> </a:t>
-            </a:r>
-            <a:r>
               <a:rPr lang="en-IN" dirty="0"/>
-              <a:t>Overview of class design.</a:t>
+              <a:t> Overview of class design.</a:t>
             </a:r>
           </a:p>
         </p:txBody>
@@ -5891,7 +6245,7 @@
           <a:lstStyle/>
           <a:p>
             <a:r>
-              <a:rPr lang="en-US" smtClean="0"/>
+              <a:rPr lang="en-US"/>
               <a:t>Department of Computer Science and Engineering</a:t>
             </a:r>
             <a:endParaRPr lang="en-US" dirty="0"/>
@@ -5965,13 +6319,37 @@
         <p:spPr/>
         <p:txBody>
           <a:bodyPr>
-            <a:normAutofit/>
+            <a:normAutofit fontScale="90000"/>
           </a:bodyPr>
           <a:lstStyle/>
           <a:p>
             <a:r>
               <a:rPr lang="en-US" sz="3600" dirty="0"/>
-              <a:t>Checking Against the Domain Class Model</a:t>
+              <a:t>Checking Against the Domain Class Model(</a:t>
+            </a:r>
+            <a:r>
+              <a:rPr lang="en-US" sz="3600" dirty="0" err="1"/>
+              <a:t>dfff</a:t>
+            </a:r>
+            <a:r>
+              <a:rPr lang="en-US" sz="3600" dirty="0"/>
+              <a:t> </a:t>
+            </a:r>
+            <a:r>
+              <a:rPr lang="en-US" sz="3600" dirty="0" err="1"/>
+              <a:t>paf</a:t>
+            </a:r>
+            <a:r>
+              <a:rPr lang="en-US" sz="3600" dirty="0"/>
+              <a:t> </a:t>
+            </a:r>
+            <a:r>
+              <a:rPr lang="en-US" sz="3600" dirty="0" err="1"/>
+              <a:t>poC</a:t>
+            </a:r>
+            <a:r>
+              <a:rPr lang="en-US" sz="3600" dirty="0"/>
+              <a:t>)</a:t>
             </a:r>
             <a:endParaRPr lang="en-IN" sz="3600" dirty="0"/>
           </a:p>
@@ -6001,69 +6379,188 @@
           <a:p>
             <a:pPr algn="just"/>
             <a:r>
-              <a:rPr lang="en-US" sz="2600" dirty="0" smtClean="0"/>
-              <a:t>The application(dynamic) </a:t>
-            </a:r>
-            <a:r>
               <a:rPr lang="en-US" sz="2600" dirty="0"/>
-              <a:t>and domain </a:t>
-            </a:r>
-            <a:r>
-              <a:rPr lang="en-US" sz="2600" dirty="0" smtClean="0"/>
-              <a:t>models(static in nature) </a:t>
+              <a:t>The </a:t>
+            </a:r>
+            <a:r>
+              <a:rPr lang="en-US" sz="2600" dirty="0">
+                <a:highlight>
+                  <a:srgbClr val="00FF00"/>
+                </a:highlight>
+              </a:rPr>
+              <a:t>application</a:t>
             </a:r>
             <a:r>
               <a:rPr lang="en-US" sz="2600" dirty="0"/>
-              <a:t>should be mostly consistent</a:t>
-            </a:r>
-            <a:r>
-              <a:rPr lang="en-US" sz="2600" dirty="0" smtClean="0"/>
+              <a:t>(</a:t>
+            </a:r>
+            <a:r>
+              <a:rPr lang="en-US" sz="2600" dirty="0">
+                <a:highlight>
+                  <a:srgbClr val="00FF00"/>
+                </a:highlight>
+              </a:rPr>
+              <a:t>dynamic</a:t>
+            </a:r>
+            <a:r>
+              <a:rPr lang="en-US" sz="2600" dirty="0"/>
+              <a:t>) and </a:t>
+            </a:r>
+            <a:r>
+              <a:rPr lang="en-US" sz="2600" dirty="0">
+                <a:highlight>
+                  <a:srgbClr val="00FF00"/>
+                </a:highlight>
+              </a:rPr>
+              <a:t>domain</a:t>
+            </a:r>
+            <a:r>
+              <a:rPr lang="en-US" sz="2600" dirty="0"/>
+              <a:t> models(</a:t>
+            </a:r>
+            <a:r>
+              <a:rPr lang="en-US" sz="2600" dirty="0">
+                <a:highlight>
+                  <a:srgbClr val="00FF00"/>
+                </a:highlight>
+              </a:rPr>
+              <a:t>static</a:t>
+            </a:r>
+            <a:r>
+              <a:rPr lang="en-US" sz="2600" dirty="0"/>
+              <a:t> in nature) should be mostly consistent.</a:t>
+            </a:r>
+          </a:p>
+          <a:p>
+            <a:pPr algn="just"/>
+            <a:r>
+              <a:rPr lang="en-US" sz="2600" dirty="0"/>
+              <a:t>The </a:t>
+            </a:r>
+            <a:r>
+              <a:rPr lang="en-US" sz="2600" dirty="0">
+                <a:highlight>
+                  <a:srgbClr val="00FF00"/>
+                </a:highlight>
+              </a:rPr>
+              <a:t>actors, use cases, and scenarios </a:t>
+            </a:r>
+            <a:r>
+              <a:rPr lang="en-US" sz="2600" dirty="0"/>
+              <a:t>are all based on classes and </a:t>
+            </a:r>
+            <a:r>
+              <a:rPr lang="en-US" sz="2600" dirty="0">
+                <a:highlight>
+                  <a:srgbClr val="00FF00"/>
+                </a:highlight>
+              </a:rPr>
+              <a:t>concepts from the domain model</a:t>
+            </a:r>
+            <a:r>
+              <a:rPr lang="en-US" sz="2600" dirty="0"/>
               <a:t>.</a:t>
             </a:r>
           </a:p>
           <a:p>
             <a:pPr algn="just"/>
             <a:r>
+              <a:rPr lang="en-US" sz="2600" dirty="0">
+                <a:highlight>
+                  <a:srgbClr val="00FF00"/>
+                </a:highlight>
+              </a:rPr>
+              <a:t>Cross check the application </a:t>
+            </a:r>
+            <a:r>
               <a:rPr lang="en-US" sz="2600" dirty="0"/>
-              <a:t>The actors, use cases, and scenarios are all based on classes and concepts from the domain model</a:t>
-            </a:r>
-            <a:r>
-              <a:rPr lang="en-US" sz="2600" dirty="0" smtClean="0"/>
-              <a:t>.</a:t>
+              <a:t>and </a:t>
+            </a:r>
+            <a:r>
+              <a:rPr lang="en-US" sz="2600" dirty="0">
+                <a:highlight>
+                  <a:srgbClr val="00FF00"/>
+                </a:highlight>
+              </a:rPr>
+              <a:t>domain models </a:t>
+            </a:r>
+            <a:r>
+              <a:rPr lang="en-US" sz="2600" dirty="0"/>
+              <a:t>to ensure that there are no inconsistencies.</a:t>
             </a:r>
           </a:p>
           <a:p>
             <a:pPr algn="just"/>
             <a:r>
+              <a:rPr lang="en-US" sz="2600" dirty="0">
+                <a:highlight>
+                  <a:srgbClr val="00FF00"/>
+                </a:highlight>
+              </a:rPr>
+              <a:t>Examine</a:t>
+            </a:r>
+            <a:r>
               <a:rPr lang="en-US" sz="2600" dirty="0"/>
-              <a:t>Cross check the application and domain models to ensure that there are no </a:t>
-            </a:r>
-            <a:r>
-              <a:rPr lang="en-US" sz="2600" dirty="0" smtClean="0"/>
-              <a:t>inconsistencies.</a:t>
+              <a:t> the </a:t>
+            </a:r>
+            <a:r>
+              <a:rPr lang="en-US" sz="2600" dirty="0">
+                <a:highlight>
+                  <a:srgbClr val="00FF00"/>
+                </a:highlight>
+              </a:rPr>
+              <a:t>scenarios</a:t>
+            </a:r>
+            <a:r>
+              <a:rPr lang="en-US" sz="2600" dirty="0"/>
+              <a:t> and make sure that </a:t>
+            </a:r>
+            <a:r>
+              <a:rPr lang="en-US" sz="2600" dirty="0">
+                <a:highlight>
+                  <a:srgbClr val="00FF00"/>
+                </a:highlight>
+              </a:rPr>
+              <a:t>the domain model has all the necessary data. </a:t>
             </a:r>
           </a:p>
           <a:p>
             <a:pPr algn="just"/>
             <a:r>
-              <a:rPr lang="en-US" sz="2600" dirty="0" smtClean="0"/>
-              <a:t>Examine </a:t>
-            </a:r>
-            <a:r>
               <a:rPr lang="en-US" sz="2600" dirty="0"/>
-              <a:t>the scenarios and make sure that the domain model has all the necessary data. </a:t>
-            </a:r>
-            <a:endParaRPr lang="en-US" sz="2600" dirty="0" smtClean="0"/>
-          </a:p>
-          <a:p>
-            <a:pPr algn="just"/>
-            <a:r>
-              <a:rPr lang="en-US" sz="2600" dirty="0" smtClean="0"/>
               <a:t>Also </a:t>
             </a:r>
             <a:r>
+              <a:rPr lang="en-US" sz="2600" dirty="0">
+                <a:highlight>
+                  <a:srgbClr val="00FF00"/>
+                </a:highlight>
+              </a:rPr>
+              <a:t>make sure </a:t>
+            </a:r>
+            <a:r>
               <a:rPr lang="en-US" sz="2600" dirty="0"/>
-              <a:t>make sure that the domain model covers all event parameters. </a:t>
+              <a:t>that the </a:t>
+            </a:r>
+            <a:r>
+              <a:rPr lang="en-US" sz="2600" dirty="0">
+                <a:highlight>
+                  <a:srgbClr val="00FF00"/>
+                </a:highlight>
+              </a:rPr>
+              <a:t>domain</a:t>
+            </a:r>
+            <a:r>
+              <a:rPr lang="en-US" sz="2600" dirty="0"/>
+              <a:t> model </a:t>
+            </a:r>
+            <a:r>
+              <a:rPr lang="en-US" sz="2600" dirty="0">
+                <a:highlight>
+                  <a:srgbClr val="00FF00"/>
+                </a:highlight>
+              </a:rPr>
+              <a:t>covers all event parameters. </a:t>
             </a:r>
           </a:p>
           <a:p>
@@ -6087,7 +6584,7 @@
           <a:lstStyle/>
           <a:p>
             <a:r>
-              <a:rPr lang="en-US" smtClean="0"/>
+              <a:rPr lang="en-US"/>
               <a:t>Department of Computer Science and Engineering</a:t>
             </a:r>
             <a:endParaRPr lang="en-US" dirty="0"/>
@@ -6166,7 +6663,7 @@
           <a:lstStyle/>
           <a:p>
             <a:r>
-              <a:rPr lang="en-US" dirty="0" smtClean="0"/>
+              <a:rPr lang="en-US" dirty="0"/>
               <a:t>Domain class model for ATM Example.</a:t>
             </a:r>
             <a:endParaRPr lang="en-IN" dirty="0"/>
@@ -6189,7 +6686,7 @@
           <a:lstStyle/>
           <a:p>
             <a:r>
-              <a:rPr lang="en-US" smtClean="0"/>
+              <a:rPr lang="en-US"/>
               <a:t>Department of Computer Science and Engineering</a:t>
             </a:r>
             <a:endParaRPr lang="en-US" dirty="0"/>
@@ -6293,11 +6790,7 @@
           <a:p>
             <a:r>
               <a:rPr lang="en-US" dirty="0"/>
-              <a:t>Application Class </a:t>
-            </a:r>
-            <a:r>
-              <a:rPr lang="en-US" dirty="0" smtClean="0"/>
-              <a:t>Model</a:t>
+              <a:t>Application Class Model</a:t>
             </a:r>
             <a:endParaRPr lang="en-IN" dirty="0"/>
           </a:p>
@@ -6321,35 +6814,178 @@
         </p:spPr>
         <p:txBody>
           <a:bodyPr>
-            <a:normAutofit/>
+            <a:normAutofit lnSpcReduction="10000"/>
           </a:bodyPr>
           <a:lstStyle/>
           <a:p>
             <a:r>
               <a:rPr lang="en-US" sz="2800" dirty="0"/>
-              <a:t>Application classes define the application itself, rather than the real-world objects that the application acts on </a:t>
-            </a:r>
-            <a:endParaRPr lang="en-US" sz="2800" dirty="0" smtClean="0"/>
-          </a:p>
-          <a:p>
-            <a:r>
-              <a:rPr lang="en-US" sz="2800" dirty="0" smtClean="0"/>
-              <a:t>Most </a:t>
+              <a:t>Application classes </a:t>
+            </a:r>
+            <a:r>
+              <a:rPr lang="en-US" sz="2800" dirty="0">
+                <a:highlight>
+                  <a:srgbClr val="00FF00"/>
+                </a:highlight>
+              </a:rPr>
+              <a:t>define</a:t>
             </a:r>
             <a:r>
               <a:rPr lang="en-US" sz="2800" dirty="0"/>
-              <a:t>application classes are computer-oriented and define the way that users perceive the applications </a:t>
-            </a:r>
-            <a:endParaRPr lang="en-US" sz="2800" dirty="0" smtClean="0"/>
-          </a:p>
-          <a:p>
+              <a:t> the </a:t>
+            </a:r>
+            <a:r>
+              <a:rPr lang="en-US" sz="2800" dirty="0">
+                <a:highlight>
+                  <a:srgbClr val="00FF00"/>
+                </a:highlight>
+              </a:rPr>
+              <a:t>application itself</a:t>
+            </a:r>
             <a:r>
               <a:rPr lang="en-US" sz="2800" dirty="0"/>
-              <a:t>Application Class Model – </a:t>
-            </a:r>
-            <a:r>
-              <a:rPr lang="en-US" sz="2800" dirty="0" smtClean="0"/>
-              <a:t>steps</a:t>
+              <a:t>, </a:t>
+            </a:r>
+            <a:r>
+              <a:rPr lang="en-US" sz="2800" dirty="0">
+                <a:highlight>
+                  <a:srgbClr val="00FF00"/>
+                </a:highlight>
+              </a:rPr>
+              <a:t>rather</a:t>
+            </a:r>
+            <a:r>
+              <a:rPr lang="en-US" sz="2800" dirty="0"/>
+              <a:t> than </a:t>
+            </a:r>
+            <a:r>
+              <a:rPr lang="en-US" sz="2800" dirty="0">
+                <a:highlight>
+                  <a:srgbClr val="00FF00"/>
+                </a:highlight>
+              </a:rPr>
+              <a:t>the real-world objects </a:t>
+            </a:r>
+            <a:r>
+              <a:rPr lang="en-US" sz="2800" dirty="0"/>
+              <a:t>that the application acts on </a:t>
+            </a:r>
+          </a:p>
+          <a:p>
+            <a:r>
+              <a:rPr lang="en-US" sz="2800" dirty="0"/>
+              <a:t>4 steps </a:t>
+            </a:r>
+            <a:r>
+              <a:rPr lang="en-US" sz="2800" dirty="0">
+                <a:sym typeface="Wingdings" panose="05000000000000000000" pitchFamily="2" charset="2"/>
+              </a:rPr>
+              <a:t> </a:t>
+            </a:r>
+            <a:r>
+              <a:rPr lang="en-US" sz="2800" dirty="0" err="1">
+                <a:sym typeface="Wingdings" panose="05000000000000000000" pitchFamily="2" charset="2"/>
+              </a:rPr>
+              <a:t>mneumonics</a:t>
+            </a:r>
+            <a:r>
+              <a:rPr lang="en-US" sz="2800" dirty="0">
+                <a:sym typeface="Wingdings" panose="05000000000000000000" pitchFamily="2" charset="2"/>
+              </a:rPr>
+              <a:t> (</a:t>
+            </a:r>
+            <a:r>
+              <a:rPr lang="en-US" sz="2800" dirty="0">
+                <a:highlight>
+                  <a:srgbClr val="00FF00"/>
+                </a:highlight>
+                <a:sym typeface="Wingdings" panose="05000000000000000000" pitchFamily="2" charset="2"/>
+              </a:rPr>
+              <a:t>SDDC</a:t>
+            </a:r>
+            <a:r>
+              <a:rPr lang="en-US" sz="2800" dirty="0">
+                <a:sym typeface="Wingdings" panose="05000000000000000000" pitchFamily="2" charset="2"/>
+              </a:rPr>
+              <a:t>) </a:t>
+            </a:r>
+            <a:r>
+              <a:rPr lang="en-US" sz="2800" dirty="0" err="1">
+                <a:highlight>
+                  <a:srgbClr val="FFFF00"/>
+                </a:highlight>
+                <a:sym typeface="Wingdings" panose="05000000000000000000" pitchFamily="2" charset="2"/>
+              </a:rPr>
+              <a:t>Sach</a:t>
+            </a:r>
+            <a:r>
+              <a:rPr lang="en-US" sz="2800" dirty="0">
+                <a:highlight>
+                  <a:srgbClr val="FFFF00"/>
+                </a:highlight>
+                <a:sym typeface="Wingdings" panose="05000000000000000000" pitchFamily="2" charset="2"/>
+              </a:rPr>
+              <a:t> </a:t>
+            </a:r>
+            <a:r>
+              <a:rPr lang="en-US" sz="2800" dirty="0" err="1">
+                <a:highlight>
+                  <a:srgbClr val="FFFF00"/>
+                </a:highlight>
+                <a:sym typeface="Wingdings" panose="05000000000000000000" pitchFamily="2" charset="2"/>
+              </a:rPr>
+              <a:t>DaD</a:t>
+            </a:r>
+            <a:r>
+              <a:rPr lang="en-US" sz="2800" dirty="0">
+                <a:highlight>
+                  <a:srgbClr val="FFFF00"/>
+                </a:highlight>
+                <a:sym typeface="Wingdings" panose="05000000000000000000" pitchFamily="2" charset="2"/>
+              </a:rPr>
+              <a:t> </a:t>
+            </a:r>
+            <a:r>
+              <a:rPr lang="en-US" sz="2800" dirty="0" err="1">
+                <a:highlight>
+                  <a:srgbClr val="FFFF00"/>
+                </a:highlight>
+                <a:sym typeface="Wingdings" panose="05000000000000000000" pitchFamily="2" charset="2"/>
+              </a:rPr>
+              <a:t>Chudi</a:t>
+            </a:r>
+            <a:endParaRPr lang="en-US" sz="2800" dirty="0">
+              <a:highlight>
+                <a:srgbClr val="FFFF00"/>
+              </a:highlight>
+            </a:endParaRPr>
+          </a:p>
+          <a:p>
+            <a:r>
+              <a:rPr lang="en-US" sz="2800" dirty="0">
+                <a:highlight>
+                  <a:srgbClr val="00FF00"/>
+                </a:highlight>
+              </a:rPr>
+              <a:t>Most application </a:t>
+            </a:r>
+            <a:r>
+              <a:rPr lang="en-US" sz="2800" dirty="0"/>
+              <a:t>classes are </a:t>
+            </a:r>
+            <a:r>
+              <a:rPr lang="en-US" sz="2800" dirty="0">
+                <a:highlight>
+                  <a:srgbClr val="00FF00"/>
+                </a:highlight>
+              </a:rPr>
+              <a:t>computer-oriented and define the way that users perceive the applications </a:t>
+            </a:r>
+          </a:p>
+          <a:p>
+            <a:r>
+              <a:rPr lang="en-US" sz="2800" dirty="0"/>
+              <a:t>Application Class Model – steps</a:t>
             </a:r>
           </a:p>
           <a:p>
@@ -6358,17 +6994,33 @@
             </a:pPr>
             <a:r>
               <a:rPr lang="en-US" sz="2800" dirty="0"/>
-              <a:t>	</a:t>
-            </a:r>
-            <a:r>
-              <a:rPr lang="en-US" sz="2800" dirty="0" smtClean="0"/>
-              <a:t> </a:t>
-            </a:r>
+              <a:t>	 1. Specify </a:t>
+            </a:r>
+            <a:r>
+              <a:rPr lang="en-US" sz="2800" dirty="0">
+                <a:highlight>
+                  <a:srgbClr val="00FF00"/>
+                </a:highlight>
+              </a:rPr>
+              <a:t>user interfaces </a:t>
+            </a:r>
+          </a:p>
+          <a:p>
+            <a:pPr marL="0" indent="0">
+              <a:buNone/>
+            </a:pPr>
             <a:r>
               <a:rPr lang="en-US" sz="2800" dirty="0"/>
-              <a:t>1. Specify user interfaces </a:t>
-            </a:r>
-            <a:endParaRPr lang="en-US" sz="2800" dirty="0" smtClean="0"/>
+              <a:t>	 2. Define </a:t>
+            </a:r>
+            <a:r>
+              <a:rPr lang="en-US" sz="2800" dirty="0">
+                <a:highlight>
+                  <a:srgbClr val="00FF00"/>
+                </a:highlight>
+              </a:rPr>
+              <a:t>boundary classes </a:t>
+            </a:r>
           </a:p>
           <a:p>
             <a:pPr marL="0" indent="0">
@@ -6376,56 +7028,38 @@
             </a:pPr>
             <a:r>
               <a:rPr lang="en-US" sz="2800" dirty="0"/>
-              <a:t>	</a:t>
-            </a:r>
-            <a:r>
-              <a:rPr lang="en-US" sz="2800" dirty="0" smtClean="0"/>
-              <a:t> 2</a:t>
-            </a:r>
+              <a:t>	 3. Determine </a:t>
+            </a:r>
+            <a:r>
+              <a:rPr lang="en-US" sz="2800" dirty="0">
+                <a:highlight>
+                  <a:srgbClr val="00FF00"/>
+                </a:highlight>
+              </a:rPr>
+              <a:t>controllers</a:t>
+            </a:r>
+          </a:p>
+          <a:p>
+            <a:pPr marL="0" indent="0">
+              <a:buNone/>
+            </a:pPr>
             <a:r>
               <a:rPr lang="en-US" sz="2800" dirty="0"/>
-              <a:t>. Define boundary classes </a:t>
-            </a:r>
-            <a:endParaRPr lang="en-US" sz="2800" dirty="0" smtClean="0"/>
-          </a:p>
-          <a:p>
-            <a:pPr marL="0" indent="0">
-              <a:buNone/>
-            </a:pPr>
-            <a:r>
-              <a:rPr lang="en-US" sz="2800" dirty="0"/>
-              <a:t>	</a:t>
-            </a:r>
-            <a:r>
-              <a:rPr lang="en-US" sz="2800" dirty="0" smtClean="0"/>
-              <a:t> 3</a:t>
-            </a:r>
-            <a:r>
-              <a:rPr lang="en-US" sz="2800" dirty="0"/>
-              <a:t>. Determine </a:t>
-            </a:r>
-            <a:r>
-              <a:rPr lang="en-US" sz="2800" dirty="0" smtClean="0"/>
-              <a:t>controllers</a:t>
-            </a:r>
-          </a:p>
-          <a:p>
-            <a:pPr marL="0" indent="0">
-              <a:buNone/>
-            </a:pPr>
-            <a:r>
-              <a:rPr lang="en-US" sz="2800" dirty="0"/>
-              <a:t>	</a:t>
-            </a:r>
-            <a:r>
-              <a:rPr lang="en-US" sz="2800" dirty="0" smtClean="0"/>
-              <a:t> 4</a:t>
-            </a:r>
-            <a:r>
-              <a:rPr lang="en-US" sz="2800" dirty="0"/>
-              <a:t>. Check against the interaction model</a:t>
-            </a:r>
-            <a:endParaRPr lang="en-IN" sz="2800" dirty="0"/>
+              <a:t>	 4. Check against the </a:t>
+            </a:r>
+            <a:r>
+              <a:rPr lang="en-US" sz="2800" dirty="0">
+                <a:highlight>
+                  <a:srgbClr val="00FF00"/>
+                </a:highlight>
+              </a:rPr>
+              <a:t>interaction model</a:t>
+            </a:r>
+            <a:endParaRPr lang="en-IN" sz="2800" dirty="0">
+              <a:highlight>
+                <a:srgbClr val="00FF00"/>
+              </a:highlight>
+            </a:endParaRPr>
           </a:p>
         </p:txBody>
       </p:sp>
@@ -6445,7 +7079,7 @@
           <a:lstStyle/>
           <a:p>
             <a:r>
-              <a:rPr lang="en-US" smtClean="0"/>
+              <a:rPr lang="en-US"/>
               <a:t>Department of Computer Science and Engineering</a:t>
             </a:r>
             <a:endParaRPr lang="en-US" dirty="0"/>
@@ -6532,16 +7166,8 @@
               <a:buAutoNum type="arabicPeriod"/>
             </a:pPr>
             <a:r>
-              <a:rPr lang="en-US" sz="2200" b="1" dirty="0" smtClean="0"/>
-              <a:t>Specify </a:t>
-            </a:r>
-            <a:r>
               <a:rPr lang="en-US" sz="2200" b="1" dirty="0"/>
-              <a:t>user </a:t>
-            </a:r>
-            <a:r>
-              <a:rPr lang="en-US" sz="2200" b="1" dirty="0" smtClean="0"/>
-              <a:t>interfaces</a:t>
+              <a:t>Specify user interfaces</a:t>
             </a:r>
           </a:p>
           <a:p>
@@ -6549,16 +7175,8 @@
               <a:buNone/>
             </a:pPr>
             <a:r>
-              <a:rPr lang="en-US" sz="2200" dirty="0" smtClean="0"/>
-              <a:t> </a:t>
-            </a:r>
-            <a:r>
               <a:rPr lang="en-US" sz="2200" dirty="0"/>
-              <a:t>User </a:t>
-            </a:r>
-            <a:r>
-              <a:rPr lang="en-US" sz="2200" dirty="0" smtClean="0"/>
-              <a:t>interface</a:t>
+              <a:t> User interface</a:t>
             </a:r>
           </a:p>
           <a:p>
@@ -6567,17 +7185,45 @@
             </a:pPr>
             <a:r>
               <a:rPr lang="en-US" sz="2200" dirty="0"/>
-              <a:t>	</a:t>
-            </a:r>
-            <a:r>
-              <a:rPr lang="en-US" sz="2200" dirty="0" smtClean="0"/>
-              <a:t> </a:t>
-            </a:r>
+              <a:t>	 a. Is an </a:t>
+            </a:r>
+            <a:r>
+              <a:rPr lang="en-US" sz="2200" dirty="0">
+                <a:highlight>
+                  <a:srgbClr val="00FF00"/>
+                </a:highlight>
+              </a:rPr>
+              <a:t>object or group of objects </a:t>
+            </a:r>
+          </a:p>
+          <a:p>
+            <a:pPr marL="0" indent="0">
+              <a:buNone/>
+            </a:pPr>
             <a:r>
               <a:rPr lang="en-US" sz="2200" dirty="0"/>
-              <a:t>a. Is an object or group of objects </a:t>
-            </a:r>
-            <a:endParaRPr lang="en-US" sz="2200" dirty="0" smtClean="0"/>
+              <a:t>	 b. </a:t>
+            </a:r>
+            <a:r>
+              <a:rPr lang="en-US" sz="2200" dirty="0">
+                <a:highlight>
+                  <a:srgbClr val="00FF00"/>
+                </a:highlight>
+              </a:rPr>
+              <a:t>Provide user </a:t>
+            </a:r>
+            <a:r>
+              <a:rPr lang="en-US" sz="2200" dirty="0"/>
+              <a:t>a way to </a:t>
+            </a:r>
+            <a:r>
+              <a:rPr lang="en-US" sz="2200" dirty="0">
+                <a:highlight>
+                  <a:srgbClr val="00FF00"/>
+                </a:highlight>
+              </a:rPr>
+              <a:t>access system’s</a:t>
+            </a:r>
           </a:p>
           <a:p>
             <a:pPr marL="0" indent="0">
@@ -6585,32 +7231,7 @@
             </a:pPr>
             <a:r>
               <a:rPr lang="en-US" sz="2200" dirty="0"/>
-              <a:t>	</a:t>
-            </a:r>
-            <a:r>
-              <a:rPr lang="en-US" sz="2200" dirty="0" smtClean="0"/>
-              <a:t> b</a:t>
-            </a:r>
-            <a:r>
-              <a:rPr lang="en-US" sz="2200" dirty="0"/>
-              <a:t>. Provide user a way to access </a:t>
-            </a:r>
-            <a:r>
-              <a:rPr lang="en-US" sz="2200" dirty="0" smtClean="0"/>
-              <a:t>system’s</a:t>
-            </a:r>
-          </a:p>
-          <a:p>
-            <a:pPr marL="0" indent="0">
-              <a:buNone/>
-            </a:pPr>
-            <a:r>
-              <a:rPr lang="en-US" sz="2200" dirty="0"/>
-              <a:t>	</a:t>
-            </a:r>
-            <a:r>
-              <a:rPr lang="en-US" sz="2200" dirty="0" smtClean="0"/>
-              <a:t>	 </a:t>
+              <a:t>		 </a:t>
             </a:r>
             <a:r>
               <a:rPr lang="en-US" sz="2200" dirty="0" err="1"/>
@@ -6618,9 +7239,20 @@
             </a:r>
             <a:r>
               <a:rPr lang="en-US" sz="2200" dirty="0"/>
-              <a:t>. domain objects, </a:t>
-            </a:r>
-            <a:endParaRPr lang="en-US" sz="2200" dirty="0" smtClean="0"/>
+              <a:t>. </a:t>
+            </a:r>
+            <a:r>
+              <a:rPr lang="en-US" sz="2200" dirty="0">
+                <a:highlight>
+                  <a:srgbClr val="00FF00"/>
+                </a:highlight>
+              </a:rPr>
+              <a:t>domain objects</a:t>
+            </a:r>
+            <a:r>
+              <a:rPr lang="en-US" sz="2200" dirty="0"/>
+              <a:t>, </a:t>
+            </a:r>
           </a:p>
           <a:p>
             <a:pPr marL="0" indent="0">
@@ -6628,17 +7260,20 @@
             </a:pPr>
             <a:r>
               <a:rPr lang="en-US" sz="2200" dirty="0"/>
-              <a:t>	</a:t>
-            </a:r>
-            <a:r>
-              <a:rPr lang="en-US" sz="2200" dirty="0" smtClean="0"/>
-              <a:t>	ii</a:t>
+              <a:t>		ii. </a:t>
+            </a:r>
+            <a:r>
+              <a:rPr lang="en-US" sz="2200" dirty="0">
+                <a:highlight>
+                  <a:srgbClr val="00FF00"/>
+                </a:highlight>
+              </a:rPr>
+              <a:t>commands</a:t>
             </a:r>
             <a:r>
               <a:rPr lang="en-US" sz="2200" dirty="0"/>
-              <a:t>. commands, and </a:t>
-            </a:r>
-            <a:endParaRPr lang="en-US" sz="2200" dirty="0" smtClean="0"/>
+              <a:t>, and </a:t>
+            </a:r>
           </a:p>
           <a:p>
             <a:pPr marL="0" indent="0">
@@ -6646,18 +7281,18 @@
             </a:pPr>
             <a:r>
               <a:rPr lang="en-US" sz="2200" dirty="0"/>
-              <a:t>	</a:t>
-            </a:r>
-            <a:r>
-              <a:rPr lang="en-US" sz="2200" dirty="0" smtClean="0"/>
-              <a:t>	iii</a:t>
+              <a:t>		iii. </a:t>
+            </a:r>
+            <a:r>
+              <a:rPr lang="en-US" sz="2200" dirty="0">
+                <a:highlight>
+                  <a:srgbClr val="00FF00"/>
+                </a:highlight>
+              </a:rPr>
+              <a:t>Application options</a:t>
             </a:r>
             <a:r>
               <a:rPr lang="en-US" sz="2200" dirty="0"/>
-              <a:t>. Application options</a:t>
-            </a:r>
-            <a:r>
-              <a:rPr lang="en-US" sz="2200" dirty="0" smtClean="0"/>
               <a:t>.</a:t>
             </a:r>
           </a:p>
@@ -6669,21 +7304,39 @@
               <a:rPr lang="en-US" sz="2200" dirty="0"/>
               <a:t>Try to determine the commands that the user can perform. </a:t>
             </a:r>
-            <a:endParaRPr lang="en-US" sz="2200" dirty="0" smtClean="0"/>
           </a:p>
           <a:p>
             <a:pPr marL="0" indent="0">
               <a:buNone/>
             </a:pPr>
             <a:r>
-              <a:rPr lang="en-US" sz="2200" dirty="0" smtClean="0"/>
+              <a:rPr lang="en-US" sz="2200" dirty="0"/>
               <a:t>A </a:t>
             </a:r>
             <a:r>
+              <a:rPr lang="en-US" sz="2200" dirty="0">
+                <a:highlight>
+                  <a:srgbClr val="00FF00"/>
+                </a:highlight>
+              </a:rPr>
+              <a:t>command</a:t>
+            </a:r>
+            <a:r>
               <a:rPr lang="en-US" sz="2200" dirty="0"/>
-              <a:t>command is a large-scale request for a service, </a:t>
-            </a:r>
-            <a:endParaRPr lang="en-US" sz="2200" dirty="0" smtClean="0"/>
+              <a:t> is a </a:t>
+            </a:r>
+            <a:r>
+              <a:rPr lang="en-US" sz="2200" dirty="0">
+                <a:highlight>
+                  <a:srgbClr val="00FF00"/>
+                </a:highlight>
+              </a:rPr>
+              <a:t>large-scale request for a service</a:t>
+            </a:r>
+            <a:r>
+              <a:rPr lang="en-US" sz="2200" dirty="0"/>
+              <a:t>, </a:t>
+            </a:r>
           </a:p>
           <a:p>
             <a:pPr marL="0" indent="0">
@@ -6691,17 +7344,33 @@
             </a:pPr>
             <a:r>
               <a:rPr lang="en-US" sz="2200" dirty="0"/>
-              <a:t>	</a:t>
-            </a:r>
-            <a:r>
-              <a:rPr lang="en-US" sz="2200" dirty="0" smtClean="0"/>
-              <a:t> c</a:t>
-            </a:r>
+              <a:t>	 c. E.g. </a:t>
+            </a:r>
+          </a:p>
+          <a:p>
+            <a:pPr marL="0" indent="0">
+              <a:buNone/>
+            </a:pPr>
             <a:r>
               <a:rPr lang="en-US" sz="2200" dirty="0"/>
-              <a:t>. E.g. </a:t>
-            </a:r>
-            <a:endParaRPr lang="en-US" sz="2200" dirty="0" smtClean="0"/>
+              <a:t>		</a:t>
+            </a:r>
+            <a:r>
+              <a:rPr lang="en-US" sz="2200" dirty="0" err="1"/>
+              <a:t>i</a:t>
+            </a:r>
+            <a:r>
+              <a:rPr lang="en-US" sz="2200" dirty="0"/>
+              <a:t>. Make a </a:t>
+            </a:r>
+            <a:r>
+              <a:rPr lang="en-US" sz="2200" dirty="0">
+                <a:highlight>
+                  <a:srgbClr val="FFFF00"/>
+                </a:highlight>
+              </a:rPr>
+              <a:t>flight reservation </a:t>
+            </a:r>
           </a:p>
           <a:p>
             <a:pPr marL="0" indent="0">
@@ -6709,21 +7378,20 @@
             </a:pPr>
             <a:r>
               <a:rPr lang="en-US" sz="2200" dirty="0"/>
-              <a:t>	</a:t>
-            </a:r>
-            <a:r>
-              <a:rPr lang="en-US" sz="2200" dirty="0" smtClean="0"/>
-              <a:t>	</a:t>
-            </a:r>
-            <a:r>
-              <a:rPr lang="en-US" sz="2200" dirty="0" err="1" smtClean="0"/>
-              <a:t>i</a:t>
+              <a:t>		ii. Find matches for a </a:t>
+            </a:r>
+            <a:r>
+              <a:rPr lang="en-US" sz="2200" dirty="0">
+                <a:highlight>
+                  <a:srgbClr val="FFFF00"/>
+                </a:highlight>
+              </a:rPr>
+              <a:t>phrase in a database Decoupling </a:t>
             </a:r>
             <a:r>
               <a:rPr lang="en-US" sz="2200" dirty="0"/>
-              <a:t>. Make a flight reservation </a:t>
-            </a:r>
-            <a:endParaRPr lang="en-US" sz="2200" dirty="0" smtClean="0"/>
+              <a:t>application logic from the user interface.</a:t>
+            </a:r>
           </a:p>
           <a:p>
             <a:pPr marL="0" indent="0">
@@ -6731,50 +7399,16 @@
             </a:pPr>
             <a:r>
               <a:rPr lang="en-US" sz="2200" dirty="0"/>
-              <a:t>	</a:t>
-            </a:r>
-            <a:r>
-              <a:rPr lang="en-US" sz="2200" dirty="0" smtClean="0"/>
-              <a:t>	ii</a:t>
-            </a:r>
+              <a:t>ATM example   - The details are not important at this point. </a:t>
+            </a:r>
+          </a:p>
+          <a:p>
+            <a:pPr marL="0" indent="0">
+              <a:buNone/>
+            </a:pPr>
             <a:r>
               <a:rPr lang="en-US" sz="2200" dirty="0"/>
-              <a:t>. Find matches for a phrase in a database Decoupling application logic from the user interface</a:t>
-            </a:r>
-            <a:r>
-              <a:rPr lang="en-US" sz="2200" dirty="0" smtClean="0"/>
-              <a:t>.</a:t>
-            </a:r>
-          </a:p>
-          <a:p>
-            <a:pPr marL="0" indent="0">
-              <a:buNone/>
-            </a:pPr>
-            <a:r>
-              <a:rPr lang="en-US" sz="2200" dirty="0"/>
-              <a:t>ATM example </a:t>
-            </a:r>
-            <a:r>
-              <a:rPr lang="en-US" sz="2200" dirty="0" smtClean="0"/>
-              <a:t>  - </a:t>
-            </a:r>
-            <a:r>
-              <a:rPr lang="en-US" sz="2200" dirty="0"/>
-              <a:t>The details are not important at this point. </a:t>
-            </a:r>
-            <a:endParaRPr lang="en-US" sz="2200" dirty="0" smtClean="0"/>
-          </a:p>
-          <a:p>
-            <a:pPr marL="0" indent="0">
-              <a:buNone/>
-            </a:pPr>
-            <a:r>
-              <a:rPr lang="en-US" sz="2200" dirty="0" smtClean="0"/>
-              <a:t>	• </a:t>
-            </a:r>
-            <a:r>
-              <a:rPr lang="en-US" sz="2200" dirty="0"/>
-              <a:t>The important thing is the information exchanged.</a:t>
+              <a:t>	• The important thing is the information exchanged.</a:t>
             </a:r>
             <a:endParaRPr lang="en-IN" sz="2200" dirty="0"/>
           </a:p>
@@ -6796,7 +7430,7 @@
           <a:lstStyle/>
           <a:p>
             <a:r>
-              <a:rPr lang="en-US" smtClean="0"/>
+              <a:rPr lang="en-US"/>
               <a:t>Department of Computer Science and Engineering</a:t>
             </a:r>
             <a:endParaRPr lang="en-US" dirty="0"/>
@@ -6875,7 +7509,7 @@
         </p:blipFill>
         <p:spPr>
           <a:xfrm>
-            <a:off x="838200" y="685800"/>
+            <a:off x="685800" y="1048279"/>
             <a:ext cx="7467599" cy="5646487"/>
           </a:xfrm>
           <a:prstGeom prst="rect">
@@ -6899,7 +7533,7 @@
           <a:lstStyle/>
           <a:p>
             <a:r>
-              <a:rPr lang="en-US" smtClean="0"/>
+              <a:rPr lang="en-US"/>
               <a:t>Department of Computer Science and Engineering</a:t>
             </a:r>
             <a:endParaRPr lang="en-US" dirty="0"/>
@@ -6927,6 +7561,150 @@
               <a:t>24</a:t>
             </a:fld>
             <a:endParaRPr lang="en-US" dirty="0"/>
+          </a:p>
+        </p:txBody>
+      </p:sp>
+      <p:sp>
+        <p:nvSpPr>
+          <p:cNvPr id="2" name="Rectangle 1">
+            <a:extLst>
+              <a:ext uri="{FF2B5EF4-FFF2-40B4-BE49-F238E27FC236}">
+                <a16:creationId xmlns:a16="http://schemas.microsoft.com/office/drawing/2014/main" id="{B3223DF3-29C1-1436-E0CF-2CC58F221187}"/>
+              </a:ext>
+            </a:extLst>
+          </p:cNvPr>
+          <p:cNvSpPr/>
+          <p:nvPr/>
+        </p:nvSpPr>
+        <p:spPr>
+          <a:xfrm>
+            <a:off x="164319" y="381000"/>
+            <a:ext cx="8815362" cy="523220"/>
+          </a:xfrm>
+          <a:prstGeom prst="rect">
+            <a:avLst/>
+          </a:prstGeom>
+          <a:noFill/>
+        </p:spPr>
+        <p:txBody>
+          <a:bodyPr wrap="none" lIns="91440" tIns="45720" rIns="91440" bIns="45720">
+            <a:spAutoFit/>
+          </a:bodyPr>
+          <a:lstStyle/>
+          <a:p>
+            <a:pPr algn="ctr"/>
+            <a:r>
+              <a:rPr lang="en-US" sz="2800" b="0" cap="none" spc="0" dirty="0">
+                <a:ln w="0"/>
+                <a:solidFill>
+                  <a:schemeClr val="tx1"/>
+                </a:solidFill>
+                <a:effectLst>
+                  <a:outerShdw blurRad="38100" dist="19050" dir="2700000" algn="tl" rotWithShape="0">
+                    <a:schemeClr val="dk1">
+                      <a:alpha val="40000"/>
+                    </a:schemeClr>
+                  </a:outerShdw>
+                </a:effectLst>
+              </a:rPr>
+              <a:t>Comes under the application class models (</a:t>
+            </a:r>
+            <a:r>
+              <a:rPr lang="en-US" sz="2800" b="0" cap="none" spc="0" dirty="0" err="1">
+                <a:ln w="0"/>
+                <a:solidFill>
+                  <a:schemeClr val="tx1"/>
+                </a:solidFill>
+                <a:effectLst>
+                  <a:outerShdw blurRad="38100" dist="19050" dir="2700000" algn="tl" rotWithShape="0">
+                    <a:schemeClr val="dk1">
+                      <a:alpha val="40000"/>
+                    </a:schemeClr>
+                  </a:outerShdw>
+                </a:effectLst>
+              </a:rPr>
+              <a:t>Sach</a:t>
+            </a:r>
+            <a:r>
+              <a:rPr lang="en-US" sz="2800" b="0" cap="none" spc="0" dirty="0">
+                <a:ln w="0"/>
+                <a:solidFill>
+                  <a:schemeClr val="tx1"/>
+                </a:solidFill>
+                <a:effectLst>
+                  <a:outerShdw blurRad="38100" dist="19050" dir="2700000" algn="tl" rotWithShape="0">
+                    <a:schemeClr val="dk1">
+                      <a:alpha val="40000"/>
+                    </a:schemeClr>
+                  </a:outerShdw>
+                </a:effectLst>
+              </a:rPr>
+              <a:t> </a:t>
+            </a:r>
+            <a:r>
+              <a:rPr lang="en-US" sz="2800" b="0" cap="none" spc="0" dirty="0" err="1">
+                <a:ln w="0"/>
+                <a:solidFill>
+                  <a:schemeClr val="tx1"/>
+                </a:solidFill>
+                <a:effectLst>
+                  <a:outerShdw blurRad="38100" dist="19050" dir="2700000" algn="tl" rotWithShape="0">
+                    <a:schemeClr val="dk1">
+                      <a:alpha val="40000"/>
+                    </a:schemeClr>
+                  </a:outerShdw>
+                </a:effectLst>
+              </a:rPr>
+              <a:t>DaD</a:t>
+            </a:r>
+            <a:r>
+              <a:rPr lang="en-US" sz="2800" b="0" cap="none" spc="0" dirty="0">
+                <a:ln w="0"/>
+                <a:solidFill>
+                  <a:schemeClr val="tx1"/>
+                </a:solidFill>
+                <a:effectLst>
+                  <a:outerShdw blurRad="38100" dist="19050" dir="2700000" algn="tl" rotWithShape="0">
+                    <a:schemeClr val="dk1">
+                      <a:alpha val="40000"/>
+                    </a:schemeClr>
+                  </a:outerShdw>
+                </a:effectLst>
+              </a:rPr>
+              <a:t> </a:t>
+            </a:r>
+            <a:r>
+              <a:rPr lang="en-US" sz="2800" b="0" cap="none" spc="0" dirty="0" err="1">
+                <a:ln w="0"/>
+                <a:solidFill>
+                  <a:schemeClr val="tx1"/>
+                </a:solidFill>
+                <a:effectLst>
+                  <a:outerShdw blurRad="38100" dist="19050" dir="2700000" algn="tl" rotWithShape="0">
+                    <a:schemeClr val="dk1">
+                      <a:alpha val="40000"/>
+                    </a:schemeClr>
+                  </a:outerShdw>
+                </a:effectLst>
+              </a:rPr>
+              <a:t>Chudi</a:t>
+            </a:r>
+            <a:r>
+              <a:rPr lang="en-US" sz="2800" b="0" cap="none" spc="0" dirty="0">
+                <a:ln w="0"/>
+                <a:solidFill>
+                  <a:schemeClr val="tx1"/>
+                </a:solidFill>
+                <a:effectLst>
+                  <a:outerShdw blurRad="38100" dist="19050" dir="2700000" algn="tl" rotWithShape="0">
+                    <a:schemeClr val="dk1">
+                      <a:alpha val="40000"/>
+                    </a:schemeClr>
+                  </a:outerShdw>
+                </a:effectLst>
+              </a:rPr>
+              <a:t>)</a:t>
+            </a:r>
           </a:p>
         </p:txBody>
       </p:sp>
@@ -6993,23 +7771,22 @@
               <a:rPr lang="en-US" sz="2400" dirty="0"/>
               <a:t>Defining Boundary Classes </a:t>
             </a:r>
-            <a:endParaRPr lang="en-US" sz="2400" dirty="0" smtClean="0"/>
           </a:p>
           <a:p>
             <a:pPr marL="0" indent="0">
               <a:buNone/>
             </a:pPr>
             <a:r>
-              <a:rPr lang="en-US" sz="2400" dirty="0" smtClean="0"/>
-              <a:t>• </a:t>
-            </a:r>
-            <a:r>
               <a:rPr lang="en-US" sz="2400" dirty="0"/>
-              <a:t>A boundary </a:t>
-            </a:r>
-            <a:r>
-              <a:rPr lang="en-US" sz="2400" dirty="0" smtClean="0"/>
-              <a:t>class</a:t>
+              <a:t>• A </a:t>
+            </a:r>
+            <a:r>
+              <a:rPr lang="en-US" sz="2400" dirty="0">
+                <a:highlight>
+                  <a:srgbClr val="00FF00"/>
+                </a:highlight>
+              </a:rPr>
+              <a:t>boundary class</a:t>
             </a:r>
           </a:p>
           <a:p>
@@ -7017,57 +7794,114 @@
               <a:buNone/>
             </a:pPr>
             <a:r>
-              <a:rPr lang="en-US" sz="2400" dirty="0" smtClean="0"/>
-              <a:t> 	– </a:t>
-            </a:r>
-            <a:r>
               <a:rPr lang="en-US" sz="2400" dirty="0"/>
-              <a:t>Is an area for communications between a system and external source. </a:t>
-            </a:r>
-            <a:endParaRPr lang="en-US" sz="2400" dirty="0" smtClean="0"/>
+              <a:t> 	– Is an </a:t>
+            </a:r>
+            <a:r>
+              <a:rPr lang="en-US" sz="2400" dirty="0">
+                <a:highlight>
+                  <a:srgbClr val="00FF00"/>
+                </a:highlight>
+              </a:rPr>
+              <a:t>area for communications </a:t>
+            </a:r>
+            <a:r>
+              <a:rPr lang="en-US" sz="2400" dirty="0"/>
+              <a:t>between a </a:t>
+            </a:r>
+            <a:r>
+              <a:rPr lang="en-US" sz="2400" dirty="0">
+                <a:highlight>
+                  <a:srgbClr val="00FF00"/>
+                </a:highlight>
+              </a:rPr>
+              <a:t>system</a:t>
+            </a:r>
+            <a:r>
+              <a:rPr lang="en-US" sz="2400" dirty="0"/>
+              <a:t> and </a:t>
+            </a:r>
+            <a:r>
+              <a:rPr lang="en-US" sz="2400" dirty="0">
+                <a:highlight>
+                  <a:srgbClr val="00FF00"/>
+                </a:highlight>
+              </a:rPr>
+              <a:t>external source. </a:t>
+            </a:r>
           </a:p>
           <a:p>
             <a:pPr marL="0" indent="0">
               <a:buNone/>
             </a:pPr>
             <a:r>
-              <a:rPr lang="en-US" sz="2400" dirty="0" smtClean="0"/>
+              <a:rPr lang="en-US" sz="2400" dirty="0"/>
               <a:t>	– </a:t>
             </a:r>
             <a:r>
+              <a:rPr lang="en-US" sz="2400" dirty="0">
+                <a:highlight>
+                  <a:srgbClr val="00FF00"/>
+                </a:highlight>
+              </a:rPr>
+              <a:t>Converts</a:t>
+            </a:r>
+            <a:r>
               <a:rPr lang="en-US" sz="2400" dirty="0"/>
-              <a:t>Converts information for transmission to and from the internal system. </a:t>
-            </a:r>
-            <a:endParaRPr lang="en-US" sz="2400" dirty="0" smtClean="0"/>
+              <a:t> </a:t>
+            </a:r>
+            <a:r>
+              <a:rPr lang="en-US" sz="2400" dirty="0">
+                <a:highlight>
+                  <a:srgbClr val="00FF00"/>
+                </a:highlight>
+              </a:rPr>
+              <a:t>information</a:t>
+            </a:r>
+            <a:r>
+              <a:rPr lang="en-US" sz="2400" dirty="0"/>
+              <a:t> for transmission </a:t>
+            </a:r>
+            <a:r>
+              <a:rPr lang="en-US" sz="2400" dirty="0">
+                <a:highlight>
+                  <a:srgbClr val="00FF00"/>
+                </a:highlight>
+              </a:rPr>
+              <a:t>to and from the internal system. </a:t>
+            </a:r>
           </a:p>
           <a:p>
             <a:pPr marL="0" indent="0">
               <a:buNone/>
             </a:pPr>
             <a:r>
-              <a:rPr lang="en-US" sz="2400" dirty="0" smtClean="0"/>
-              <a:t>• </a:t>
-            </a:r>
-            <a:r>
               <a:rPr lang="en-US" sz="2400" dirty="0"/>
-              <a:t>ATM example </a:t>
-            </a:r>
-            <a:endParaRPr lang="en-US" sz="2400" dirty="0" smtClean="0"/>
+              <a:t>• ATM example </a:t>
+            </a:r>
           </a:p>
           <a:p>
             <a:pPr marL="0" indent="0">
               <a:buNone/>
             </a:pPr>
             <a:r>
-              <a:rPr lang="en-US" sz="2400" dirty="0" smtClean="0"/>
+              <a:rPr lang="en-US" sz="2400" dirty="0"/>
               <a:t>	• </a:t>
             </a:r>
             <a:r>
-              <a:rPr lang="en-US" sz="2400" dirty="0" err="1" smtClean="0"/>
+              <a:rPr lang="en-US" sz="2400" dirty="0" err="1">
+                <a:highlight>
+                  <a:srgbClr val="FFFF00"/>
+                </a:highlight>
+              </a:rPr>
               <a:t>CashCard</a:t>
             </a:r>
             <a:r>
-              <a:rPr lang="en-US" sz="2400" dirty="0" smtClean="0"/>
+              <a:rPr lang="en-US" sz="2400" dirty="0">
+                <a:highlight>
+                  <a:srgbClr val="FFFF00"/>
+                </a:highlight>
+              </a:rPr>
               <a:t> Boundary </a:t>
             </a:r>
           </a:p>
@@ -7076,8 +7910,16 @@
               <a:buNone/>
             </a:pPr>
             <a:r>
-              <a:rPr lang="en-US" sz="2400" dirty="0" smtClean="0"/>
-              <a:t>	• Account Boundary</a:t>
+              <a:rPr lang="en-US" sz="2400" dirty="0"/>
+              <a:t>	• </a:t>
+            </a:r>
+            <a:r>
+              <a:rPr lang="en-US" sz="2400" dirty="0">
+                <a:highlight>
+                  <a:srgbClr val="FFFF00"/>
+                </a:highlight>
+              </a:rPr>
+              <a:t>Account Boundary</a:t>
             </a:r>
           </a:p>
           <a:p>
@@ -7085,12 +7927,8 @@
               <a:buNone/>
             </a:pPr>
             <a:r>
-              <a:rPr lang="en-US" sz="2400" dirty="0" smtClean="0"/>
-              <a:t> 		– </a:t>
-            </a:r>
-            <a:r>
               <a:rPr lang="en-US" sz="2400" dirty="0"/>
-              <a:t>Between the ATM and the consortium </a:t>
+              <a:t> 		– Between the ATM and the consortium </a:t>
             </a:r>
             <a:endParaRPr lang="en-IN" sz="2400" dirty="0"/>
           </a:p>
@@ -7112,7 +7950,7 @@
           <a:lstStyle/>
           <a:p>
             <a:r>
-              <a:rPr lang="en-US" smtClean="0"/>
+              <a:rPr lang="en-US"/>
               <a:t>Department of Computer Science and Engineering</a:t>
             </a:r>
             <a:endParaRPr lang="en-US" dirty="0"/>
@@ -7206,23 +8044,46 @@
               <a:rPr lang="en-US" sz="2400" b="1" dirty="0"/>
               <a:t>Determining Controllers </a:t>
             </a:r>
-            <a:endParaRPr lang="en-US" sz="2400" b="1" dirty="0" smtClean="0"/>
           </a:p>
           <a:p>
             <a:pPr marL="0" indent="0">
               <a:buNone/>
             </a:pPr>
             <a:r>
-              <a:rPr lang="en-US" sz="2400" dirty="0" smtClean="0"/>
-              <a:t>• </a:t>
-            </a:r>
-            <a:r>
               <a:rPr lang="en-US" sz="2400" dirty="0"/>
-              <a:t>Controller is an active object that manages control within an application</a:t>
-            </a:r>
-            <a:r>
-              <a:rPr lang="en-US" sz="2400" dirty="0" smtClean="0"/>
-              <a:t>.</a:t>
+              <a:t>• Controller is an </a:t>
+            </a:r>
+            <a:r>
+              <a:rPr lang="en-US" sz="2400" dirty="0">
+                <a:highlight>
+                  <a:srgbClr val="00FF00"/>
+                </a:highlight>
+              </a:rPr>
+              <a:t>active object </a:t>
+            </a:r>
+            <a:r>
+              <a:rPr lang="en-US" sz="2400" dirty="0"/>
+              <a:t>that </a:t>
+            </a:r>
+            <a:r>
+              <a:rPr lang="en-US" sz="2400" dirty="0">
+                <a:highlight>
+                  <a:srgbClr val="00FF00"/>
+                </a:highlight>
+              </a:rPr>
+              <a:t>manages</a:t>
+            </a:r>
+            <a:r>
+              <a:rPr lang="en-US" sz="2400" dirty="0"/>
+              <a:t> </a:t>
+            </a:r>
+            <a:r>
+              <a:rPr lang="en-US" sz="2400" dirty="0">
+                <a:highlight>
+                  <a:srgbClr val="00FF00"/>
+                </a:highlight>
+              </a:rPr>
+              <a:t>control within an application.</a:t>
             </a:r>
           </a:p>
           <a:p>
@@ -7230,16 +8091,170 @@
               <a:buNone/>
             </a:pPr>
             <a:r>
-              <a:rPr lang="en-US" sz="2400" dirty="0" smtClean="0"/>
+              <a:rPr lang="en-US" sz="2400" dirty="0"/>
+              <a:t> • </a:t>
+            </a:r>
+            <a:r>
+              <a:rPr lang="en-US" sz="2400" b="1" dirty="0"/>
+              <a:t>Controller</a:t>
+            </a:r>
+          </a:p>
+          <a:p>
+            <a:pPr marL="457200" indent="-457200">
+              <a:buFont typeface="+mj-lt"/>
+              <a:buAutoNum type="arabicPeriod"/>
+            </a:pPr>
+            <a:r>
+              <a:rPr lang="en-US" sz="2400" dirty="0">
+                <a:highlight>
+                  <a:srgbClr val="00FF00"/>
+                </a:highlight>
+              </a:rPr>
+              <a:t>Receives</a:t>
+            </a:r>
+            <a:r>
+              <a:rPr lang="en-US" sz="2400" dirty="0"/>
               <a:t> </a:t>
             </a:r>
             <a:r>
+              <a:rPr lang="en-US" sz="2400" dirty="0">
+                <a:highlight>
+                  <a:srgbClr val="00FF00"/>
+                </a:highlight>
+              </a:rPr>
+              <a:t>signals</a:t>
+            </a:r>
+            <a:r>
               <a:rPr lang="en-US" sz="2400" dirty="0"/>
-              <a:t>• </a:t>
-            </a:r>
-            <a:r>
-              <a:rPr lang="en-US" sz="2400" b="1" dirty="0" smtClean="0"/>
-              <a:t>Controller</a:t>
+              <a:t> from the </a:t>
+            </a:r>
+            <a:r>
+              <a:rPr lang="en-US" sz="2400" dirty="0">
+                <a:highlight>
+                  <a:srgbClr val="00FF00"/>
+                </a:highlight>
+              </a:rPr>
+              <a:t>outside world </a:t>
+            </a:r>
+            <a:r>
+              <a:rPr lang="en-US" sz="2400" dirty="0"/>
+              <a:t>or </a:t>
+            </a:r>
+          </a:p>
+          <a:p>
+            <a:pPr marL="457200" indent="-457200">
+              <a:buFont typeface="+mj-lt"/>
+              <a:buAutoNum type="arabicPeriod"/>
+            </a:pPr>
+            <a:r>
+              <a:rPr lang="en-US" sz="2400" dirty="0">
+                <a:highlight>
+                  <a:srgbClr val="00FF00"/>
+                </a:highlight>
+              </a:rPr>
+              <a:t>Receives</a:t>
+            </a:r>
+            <a:r>
+              <a:rPr lang="en-US" sz="2400" dirty="0"/>
+              <a:t> </a:t>
+            </a:r>
+            <a:r>
+              <a:rPr lang="en-US" sz="2400" dirty="0">
+                <a:highlight>
+                  <a:srgbClr val="00FF00"/>
+                </a:highlight>
+              </a:rPr>
+              <a:t>signals</a:t>
+            </a:r>
+            <a:r>
+              <a:rPr lang="en-US" sz="2400" dirty="0"/>
+              <a:t> from objects </a:t>
+            </a:r>
+            <a:r>
+              <a:rPr lang="en-US" sz="2400" dirty="0">
+                <a:highlight>
+                  <a:srgbClr val="00FF00"/>
+                </a:highlight>
+              </a:rPr>
+              <a:t>within the system</a:t>
+            </a:r>
+            <a:r>
+              <a:rPr lang="en-US" sz="2400" dirty="0"/>
+              <a:t>, </a:t>
+            </a:r>
+          </a:p>
+          <a:p>
+            <a:pPr marL="457200" indent="-457200">
+              <a:buFont typeface="+mj-lt"/>
+              <a:buAutoNum type="arabicPeriod"/>
+            </a:pPr>
+            <a:r>
+              <a:rPr lang="en-US" sz="2400" dirty="0">
+                <a:highlight>
+                  <a:srgbClr val="00FF00"/>
+                </a:highlight>
+              </a:rPr>
+              <a:t>Reacts to them, </a:t>
+            </a:r>
+          </a:p>
+          <a:p>
+            <a:pPr marL="457200" indent="-457200">
+              <a:buFont typeface="+mj-lt"/>
+              <a:buAutoNum type="arabicPeriod"/>
+            </a:pPr>
+            <a:r>
+              <a:rPr lang="en-US" sz="2400" dirty="0">
+                <a:highlight>
+                  <a:srgbClr val="00FF00"/>
+                </a:highlight>
+              </a:rPr>
+              <a:t>Invokes operation on the objects in the system</a:t>
+            </a:r>
+            <a:r>
+              <a:rPr lang="en-US" sz="2400" dirty="0"/>
+              <a:t>, and</a:t>
+            </a:r>
+          </a:p>
+          <a:p>
+            <a:pPr marL="457200" indent="-457200">
+              <a:buFont typeface="+mj-lt"/>
+              <a:buAutoNum type="arabicPeriod"/>
+            </a:pPr>
+            <a:r>
+              <a:rPr lang="en-US" sz="2400" dirty="0">
+                <a:highlight>
+                  <a:srgbClr val="00FF00"/>
+                </a:highlight>
+              </a:rPr>
+              <a:t>Sends</a:t>
+            </a:r>
+            <a:r>
+              <a:rPr lang="en-US" sz="2400" dirty="0"/>
+              <a:t> </a:t>
+            </a:r>
+            <a:r>
+              <a:rPr lang="en-US" sz="2400" dirty="0">
+                <a:highlight>
+                  <a:srgbClr val="00FF00"/>
+                </a:highlight>
+              </a:rPr>
+              <a:t>signals</a:t>
+            </a:r>
+            <a:r>
+              <a:rPr lang="en-US" sz="2400" dirty="0"/>
+              <a:t> to the </a:t>
+            </a:r>
+            <a:r>
+              <a:rPr lang="en-US" sz="2400" dirty="0">
+                <a:highlight>
+                  <a:srgbClr val="00FF00"/>
+                </a:highlight>
+              </a:rPr>
+              <a:t>outside world</a:t>
+            </a:r>
+            <a:r>
+              <a:rPr lang="en-US" sz="2400" dirty="0"/>
+              <a:t>. </a:t>
             </a:r>
           </a:p>
           <a:p>
@@ -7247,132 +8262,81 @@
               <a:buNone/>
             </a:pPr>
             <a:r>
-              <a:rPr lang="en-US" sz="2400" dirty="0" smtClean="0"/>
-              <a:t> </a:t>
-            </a:r>
+              <a:rPr lang="en-US" sz="2400" b="1" dirty="0"/>
+              <a:t>ATM Example </a:t>
+            </a:r>
+          </a:p>
+          <a:p>
+            <a:pPr marL="0" indent="0">
+              <a:buNone/>
+            </a:pPr>
             <a:r>
               <a:rPr lang="en-US" sz="2400" dirty="0"/>
-              <a:t>– Receives signals from the outside world or </a:t>
-            </a:r>
-            <a:endParaRPr lang="en-US" sz="2400" dirty="0" smtClean="0"/>
+              <a:t>• There are </a:t>
+            </a:r>
+            <a:r>
+              <a:rPr lang="en-US" sz="2400" dirty="0">
+                <a:highlight>
+                  <a:srgbClr val="FFFF00"/>
+                </a:highlight>
+              </a:rPr>
+              <a:t>two controllers </a:t>
+            </a:r>
+            <a:r>
+              <a:rPr lang="en-US" sz="2400" dirty="0"/>
+              <a:t>for </a:t>
+            </a:r>
+            <a:r>
+              <a:rPr lang="en-US" sz="2400" dirty="0">
+                <a:highlight>
+                  <a:srgbClr val="FFFF00"/>
+                </a:highlight>
+              </a:rPr>
+              <a:t>ATM</a:t>
+            </a:r>
+            <a:r>
+              <a:rPr lang="en-US" sz="2400" dirty="0"/>
+              <a:t> ex.</a:t>
+            </a:r>
           </a:p>
           <a:p>
             <a:pPr marL="0" indent="0">
               <a:buNone/>
             </a:pPr>
             <a:r>
-              <a:rPr lang="en-US" sz="2400" dirty="0" smtClean="0"/>
-              <a:t>– </a:t>
-            </a:r>
-            <a:r>
               <a:rPr lang="en-US" sz="2400" dirty="0"/>
-              <a:t>Receives signals from objects within the system, </a:t>
-            </a:r>
-            <a:endParaRPr lang="en-US" sz="2400" dirty="0" smtClean="0"/>
+              <a:t>– The </a:t>
+            </a:r>
+            <a:r>
+              <a:rPr lang="en-US" sz="2400" dirty="0">
+                <a:highlight>
+                  <a:srgbClr val="FFFF00"/>
+                </a:highlight>
+              </a:rPr>
+              <a:t>outer loop verifies customers and accounts. </a:t>
+            </a:r>
           </a:p>
           <a:p>
             <a:pPr marL="0" indent="0">
               <a:buNone/>
             </a:pPr>
             <a:r>
-              <a:rPr lang="en-US" sz="2400" dirty="0" smtClean="0"/>
-              <a:t>– </a:t>
-            </a:r>
-            <a:r>
               <a:rPr lang="en-US" sz="2400" dirty="0"/>
-              <a:t>Reacts to them, </a:t>
-            </a:r>
-            <a:endParaRPr lang="en-US" sz="2400" dirty="0" smtClean="0"/>
-          </a:p>
-          <a:p>
-            <a:pPr marL="0" indent="0">
-              <a:buNone/>
-            </a:pPr>
-            <a:r>
-              <a:rPr lang="en-US" sz="2400" dirty="0" smtClean="0"/>
-              <a:t>– </a:t>
-            </a:r>
-            <a:r>
-              <a:rPr lang="en-US" sz="2400" dirty="0"/>
-              <a:t>Invokes operation on the objects in the system, </a:t>
-            </a:r>
-            <a:r>
-              <a:rPr lang="en-US" sz="2400" dirty="0" smtClean="0"/>
-              <a:t>and</a:t>
-            </a:r>
-          </a:p>
-          <a:p>
-            <a:pPr marL="0" indent="0">
-              <a:buNone/>
-            </a:pPr>
-            <a:r>
-              <a:rPr lang="en-US" sz="2400" dirty="0" smtClean="0"/>
-              <a:t> </a:t>
-            </a:r>
-            <a:r>
-              <a:rPr lang="en-US" sz="2400" dirty="0"/>
-              <a:t>– Sends signals to the outside world. </a:t>
-            </a:r>
-            <a:endParaRPr lang="en-US" sz="2400" dirty="0" smtClean="0"/>
-          </a:p>
-          <a:p>
-            <a:pPr marL="0" indent="0">
-              <a:buNone/>
-            </a:pPr>
-            <a:r>
-              <a:rPr lang="en-US" sz="2400" b="1" dirty="0" smtClean="0"/>
-              <a:t>ATM </a:t>
-            </a:r>
-            <a:r>
-              <a:rPr lang="en-US" sz="2400" b="1" dirty="0"/>
-              <a:t>Example </a:t>
-            </a:r>
-            <a:endParaRPr lang="en-US" sz="2400" b="1" dirty="0" smtClean="0"/>
-          </a:p>
-          <a:p>
-            <a:pPr marL="0" indent="0">
-              <a:buNone/>
-            </a:pPr>
-            <a:r>
-              <a:rPr lang="en-US" sz="2400" dirty="0" smtClean="0"/>
-              <a:t>• </a:t>
-            </a:r>
-            <a:r>
-              <a:rPr lang="en-US" sz="2400" dirty="0"/>
-              <a:t>There are two controllers </a:t>
-            </a:r>
-            <a:r>
-              <a:rPr lang="en-US" sz="2400" dirty="0" smtClean="0"/>
-              <a:t>for ATM ex.</a:t>
-            </a:r>
-          </a:p>
-          <a:p>
-            <a:pPr marL="0" indent="0">
-              <a:buNone/>
-            </a:pPr>
-            <a:r>
-              <a:rPr lang="en-US" sz="2400" dirty="0" smtClean="0"/>
-              <a:t>– </a:t>
-            </a:r>
-            <a:r>
-              <a:rPr lang="en-US" sz="2400" dirty="0"/>
-              <a:t>The outer loop verifies customers and accounts. </a:t>
-            </a:r>
-            <a:endParaRPr lang="en-US" sz="2400" dirty="0" smtClean="0"/>
-          </a:p>
-          <a:p>
-            <a:pPr marL="0" indent="0">
-              <a:buNone/>
-            </a:pPr>
-            <a:r>
-              <a:rPr lang="en-US" sz="2400" dirty="0" smtClean="0"/>
-              <a:t>– </a:t>
-            </a:r>
-            <a:r>
-              <a:rPr lang="en-US" sz="2400" dirty="0"/>
-              <a:t>The inner loop services transactions.</a:t>
-            </a:r>
-            <a:endParaRPr lang="en-IN" sz="2400" dirty="0"/>
+              <a:t>– The </a:t>
+            </a:r>
+            <a:r>
+              <a:rPr lang="en-US" sz="2400" dirty="0">
+                <a:highlight>
+                  <a:srgbClr val="FFFF00"/>
+                </a:highlight>
+              </a:rPr>
+              <a:t>inner loop services transactions.</a:t>
+            </a:r>
+            <a:endParaRPr lang="en-IN" sz="2400" dirty="0">
+              <a:highlight>
+                <a:srgbClr val="FFFF00"/>
+              </a:highlight>
+            </a:endParaRPr>
           </a:p>
         </p:txBody>
       </p:sp>
@@ -7392,7 +8356,7 @@
           <a:lstStyle/>
           <a:p>
             <a:r>
-              <a:rPr lang="en-US" smtClean="0"/>
+              <a:rPr lang="en-US"/>
               <a:t>Department of Computer Science and Engineering</a:t>
             </a:r>
             <a:endParaRPr lang="en-US" dirty="0"/>
@@ -7479,57 +8443,117 @@
               <a:buNone/>
             </a:pPr>
             <a:r>
-              <a:rPr lang="en-US" sz="3300" b="1" dirty="0" smtClean="0"/>
-              <a:t>4.Checking </a:t>
-            </a:r>
-            <a:r>
               <a:rPr lang="en-US" sz="3300" b="1" dirty="0"/>
-              <a:t>Against the Interaction </a:t>
-            </a:r>
-            <a:r>
-              <a:rPr lang="en-US" sz="3300" b="1" dirty="0" smtClean="0"/>
-              <a:t>Model</a:t>
+              <a:t>4.Checking Against the Interaction Model</a:t>
             </a:r>
           </a:p>
           <a:p>
             <a:pPr algn="just"/>
             <a:r>
-              <a:rPr lang="en-US" sz="2800" dirty="0" smtClean="0"/>
-              <a:t>Go </a:t>
+              <a:rPr lang="en-US" sz="2800" dirty="0">
+                <a:highlight>
+                  <a:srgbClr val="00FF00"/>
+                </a:highlight>
+              </a:rPr>
+              <a:t>Go over the use cases </a:t>
             </a:r>
             <a:r>
               <a:rPr lang="en-US" sz="2800" dirty="0"/>
-              <a:t>over the use cases and think about how they would work</a:t>
-            </a:r>
-            <a:r>
-              <a:rPr lang="en-US" sz="2800" dirty="0" smtClean="0"/>
-              <a:t>.</a:t>
+              <a:t>and </a:t>
+            </a:r>
+            <a:r>
+              <a:rPr lang="en-US" sz="2800" dirty="0">
+                <a:highlight>
+                  <a:srgbClr val="00FF00"/>
+                </a:highlight>
+              </a:rPr>
+              <a:t>think</a:t>
+            </a:r>
+            <a:r>
+              <a:rPr lang="en-US" sz="2800" dirty="0"/>
+              <a:t> about </a:t>
+            </a:r>
+            <a:r>
+              <a:rPr lang="en-US" sz="2800" dirty="0">
+                <a:highlight>
+                  <a:srgbClr val="00FF00"/>
+                </a:highlight>
+              </a:rPr>
+              <a:t>how they would work.</a:t>
             </a:r>
           </a:p>
           <a:p>
             <a:pPr algn="just"/>
             <a:r>
-              <a:rPr lang="en-US" sz="2800" dirty="0" smtClean="0"/>
-              <a:t>When </a:t>
-            </a:r>
-            <a:r>
               <a:rPr lang="en-US" sz="2800" dirty="0"/>
-              <a:t>the domain and application class models are in place, you should be able to simulate a use case with the classes</a:t>
-            </a:r>
-            <a:r>
-              <a:rPr lang="en-US" sz="2800" dirty="0" smtClean="0"/>
-              <a:t>.</a:t>
+              <a:t>When the d</a:t>
+            </a:r>
+            <a:r>
+              <a:rPr lang="en-US" sz="2800" dirty="0">
+                <a:highlight>
+                  <a:srgbClr val="00FF00"/>
+                </a:highlight>
+              </a:rPr>
+              <a:t>omain and application class models are in place,</a:t>
+            </a:r>
+            <a:r>
+              <a:rPr lang="en-US" sz="2800" dirty="0"/>
+              <a:t> you should be </a:t>
+            </a:r>
+            <a:r>
+              <a:rPr lang="en-US" sz="2800" dirty="0">
+                <a:highlight>
+                  <a:srgbClr val="00FF00"/>
+                </a:highlight>
+              </a:rPr>
+              <a:t>able</a:t>
+            </a:r>
+            <a:r>
+              <a:rPr lang="en-US" sz="2800" dirty="0"/>
+              <a:t> to </a:t>
+            </a:r>
+            <a:r>
+              <a:rPr lang="en-US" sz="2800" dirty="0">
+                <a:highlight>
+                  <a:srgbClr val="00FF00"/>
+                </a:highlight>
+              </a:rPr>
+              <a:t>simulate</a:t>
+            </a:r>
+            <a:r>
+              <a:rPr lang="en-US" sz="2800" dirty="0"/>
+              <a:t> a </a:t>
+            </a:r>
+            <a:r>
+              <a:rPr lang="en-US" sz="2800" dirty="0">
+                <a:highlight>
+                  <a:srgbClr val="00FF00"/>
+                </a:highlight>
+              </a:rPr>
+              <a:t>use case </a:t>
+            </a:r>
+            <a:r>
+              <a:rPr lang="en-US" sz="2800" dirty="0"/>
+              <a:t>with the </a:t>
+            </a:r>
+            <a:r>
+              <a:rPr lang="en-US" sz="2800" dirty="0">
+                <a:highlight>
+                  <a:srgbClr val="00FF00"/>
+                </a:highlight>
+              </a:rPr>
+              <a:t>classes</a:t>
+            </a:r>
+            <a:r>
+              <a:rPr lang="en-US" sz="2800" dirty="0"/>
+              <a:t>. (very important point in the pocket bro !!!)</a:t>
             </a:r>
           </a:p>
           <a:p>
             <a:pPr algn="just"/>
             <a:r>
               <a:rPr lang="en-IN" sz="2800" dirty="0"/>
-              <a:t>ATM </a:t>
-            </a:r>
-            <a:r>
-              <a:rPr lang="en-IN" sz="2800" dirty="0" smtClean="0"/>
-              <a:t>Example</a:t>
+              <a:t>ATM Example</a:t>
             </a:r>
           </a:p>
           <a:p>
@@ -7538,7 +8562,31 @@
             </a:pPr>
             <a:r>
               <a:rPr lang="en-US" sz="2800" dirty="0"/>
-              <a:t>ATM example. Figure 13.8 shows a preliminary application class model and the domain classes with which it interacts. There are two interfaces—one for users and the other for communicating with the consortium. The application model just has stubs for these classes, because it is not clear how to elaborate them at this time.</a:t>
+              <a:t>ATM example. Figure 13.8 shows a preliminary application class model and the domain classes with which it interacts. There are </a:t>
+            </a:r>
+            <a:r>
+              <a:rPr lang="en-US" sz="2800" dirty="0">
+                <a:highlight>
+                  <a:srgbClr val="00FF00"/>
+                </a:highlight>
+              </a:rPr>
+              <a:t>two interfaces</a:t>
+            </a:r>
+            <a:r>
+              <a:rPr lang="en-US" sz="2800" dirty="0"/>
+              <a:t>—</a:t>
+            </a:r>
+            <a:r>
+              <a:rPr lang="en-US" sz="2800" dirty="0">
+                <a:highlight>
+                  <a:srgbClr val="00FF00"/>
+                </a:highlight>
+              </a:rPr>
+              <a:t>one for users and the other for communicating with the consortium.</a:t>
+            </a:r>
+            <a:r>
+              <a:rPr lang="en-US" sz="2800" dirty="0"/>
+              <a:t> The application model just has stubs for these classes, because it is not clear how to elaborate them at this time.</a:t>
             </a:r>
             <a:endParaRPr lang="en-IN" sz="2800" dirty="0"/>
           </a:p>
@@ -7560,7 +8608,7 @@
           <a:lstStyle/>
           <a:p>
             <a:r>
-              <a:rPr lang="en-US" smtClean="0"/>
+              <a:rPr lang="en-US"/>
               <a:t>Department of Computer Science and Engineering</a:t>
             </a:r>
             <a:endParaRPr lang="en-US" dirty="0"/>
@@ -7637,7 +8685,7 @@
           <a:lstStyle/>
           <a:p>
             <a:r>
-              <a:rPr lang="en-US" smtClean="0"/>
+              <a:rPr lang="en-US"/>
               <a:t>Department of Computer Science and Engineering</a:t>
             </a:r>
             <a:endParaRPr lang="en-US" dirty="0"/>
@@ -7771,33 +8819,137 @@
           <a:p>
             <a:pPr algn="just"/>
             <a:r>
-              <a:rPr lang="en-US" dirty="0" smtClean="0"/>
-              <a:t>Review of Analysis: Domain analysis and Application analysis</a:t>
+              <a:rPr lang="en-US" dirty="0"/>
+              <a:t>Review of Analysis: </a:t>
+            </a:r>
+            <a:r>
+              <a:rPr lang="en-US" dirty="0">
+                <a:highlight>
+                  <a:srgbClr val="00FF00"/>
+                </a:highlight>
+              </a:rPr>
+              <a:t>Domain analysis </a:t>
+            </a:r>
+            <a:r>
+              <a:rPr lang="en-US" dirty="0"/>
+              <a:t>and </a:t>
+            </a:r>
+            <a:r>
+              <a:rPr lang="en-US" dirty="0">
+                <a:highlight>
+                  <a:srgbClr val="00FF00"/>
+                </a:highlight>
+              </a:rPr>
+              <a:t>Application analysis</a:t>
             </a:r>
           </a:p>
           <a:p>
             <a:pPr algn="just"/>
             <a:r>
               <a:rPr lang="en-US" dirty="0"/>
-              <a:t>The analysis model describes the information that  the system must contain at high level operations that it must </a:t>
-            </a:r>
-            <a:r>
-              <a:rPr lang="en-US" dirty="0" smtClean="0"/>
-              <a:t>perform.</a:t>
+              <a:t>The </a:t>
+            </a:r>
+            <a:r>
+              <a:rPr lang="en-US" dirty="0">
+                <a:highlight>
+                  <a:srgbClr val="00FF00"/>
+                </a:highlight>
+              </a:rPr>
+              <a:t>analysis model describes</a:t>
+            </a:r>
+            <a:r>
+              <a:rPr lang="en-US" dirty="0"/>
+              <a:t> the information that  the </a:t>
+            </a:r>
+            <a:r>
+              <a:rPr lang="en-US" dirty="0">
+                <a:highlight>
+                  <a:srgbClr val="00FF00"/>
+                </a:highlight>
+              </a:rPr>
+              <a:t>system</a:t>
+            </a:r>
+            <a:r>
+              <a:rPr lang="en-US" dirty="0"/>
+              <a:t> must contain at </a:t>
+            </a:r>
+            <a:r>
+              <a:rPr lang="en-US" dirty="0">
+                <a:highlight>
+                  <a:srgbClr val="00FF00"/>
+                </a:highlight>
+              </a:rPr>
+              <a:t>high level operations</a:t>
+            </a:r>
+            <a:r>
+              <a:rPr lang="en-US" dirty="0"/>
+              <a:t> that it must perform.</a:t>
             </a:r>
           </a:p>
           <a:p>
             <a:pPr algn="just"/>
             <a:r>
-              <a:rPr lang="en-US" dirty="0" smtClean="0"/>
-              <a:t>The purpose of class design is to complete the definition of classes and association and choose algorithms and operation.</a:t>
+              <a:rPr lang="en-US" dirty="0"/>
+              <a:t>The </a:t>
+            </a:r>
+            <a:r>
+              <a:rPr lang="en-US" dirty="0">
+                <a:highlight>
+                  <a:srgbClr val="00FF00"/>
+                </a:highlight>
+              </a:rPr>
+              <a:t>purpose</a:t>
+            </a:r>
+            <a:r>
+              <a:rPr lang="en-US" dirty="0"/>
+              <a:t> of class design is to c</a:t>
+            </a:r>
+            <a:r>
+              <a:rPr lang="en-US" dirty="0">
+                <a:highlight>
+                  <a:srgbClr val="00FF00"/>
+                </a:highlight>
+              </a:rPr>
+              <a:t>omplete the definition of classes</a:t>
+            </a:r>
+            <a:r>
+              <a:rPr lang="en-US" dirty="0"/>
+              <a:t> and </a:t>
+            </a:r>
+            <a:r>
+              <a:rPr lang="en-US" dirty="0">
+                <a:highlight>
+                  <a:srgbClr val="00FF00"/>
+                </a:highlight>
+              </a:rPr>
+              <a:t>association</a:t>
+            </a:r>
+            <a:r>
+              <a:rPr lang="en-US" dirty="0"/>
+              <a:t> and choose </a:t>
+            </a:r>
+            <a:r>
+              <a:rPr lang="en-US" dirty="0">
+                <a:highlight>
+                  <a:srgbClr val="00FF00"/>
+                </a:highlight>
+              </a:rPr>
+              <a:t>algorithms and operation.</a:t>
             </a:r>
           </a:p>
           <a:p>
             <a:pPr algn="just"/>
             <a:r>
-              <a:rPr lang="en-US" dirty="0" smtClean="0"/>
-              <a:t>The simplest and best approach is to carry out analysis classes directly to design</a:t>
+              <a:rPr lang="en-US" dirty="0"/>
+              <a:t>The simplest and best approach is to carry out analysis classes </a:t>
+            </a:r>
+            <a:r>
+              <a:rPr lang="en-US" dirty="0">
+                <a:highlight>
+                  <a:srgbClr val="00FF00"/>
+                </a:highlight>
+              </a:rPr>
+              <a:t>directly to design</a:t>
             </a:r>
           </a:p>
           <a:p>
@@ -7821,7 +8973,7 @@
           <a:lstStyle/>
           <a:p>
             <a:r>
-              <a:rPr lang="en-US" smtClean="0"/>
+              <a:rPr lang="en-US"/>
               <a:t>Department of Computer Science and Engineering</a:t>
             </a:r>
             <a:endParaRPr lang="en-US" dirty="0"/>
@@ -7899,13 +9051,8 @@
           <a:p>
             <a:r>
               <a:rPr lang="en-IN" dirty="0"/>
-              <a:t>Application </a:t>
-            </a:r>
-            <a:r>
-              <a:rPr lang="en-IN" dirty="0" smtClean="0"/>
-              <a:t>Interaction Model</a:t>
-            </a:r>
-            <a:endParaRPr lang="en-IN" dirty="0"/>
+              <a:t>Application Interaction Model</a:t>
+            </a:r>
           </a:p>
         </p:txBody>
       </p:sp>
@@ -7928,84 +9075,131 @@
           <a:p>
             <a:pPr algn="just"/>
             <a:r>
-              <a:rPr lang="en-US" dirty="0" smtClean="0"/>
+              <a:rPr lang="en-US" dirty="0"/>
               <a:t>Most </a:t>
             </a:r>
             <a:r>
+              <a:rPr lang="en-US" dirty="0">
+                <a:solidFill>
+                  <a:srgbClr val="FF0000"/>
+                </a:solidFill>
+              </a:rPr>
+              <a:t>domain models </a:t>
+            </a:r>
+            <a:r>
               <a:rPr lang="en-US" dirty="0"/>
-              <a:t>domain models are static and operations are </a:t>
-            </a:r>
-            <a:r>
-              <a:rPr lang="en-US" dirty="0" smtClean="0"/>
-              <a:t>unimportant.</a:t>
-            </a:r>
-            <a:endParaRPr lang="en-US" dirty="0"/>
+              <a:t>are </a:t>
+            </a:r>
+            <a:r>
+              <a:rPr lang="en-US" dirty="0">
+                <a:solidFill>
+                  <a:srgbClr val="FF0000"/>
+                </a:solidFill>
+              </a:rPr>
+              <a:t>static</a:t>
+            </a:r>
+            <a:r>
+              <a:rPr lang="en-US" dirty="0"/>
+              <a:t> and </a:t>
+            </a:r>
+            <a:r>
+              <a:rPr lang="en-US" dirty="0">
+                <a:highlight>
+                  <a:srgbClr val="FFFF00"/>
+                </a:highlight>
+              </a:rPr>
+              <a:t>operations</a:t>
+            </a:r>
+            <a:r>
+              <a:rPr lang="en-US" dirty="0"/>
+              <a:t> are unimportant.</a:t>
+            </a:r>
           </a:p>
           <a:p>
             <a:pPr algn="just"/>
             <a:r>
-              <a:rPr lang="en-US" dirty="0" smtClean="0"/>
-              <a:t>After </a:t>
-            </a:r>
-            <a:r>
               <a:rPr lang="en-US" dirty="0"/>
-              <a:t>completing the domain model we then shift our attention to the details of an application and consider </a:t>
-            </a:r>
-            <a:r>
-              <a:rPr lang="en-US" dirty="0" smtClean="0"/>
-              <a:t>interaction</a:t>
+              <a:t>After completing the domain model we then shift our attention to the </a:t>
+            </a:r>
+            <a:r>
+              <a:rPr lang="en-US" dirty="0">
+                <a:highlight>
+                  <a:srgbClr val="FFFF00"/>
+                </a:highlight>
+              </a:rPr>
+              <a:t>details of an application and consider interaction</a:t>
             </a:r>
           </a:p>
           <a:p>
             <a:pPr algn="just"/>
             <a:r>
-              <a:rPr lang="en-US" dirty="0" smtClean="0"/>
-              <a:t>Interaction </a:t>
-            </a:r>
-            <a:r>
               <a:rPr lang="en-US" dirty="0"/>
-              <a:t>modeling </a:t>
-            </a:r>
-            <a:r>
-              <a:rPr lang="en-US" dirty="0" smtClean="0"/>
-              <a:t>is used to determine the </a:t>
+              <a:t>Interaction modeling is used to </a:t>
+            </a:r>
+            <a:r>
+              <a:rPr lang="en-US" dirty="0">
+                <a:highlight>
+                  <a:srgbClr val="FFFF00"/>
+                </a:highlight>
+              </a:rPr>
+              <a:t>determine the overall boundary of the system</a:t>
+            </a:r>
+            <a:endParaRPr lang="en-US" b="1" dirty="0">
+              <a:highlight>
+                <a:srgbClr val="FFFF00"/>
+              </a:highlight>
+            </a:endParaRPr>
+          </a:p>
+          <a:p>
+            <a:pPr algn="just"/>
+            <a:r>
+              <a:rPr lang="en-US" dirty="0">
+                <a:highlight>
+                  <a:srgbClr val="FFFF00"/>
+                </a:highlight>
+              </a:rPr>
+              <a:t>Identification</a:t>
             </a:r>
             <a:r>
               <a:rPr lang="en-US" dirty="0"/>
-              <a:t>overall boundary of the </a:t>
-            </a:r>
-            <a:r>
-              <a:rPr lang="en-US" dirty="0" smtClean="0"/>
-              <a:t>system</a:t>
-            </a:r>
-            <a:endParaRPr lang="en-US" b="1" dirty="0"/>
+              <a:t>  of </a:t>
+            </a:r>
+            <a:r>
+              <a:rPr lang="en-US" dirty="0">
+                <a:highlight>
+                  <a:srgbClr val="FFFF00"/>
+                </a:highlight>
+              </a:rPr>
+              <a:t>use cases </a:t>
+            </a:r>
+            <a:r>
+              <a:rPr lang="en-US" dirty="0"/>
+              <a:t>and flesh them out with </a:t>
+            </a:r>
+            <a:r>
+              <a:rPr lang="en-US" dirty="0">
+                <a:highlight>
+                  <a:srgbClr val="FFFF00"/>
+                </a:highlight>
+              </a:rPr>
+              <a:t>scenarios and sequence diagrams</a:t>
+            </a:r>
           </a:p>
           <a:p>
             <a:pPr algn="just"/>
             <a:r>
-              <a:rPr lang="en-US" dirty="0" smtClean="0"/>
-              <a:t>Identification  of use </a:t>
-            </a:r>
-            <a:r>
-              <a:rPr lang="en-US" dirty="0"/>
-              <a:t>cases and flesh them out with scenarios and sequence </a:t>
-            </a:r>
-            <a:r>
-              <a:rPr lang="en-US" dirty="0" smtClean="0"/>
-              <a:t>diagrams</a:t>
-            </a:r>
-          </a:p>
-          <a:p>
-            <a:pPr algn="just"/>
-            <a:r>
-              <a:rPr lang="en-US" dirty="0" smtClean="0"/>
-              <a:t>Prepare </a:t>
-            </a:r>
-            <a:r>
-              <a:rPr lang="en-US" dirty="0"/>
-              <a:t>activity diagrams for use cases</a:t>
-            </a:r>
-            <a:endParaRPr lang="en-IN" dirty="0"/>
+              <a:rPr lang="en-US" dirty="0">
+                <a:highlight>
+                  <a:srgbClr val="FFFF00"/>
+                </a:highlight>
+              </a:rPr>
+              <a:t>Prepare activity diagrams for use cases</a:t>
+            </a:r>
+            <a:endParaRPr lang="en-IN" dirty="0">
+              <a:highlight>
+                <a:srgbClr val="FFFF00"/>
+              </a:highlight>
+            </a:endParaRPr>
           </a:p>
         </p:txBody>
       </p:sp>
@@ -8025,7 +9219,7 @@
           <a:lstStyle/>
           <a:p>
             <a:r>
-              <a:rPr lang="en-US" smtClean="0"/>
+              <a:rPr lang="en-US"/>
               <a:t>Department of Computer Science and Engineering</a:t>
             </a:r>
             <a:endParaRPr lang="en-US" dirty="0"/>
@@ -8066,13 +9260,6 @@
   <p:clrMapOvr>
     <a:masterClrMapping/>
   </p:clrMapOvr>
-  <p:timing>
-    <p:tnLst>
-      <p:par>
-        <p:cTn id="1" dur="indefinite" restart="never" nodeType="tmRoot"/>
-      </p:par>
-    </p:tnLst>
-  </p:timing>
 </p:sld>
 </file>
 
@@ -8133,31 +9320,127 @@
           <a:p>
             <a:r>
               <a:rPr lang="en-US" dirty="0"/>
-              <a:t>During design, you choose among different ways to realize the analysis classes with an eye toward minimizing execution time, memory, and other cost </a:t>
-            </a:r>
-            <a:r>
-              <a:rPr lang="en-US" dirty="0" smtClean="0"/>
-              <a:t>measures.</a:t>
-            </a:r>
-          </a:p>
-          <a:p>
-            <a:r>
-              <a:rPr lang="en-US" dirty="0" smtClean="0"/>
-              <a:t>You can introduce </a:t>
+              <a:t>During </a:t>
+            </a:r>
+            <a:r>
+              <a:rPr lang="en-US" dirty="0">
+                <a:highlight>
+                  <a:srgbClr val="00FF00"/>
+                </a:highlight>
+              </a:rPr>
+              <a:t>design,</a:t>
             </a:r>
             <a:r>
               <a:rPr lang="en-US" dirty="0"/>
-              <a:t>new classes to store intermediate results during program execution and avoid </a:t>
-            </a:r>
-            <a:r>
-              <a:rPr lang="en-US" dirty="0" smtClean="0"/>
-              <a:t>recomputation.</a:t>
-            </a:r>
-          </a:p>
-          <a:p>
+              <a:t> you choose among </a:t>
+            </a:r>
+            <a:r>
+              <a:rPr lang="en-US" dirty="0">
+                <a:highlight>
+                  <a:srgbClr val="00FF00"/>
+                </a:highlight>
+              </a:rPr>
+              <a:t>different</a:t>
+            </a:r>
             <a:r>
               <a:rPr lang="en-US" dirty="0"/>
-              <a:t>OO design is an iterative process.</a:t>
+              <a:t> </a:t>
+            </a:r>
+            <a:r>
+              <a:rPr lang="en-US" dirty="0">
+                <a:highlight>
+                  <a:srgbClr val="00FF00"/>
+                </a:highlight>
+              </a:rPr>
+              <a:t>ways</a:t>
+            </a:r>
+            <a:r>
+              <a:rPr lang="en-US" dirty="0"/>
+              <a:t> to </a:t>
+            </a:r>
+            <a:r>
+              <a:rPr lang="en-US" dirty="0">
+                <a:highlight>
+                  <a:srgbClr val="00FF00"/>
+                </a:highlight>
+              </a:rPr>
+              <a:t>realize</a:t>
+            </a:r>
+            <a:r>
+              <a:rPr lang="en-US" dirty="0"/>
+              <a:t> the </a:t>
+            </a:r>
+            <a:r>
+              <a:rPr lang="en-US" dirty="0">
+                <a:highlight>
+                  <a:srgbClr val="00FF00"/>
+                </a:highlight>
+              </a:rPr>
+              <a:t>analysis classes </a:t>
+            </a:r>
+            <a:r>
+              <a:rPr lang="en-US" dirty="0"/>
+              <a:t>with an eye toward </a:t>
+            </a:r>
+            <a:r>
+              <a:rPr lang="en-US" dirty="0">
+                <a:highlight>
+                  <a:srgbClr val="00FF00"/>
+                </a:highlight>
+              </a:rPr>
+              <a:t>minimizing execution time, memory, and other cost measures</a:t>
+            </a:r>
+            <a:r>
+              <a:rPr lang="en-US" dirty="0"/>
+              <a:t>.</a:t>
+            </a:r>
+          </a:p>
+          <a:p>
+            <a:r>
+              <a:rPr lang="en-US" dirty="0"/>
+              <a:t>You can </a:t>
+            </a:r>
+            <a:r>
+              <a:rPr lang="en-US" dirty="0">
+                <a:highlight>
+                  <a:srgbClr val="00FF00"/>
+                </a:highlight>
+              </a:rPr>
+              <a:t>introduce new classes </a:t>
+            </a:r>
+            <a:r>
+              <a:rPr lang="en-US" dirty="0"/>
+              <a:t>to store </a:t>
+            </a:r>
+            <a:r>
+              <a:rPr lang="en-US" dirty="0">
+                <a:highlight>
+                  <a:srgbClr val="00FF00"/>
+                </a:highlight>
+              </a:rPr>
+              <a:t>intermediate results </a:t>
+            </a:r>
+            <a:r>
+              <a:rPr lang="en-US" dirty="0"/>
+              <a:t>during program execution and avoid recomputation.</a:t>
+            </a:r>
+          </a:p>
+          <a:p>
+            <a:r>
+              <a:rPr lang="en-US" dirty="0"/>
+              <a:t>OO design is an </a:t>
+            </a:r>
+            <a:r>
+              <a:rPr lang="en-US" dirty="0">
+                <a:highlight>
+                  <a:srgbClr val="00FF00"/>
+                </a:highlight>
+              </a:rPr>
+              <a:t>iterative process</a:t>
+            </a:r>
+            <a:r>
+              <a:rPr lang="en-US" dirty="0"/>
+              <a:t>.</a:t>
             </a:r>
             <a:endParaRPr lang="en-IN" dirty="0"/>
           </a:p>
@@ -8179,7 +9462,7 @@
           <a:lstStyle/>
           <a:p>
             <a:r>
-              <a:rPr lang="en-US" smtClean="0"/>
+              <a:rPr lang="en-US"/>
               <a:t>Department of Computer Science and Engineering</a:t>
             </a:r>
             <a:endParaRPr lang="en-US" dirty="0"/>
@@ -8292,60 +9575,130 @@
           <a:lstStyle/>
           <a:p>
             <a:r>
-              <a:rPr lang="en-US" sz="3800" dirty="0" smtClean="0"/>
-              <a:t>Class </a:t>
-            </a:r>
-            <a:r>
               <a:rPr lang="en-US" sz="3800" dirty="0"/>
-              <a:t>design involves the following steps. </a:t>
-            </a:r>
-            <a:endParaRPr lang="en-US" sz="3800" dirty="0" smtClean="0"/>
+              <a:t>Class design involves the following steps. </a:t>
+            </a:r>
           </a:p>
           <a:p>
             <a:pPr marL="0" indent="0">
               <a:buNone/>
             </a:pPr>
             <a:r>
-              <a:rPr lang="en-US" sz="3400" dirty="0" smtClean="0"/>
+              <a:rPr lang="en-US" sz="3400" dirty="0"/>
               <a:t>■ </a:t>
             </a:r>
             <a:r>
+              <a:rPr lang="en-US" sz="3400" dirty="0">
+                <a:highlight>
+                  <a:srgbClr val="00FF00"/>
+                </a:highlight>
+              </a:rPr>
+              <a:t>Bridge the gap </a:t>
+            </a:r>
+            <a:r>
               <a:rPr lang="en-US" sz="3400" dirty="0"/>
-              <a:t>Bridge the gap from high-level requirements to low-level services. </a:t>
-            </a:r>
-            <a:endParaRPr lang="en-US" sz="3400" dirty="0" smtClean="0"/>
+              <a:t>from </a:t>
+            </a:r>
+            <a:r>
+              <a:rPr lang="en-US" sz="3400" dirty="0">
+                <a:highlight>
+                  <a:srgbClr val="00FF00"/>
+                </a:highlight>
+              </a:rPr>
+              <a:t>high-level</a:t>
+            </a:r>
+            <a:r>
+              <a:rPr lang="en-US" sz="3400" dirty="0"/>
+              <a:t> </a:t>
+            </a:r>
+            <a:r>
+              <a:rPr lang="en-US" sz="3400" dirty="0">
+                <a:highlight>
+                  <a:srgbClr val="00FF00"/>
+                </a:highlight>
+              </a:rPr>
+              <a:t>requirements</a:t>
+            </a:r>
+            <a:r>
+              <a:rPr lang="en-US" sz="3400" dirty="0"/>
+              <a:t> to </a:t>
+            </a:r>
+            <a:r>
+              <a:rPr lang="en-US" sz="3400" dirty="0">
+                <a:highlight>
+                  <a:srgbClr val="00FF00"/>
+                </a:highlight>
+              </a:rPr>
+              <a:t>low-level</a:t>
+            </a:r>
+            <a:r>
+              <a:rPr lang="en-US" sz="3400" dirty="0"/>
+              <a:t> services. </a:t>
+            </a:r>
           </a:p>
           <a:p>
             <a:pPr marL="0" indent="0">
               <a:buNone/>
             </a:pPr>
             <a:r>
-              <a:rPr lang="en-US" sz="3400" dirty="0" smtClean="0"/>
+              <a:rPr lang="en-US" sz="3400" dirty="0"/>
               <a:t>■ </a:t>
             </a:r>
             <a:r>
+              <a:rPr lang="en-US" sz="3400" dirty="0">
+                <a:highlight>
+                  <a:srgbClr val="00FF00"/>
+                </a:highlight>
+              </a:rPr>
+              <a:t>Realize</a:t>
+            </a:r>
+            <a:r>
               <a:rPr lang="en-US" sz="3400" dirty="0"/>
-              <a:t>Realize use cases with operations. </a:t>
-            </a:r>
-            <a:r>
-              <a:rPr lang="en-US" sz="3400" dirty="0" smtClean="0"/>
               <a:t> </a:t>
             </a:r>
+            <a:r>
+              <a:rPr lang="en-US" sz="3400" dirty="0">
+                <a:highlight>
+                  <a:srgbClr val="00FF00"/>
+                </a:highlight>
+              </a:rPr>
+              <a:t>use cases </a:t>
+            </a:r>
+            <a:r>
+              <a:rPr lang="en-US" sz="3400" dirty="0"/>
+              <a:t>with operations.  </a:t>
+            </a:r>
           </a:p>
           <a:p>
             <a:pPr marL="0" indent="0">
               <a:buNone/>
             </a:pPr>
             <a:r>
-              <a:rPr lang="en-US" sz="3400" dirty="0" smtClean="0"/>
+              <a:rPr lang="en-US" sz="3400" dirty="0"/>
               <a:t>■ </a:t>
             </a:r>
             <a:r>
+              <a:rPr lang="en-US" sz="3400" dirty="0">
+                <a:highlight>
+                  <a:srgbClr val="00FF00"/>
+                </a:highlight>
+              </a:rPr>
+              <a:t>Formulate</a:t>
+            </a:r>
+            <a:r>
               <a:rPr lang="en-US" sz="3400" dirty="0"/>
-              <a:t>Formulate an algorithm for each operation</a:t>
-            </a:r>
-            <a:r>
-              <a:rPr lang="en-US" sz="3400" dirty="0" smtClean="0"/>
+              <a:t> an </a:t>
+            </a:r>
+            <a:r>
+              <a:rPr lang="en-US" sz="3400" dirty="0">
+                <a:highlight>
+                  <a:srgbClr val="00FF00"/>
+                </a:highlight>
+              </a:rPr>
+              <a:t>algorithm for each operation</a:t>
+            </a:r>
+            <a:r>
+              <a:rPr lang="en-US" sz="3400" dirty="0"/>
               <a:t>.</a:t>
             </a:r>
           </a:p>
@@ -8354,16 +9707,40 @@
               <a:buNone/>
             </a:pPr>
             <a:r>
-              <a:rPr lang="en-US" sz="3400" dirty="0" smtClean="0"/>
+              <a:rPr lang="en-US" sz="3400" dirty="0"/>
               <a:t>■ </a:t>
             </a:r>
             <a:r>
+              <a:rPr lang="en-US" sz="3400" dirty="0">
+                <a:highlight>
+                  <a:srgbClr val="00FF00"/>
+                </a:highlight>
+              </a:rPr>
+              <a:t>Recurse</a:t>
+            </a:r>
+            <a:r>
               <a:rPr lang="en-US" sz="3400" dirty="0"/>
-              <a:t>Recurse downward to design operations that support higher-level </a:t>
-            </a:r>
-            <a:r>
-              <a:rPr lang="en-US" sz="3400" dirty="0" smtClean="0"/>
-              <a:t>     operations.</a:t>
+              <a:t> downward to </a:t>
+            </a:r>
+            <a:r>
+              <a:rPr lang="en-US" sz="3400" dirty="0">
+                <a:highlight>
+                  <a:srgbClr val="00FF00"/>
+                </a:highlight>
+              </a:rPr>
+              <a:t>design operations </a:t>
+            </a:r>
+            <a:r>
+              <a:rPr lang="en-US" sz="3400" dirty="0"/>
+              <a:t>that support </a:t>
+            </a:r>
+            <a:r>
+              <a:rPr lang="en-US" sz="3400" dirty="0">
+                <a:highlight>
+                  <a:srgbClr val="00FF00"/>
+                </a:highlight>
+              </a:rPr>
+              <a:t>higher-level      operations.</a:t>
             </a:r>
           </a:p>
           <a:p>
@@ -8371,81 +9748,141 @@
               <a:buNone/>
             </a:pPr>
             <a:r>
-              <a:rPr lang="en-US" sz="3400" dirty="0" smtClean="0"/>
+              <a:rPr lang="en-US" sz="3400" dirty="0"/>
               <a:t>■ </a:t>
             </a:r>
             <a:r>
+              <a:rPr lang="en-US" sz="3400" dirty="0">
+                <a:highlight>
+                  <a:srgbClr val="00FF00"/>
+                </a:highlight>
+              </a:rPr>
+              <a:t>Refactor</a:t>
+            </a:r>
+            <a:r>
               <a:rPr lang="en-US" sz="3400" dirty="0"/>
-              <a:t>Refactor the model for a cleaner design</a:t>
-            </a:r>
-            <a:r>
-              <a:rPr lang="en-US" sz="3400" dirty="0" smtClean="0"/>
+              <a:t> the </a:t>
+            </a:r>
+            <a:r>
+              <a:rPr lang="en-US" sz="3400" dirty="0">
+                <a:highlight>
+                  <a:srgbClr val="00FF00"/>
+                </a:highlight>
+              </a:rPr>
+              <a:t>model for a cleaner </a:t>
+            </a:r>
+            <a:r>
+              <a:rPr lang="en-US" sz="3400" dirty="0"/>
+              <a:t>design. </a:t>
+            </a:r>
+          </a:p>
+          <a:p>
+            <a:pPr marL="0" indent="0">
+              <a:buNone/>
+            </a:pPr>
+            <a:r>
+              <a:rPr lang="en-US" sz="3400" dirty="0"/>
+              <a:t>■ </a:t>
+            </a:r>
+            <a:r>
+              <a:rPr lang="en-US" sz="3400" dirty="0">
+                <a:highlight>
+                  <a:srgbClr val="00FF00"/>
+                </a:highlight>
+              </a:rPr>
+              <a:t>Optimize</a:t>
+            </a:r>
+            <a:r>
+              <a:rPr lang="en-US" sz="3400" dirty="0"/>
+              <a:t> </a:t>
+            </a:r>
+            <a:r>
+              <a:rPr lang="en-US" sz="3400" dirty="0">
+                <a:highlight>
+                  <a:srgbClr val="00FF00"/>
+                </a:highlight>
+              </a:rPr>
+              <a:t>access paths </a:t>
+            </a:r>
+            <a:r>
+              <a:rPr lang="en-US" sz="3400" dirty="0"/>
+              <a:t>to data.</a:t>
+            </a:r>
+          </a:p>
+          <a:p>
+            <a:pPr marL="0" indent="0">
+              <a:buNone/>
+            </a:pPr>
+            <a:r>
+              <a:rPr lang="en-US" sz="3400" dirty="0"/>
+              <a:t>■ </a:t>
+            </a:r>
+            <a:r>
+              <a:rPr lang="en-US" sz="3400" dirty="0">
+                <a:highlight>
+                  <a:srgbClr val="00FF00"/>
+                </a:highlight>
+              </a:rPr>
+              <a:t>Reify behavior that must be manipulated</a:t>
+            </a:r>
+            <a:r>
+              <a:rPr lang="en-US" sz="3400" dirty="0"/>
+              <a:t>.</a:t>
+            </a:r>
+          </a:p>
+          <a:p>
+            <a:pPr marL="0" indent="0">
+              <a:buNone/>
+            </a:pPr>
+            <a:r>
+              <a:rPr lang="en-US" sz="3400" dirty="0"/>
+              <a:t>■ </a:t>
+            </a:r>
+            <a:r>
+              <a:rPr lang="en-US" sz="3400" dirty="0">
+                <a:highlight>
+                  <a:srgbClr val="00FF00"/>
+                </a:highlight>
+              </a:rPr>
+              <a:t>Adjust</a:t>
+            </a:r>
+            <a:r>
+              <a:rPr lang="en-US" sz="3400" dirty="0"/>
+              <a:t> </a:t>
+            </a:r>
+            <a:r>
+              <a:rPr lang="en-US" sz="3400" dirty="0">
+                <a:highlight>
+                  <a:srgbClr val="00FF00"/>
+                </a:highlight>
+              </a:rPr>
+              <a:t>class structure </a:t>
+            </a:r>
+            <a:r>
+              <a:rPr lang="en-US" sz="3400" dirty="0"/>
+              <a:t>to increase inheritance. </a:t>
+            </a:r>
+          </a:p>
+          <a:p>
+            <a:pPr marL="0" indent="0">
+              <a:buNone/>
+            </a:pPr>
+            <a:r>
+              <a:rPr lang="en-US" sz="3400" dirty="0"/>
+              <a:t>■ </a:t>
+            </a:r>
+            <a:r>
+              <a:rPr lang="en-US" sz="3400" dirty="0">
+                <a:highlight>
+                  <a:srgbClr val="00FF00"/>
+                </a:highlight>
+              </a:rPr>
+              <a:t>Organize classes and associations</a:t>
+            </a:r>
+            <a:r>
+              <a:rPr lang="en-US" sz="3400" dirty="0"/>
               <a:t>. </a:t>
             </a:r>
-          </a:p>
-          <a:p>
-            <a:pPr marL="0" indent="0">
-              <a:buNone/>
-            </a:pPr>
-            <a:r>
-              <a:rPr lang="en-US" sz="3400" dirty="0" smtClean="0"/>
-              <a:t>■ </a:t>
-            </a:r>
-            <a:r>
-              <a:rPr lang="en-US" sz="3400" dirty="0"/>
-              <a:t>Optimize access paths to data</a:t>
-            </a:r>
-            <a:r>
-              <a:rPr lang="en-US" sz="3400" dirty="0" smtClean="0"/>
-              <a:t>.</a:t>
-            </a:r>
-          </a:p>
-          <a:p>
-            <a:pPr marL="0" indent="0">
-              <a:buNone/>
-            </a:pPr>
-            <a:r>
-              <a:rPr lang="en-US" sz="3400" dirty="0" smtClean="0"/>
-              <a:t>■ </a:t>
-            </a:r>
-            <a:r>
-              <a:rPr lang="en-US" sz="3400" dirty="0"/>
-              <a:t>Reify behavior that must be manipulated</a:t>
-            </a:r>
-            <a:r>
-              <a:rPr lang="en-US" sz="3400" dirty="0" smtClean="0"/>
-              <a:t>.</a:t>
-            </a:r>
-          </a:p>
-          <a:p>
-            <a:pPr marL="0" indent="0">
-              <a:buNone/>
-            </a:pPr>
-            <a:r>
-              <a:rPr lang="en-US" sz="3400" dirty="0" smtClean="0"/>
-              <a:t>■ </a:t>
-            </a:r>
-            <a:r>
-              <a:rPr lang="en-US" sz="3400" dirty="0"/>
-              <a:t>Adjust class structure to increase inheritance</a:t>
-            </a:r>
-            <a:r>
-              <a:rPr lang="en-US" sz="3400" dirty="0" smtClean="0"/>
-              <a:t>. </a:t>
-            </a:r>
-          </a:p>
-          <a:p>
-            <a:pPr marL="0" indent="0">
-              <a:buNone/>
-            </a:pPr>
-            <a:r>
-              <a:rPr lang="en-US" sz="3400" dirty="0" smtClean="0"/>
-              <a:t>■ </a:t>
-            </a:r>
-            <a:r>
-              <a:rPr lang="en-US" sz="3400" dirty="0"/>
-              <a:t>Organize classes and associations. </a:t>
-            </a:r>
             <a:endParaRPr lang="en-IN" sz="3400" dirty="0"/>
           </a:p>
         </p:txBody>
@@ -8466,7 +9903,7 @@
           <a:lstStyle/>
           <a:p>
             <a:r>
-              <a:rPr lang="en-US" smtClean="0"/>
+              <a:rPr lang="en-US"/>
               <a:t>Department of Computer Science and Engineering</a:t>
             </a:r>
             <a:endParaRPr lang="en-US" dirty="0"/>
@@ -8547,18 +9984,18 @@
             <a:pPr marL="0" indent="0">
               <a:buNone/>
             </a:pPr>
-            <a:endParaRPr lang="en-US" sz="5400" dirty="0" smtClean="0"/>
+            <a:endParaRPr lang="en-US" sz="5400" dirty="0"/>
           </a:p>
           <a:p>
             <a:pPr marL="0" indent="0">
               <a:buNone/>
             </a:pPr>
             <a:r>
-              <a:rPr lang="en-US" sz="5400" dirty="0" smtClean="0"/>
+              <a:rPr lang="en-US" sz="5400" dirty="0"/>
               <a:t>		 </a:t>
             </a:r>
             <a:r>
-              <a:rPr lang="en-US" sz="6000" dirty="0" smtClean="0">
+              <a:rPr lang="en-US" sz="6000" dirty="0">
                 <a:latin typeface="Algerian" panose="04020705040A02060702" pitchFamily="82" charset="0"/>
               </a:rPr>
               <a:t>THANK YOU</a:t>
@@ -8585,7 +10022,7 @@
           <a:lstStyle/>
           <a:p>
             <a:r>
-              <a:rPr lang="en-US" smtClean="0"/>
+              <a:rPr lang="en-US"/>
               <a:t>Department of Computer Science and Engineering</a:t>
             </a:r>
             <a:endParaRPr lang="en-US" dirty="0"/>
@@ -8668,11 +10105,16 @@
           </a:bodyPr>
           <a:lstStyle/>
           <a:p>
-            <a:r>
-              <a:rPr lang="en-US" sz="2800" b="1" dirty="0" smtClean="0"/>
-              <a:t>Steps To Construct An Application Interaction Model</a:t>
-            </a:r>
-            <a:endParaRPr lang="en-IN" sz="2800" b="1" dirty="0"/>
+            <a:pPr algn="l"/>
+            <a:r>
+              <a:rPr lang="en-US" sz="2000" b="1" dirty="0"/>
+              <a:t>Steps To Construct An Application Interaction Model </a:t>
+            </a:r>
+            <a:r>
+              <a:rPr lang="en-US" sz="2800" b="1" dirty="0"/>
+              <a:t>(DFFF PAF POC)</a:t>
+            </a:r>
+            <a:endParaRPr lang="en-IN" sz="2000" b="1" dirty="0"/>
           </a:p>
         </p:txBody>
       </p:sp>
@@ -8702,7 +10144,7 @@
               <a:buNone/>
             </a:pPr>
             <a:r>
-              <a:rPr lang="en-US" b="1" dirty="0" smtClean="0"/>
+              <a:rPr lang="en-US" b="1" dirty="0"/>
               <a:t>Q. Elucidate in brief the steps involved in the application interaction modeling. (L-2,CO-3,PO-1,10m)</a:t>
             </a:r>
           </a:p>
@@ -8711,16 +10153,8 @@
               <a:buNone/>
             </a:pPr>
             <a:r>
-              <a:rPr lang="en-US" dirty="0" smtClean="0"/>
-              <a:t>One </a:t>
-            </a:r>
-            <a:r>
               <a:rPr lang="en-US" dirty="0"/>
-              <a:t>can construct an application interaction model with the following steps</a:t>
-            </a:r>
-            <a:r>
-              <a:rPr lang="en-US" dirty="0" smtClean="0"/>
-              <a:t>.</a:t>
+              <a:t>One can construct an application interaction model with the following steps.</a:t>
             </a:r>
           </a:p>
           <a:p>
@@ -8728,30 +10162,41 @@
               <a:buNone/>
             </a:pPr>
             <a:r>
-              <a:rPr lang="en-US" dirty="0" smtClean="0"/>
-              <a:t>■ </a:t>
-            </a:r>
-            <a:r>
               <a:rPr lang="en-US" dirty="0"/>
-              <a:t>Determine the system boundary. [13.1.1] </a:t>
-            </a:r>
-            <a:endParaRPr lang="en-US" dirty="0" smtClean="0"/>
+              <a:t>■ Determine the </a:t>
+            </a:r>
+            <a:r>
+              <a:rPr lang="en-US" dirty="0">
+                <a:highlight>
+                  <a:srgbClr val="00FF00"/>
+                </a:highlight>
+              </a:rPr>
+              <a:t>system boundary</a:t>
+            </a:r>
+            <a:r>
+              <a:rPr lang="en-US" dirty="0"/>
+              <a:t>. [13.1.1] </a:t>
+            </a:r>
           </a:p>
           <a:p>
             <a:pPr marL="0" indent="0">
               <a:buNone/>
             </a:pPr>
             <a:r>
-              <a:rPr lang="en-US" dirty="0" smtClean="0"/>
-              <a:t>■ </a:t>
-            </a:r>
-            <a:r>
               <a:rPr lang="en-US" dirty="0"/>
-              <a:t>Find actors. [13.1.2</a:t>
-            </a:r>
-            <a:r>
-              <a:rPr lang="en-US" dirty="0" smtClean="0"/>
-              <a:t>]</a:t>
+              <a:t>■ Find </a:t>
+            </a:r>
+            <a:r>
+              <a:rPr lang="en-US" dirty="0">
+                <a:highlight>
+                  <a:srgbClr val="00FF00"/>
+                </a:highlight>
+              </a:rPr>
+              <a:t>actors</a:t>
+            </a:r>
+            <a:r>
+              <a:rPr lang="en-US" dirty="0"/>
+              <a:t>. [13.1.2]</a:t>
             </a:r>
           </a:p>
           <a:p>
@@ -8759,58 +10204,95 @@
               <a:buNone/>
             </a:pPr>
             <a:r>
-              <a:rPr lang="en-US" dirty="0" smtClean="0"/>
-              <a:t>■ </a:t>
-            </a:r>
-            <a:r>
               <a:rPr lang="en-US" dirty="0"/>
-              <a:t>Find use cases. [13.1.3] </a:t>
-            </a:r>
-            <a:endParaRPr lang="en-US" dirty="0" smtClean="0"/>
+              <a:t>■ Find </a:t>
+            </a:r>
+            <a:r>
+              <a:rPr lang="en-US" dirty="0">
+                <a:highlight>
+                  <a:srgbClr val="00FF00"/>
+                </a:highlight>
+              </a:rPr>
+              <a:t>use cases</a:t>
+            </a:r>
+            <a:r>
+              <a:rPr lang="en-US" dirty="0"/>
+              <a:t>. [13.1.3] </a:t>
+            </a:r>
           </a:p>
           <a:p>
             <a:pPr marL="0" indent="0">
               <a:buNone/>
             </a:pPr>
             <a:r>
-              <a:rPr lang="en-US" dirty="0" smtClean="0"/>
-              <a:t>■ </a:t>
-            </a:r>
-            <a:r>
               <a:rPr lang="en-US" dirty="0"/>
-              <a:t>Find initial and final events. [13.1.4] </a:t>
-            </a:r>
-            <a:endParaRPr lang="en-US" dirty="0" smtClean="0"/>
+              <a:t>■ Find </a:t>
+            </a:r>
+            <a:r>
+              <a:rPr lang="en-US" dirty="0">
+                <a:highlight>
+                  <a:srgbClr val="00FF00"/>
+                </a:highlight>
+              </a:rPr>
+              <a:t>initial and final events</a:t>
+            </a:r>
+            <a:r>
+              <a:rPr lang="en-US" dirty="0"/>
+              <a:t>. [13.1.4] </a:t>
+            </a:r>
           </a:p>
           <a:p>
             <a:pPr marL="0" indent="0">
               <a:buNone/>
             </a:pPr>
             <a:r>
-              <a:rPr lang="en-US" dirty="0" smtClean="0"/>
-              <a:t>■ </a:t>
-            </a:r>
-            <a:r>
               <a:rPr lang="en-US" dirty="0"/>
-              <a:t>Prepare normal scenarios. [13.1.5] </a:t>
-            </a:r>
-            <a:endParaRPr lang="en-US" dirty="0" smtClean="0"/>
+              <a:t>■ Prepare </a:t>
+            </a:r>
+            <a:r>
+              <a:rPr lang="en-US" dirty="0">
+                <a:highlight>
+                  <a:srgbClr val="00FF00"/>
+                </a:highlight>
+              </a:rPr>
+              <a:t>normal</a:t>
+            </a:r>
+            <a:r>
+              <a:rPr lang="en-US" dirty="0"/>
+              <a:t> </a:t>
+            </a:r>
+            <a:r>
+              <a:rPr lang="en-US" dirty="0">
+                <a:highlight>
+                  <a:srgbClr val="00FF00"/>
+                </a:highlight>
+              </a:rPr>
+              <a:t>scenarios</a:t>
+            </a:r>
+            <a:r>
+              <a:rPr lang="en-US" dirty="0"/>
+              <a:t>. [13.1.5] </a:t>
+            </a:r>
           </a:p>
           <a:p>
             <a:pPr marL="0" indent="0">
               <a:buNone/>
             </a:pPr>
             <a:r>
-              <a:rPr lang="en-US" dirty="0" smtClean="0"/>
-              <a:t>■ </a:t>
-            </a:r>
-            <a:r>
               <a:rPr lang="en-US" dirty="0"/>
-              <a:t>Add variation and exception scenarios. [13.1.6</a:t>
-            </a:r>
-            <a:r>
-              <a:rPr lang="en-US" dirty="0" smtClean="0"/>
-              <a:t>]</a:t>
+              <a:t>■ Add </a:t>
+            </a:r>
+            <a:r>
+              <a:rPr lang="en-US" dirty="0">
+                <a:highlight>
+                  <a:srgbClr val="00FF00"/>
+                </a:highlight>
+              </a:rPr>
+              <a:t>variation and exception scenarios</a:t>
+            </a:r>
+            <a:r>
+              <a:rPr lang="en-US" dirty="0"/>
+              <a:t>. [13.1.6]</a:t>
             </a:r>
           </a:p>
           <a:p>
@@ -8818,30 +10300,53 @@
               <a:buNone/>
             </a:pPr>
             <a:r>
-              <a:rPr lang="en-US" dirty="0" smtClean="0"/>
-              <a:t>■ </a:t>
-            </a:r>
-            <a:r>
               <a:rPr lang="en-US" dirty="0"/>
-              <a:t>Find external events. [13.1.7] </a:t>
-            </a:r>
-            <a:endParaRPr lang="en-US" dirty="0" smtClean="0"/>
+              <a:t>■ Find </a:t>
+            </a:r>
+            <a:r>
+              <a:rPr lang="en-US" dirty="0">
+                <a:highlight>
+                  <a:srgbClr val="00FF00"/>
+                </a:highlight>
+              </a:rPr>
+              <a:t>external events</a:t>
+            </a:r>
+            <a:r>
+              <a:rPr lang="en-US" dirty="0"/>
+              <a:t>. [13.1.7] </a:t>
+            </a:r>
           </a:p>
           <a:p>
             <a:pPr marL="0" indent="0">
               <a:buNone/>
             </a:pPr>
             <a:r>
-              <a:rPr lang="en-US" dirty="0" smtClean="0"/>
-              <a:t>■ </a:t>
-            </a:r>
-            <a:r>
               <a:rPr lang="en-US" dirty="0"/>
-              <a:t>Prepare activity diagrams for complex use cases. [</a:t>
-            </a:r>
-            <a:r>
-              <a:rPr lang="en-US" dirty="0" smtClean="0"/>
-              <a:t>13.1.8]</a:t>
+              <a:t>■ Prepare </a:t>
+            </a:r>
+            <a:r>
+              <a:rPr lang="en-US" dirty="0">
+                <a:highlight>
+                  <a:srgbClr val="00FF00"/>
+                </a:highlight>
+              </a:rPr>
+              <a:t>activity diagrams </a:t>
+            </a:r>
+            <a:r>
+              <a:rPr lang="en-US" dirty="0"/>
+              <a:t>for </a:t>
+            </a:r>
+            <a:r>
+              <a:rPr lang="en-US" dirty="0">
+                <a:highlight>
+                  <a:srgbClr val="00FF00"/>
+                </a:highlight>
+              </a:rPr>
+              <a:t>complex use cases</a:t>
+            </a:r>
+            <a:r>
+              <a:rPr lang="en-US" dirty="0"/>
+              <a:t>. [13.1.8]</a:t>
             </a:r>
           </a:p>
           <a:p>
@@ -8853,16 +10358,28 @@
               <a:t>■ </a:t>
             </a:r>
             <a:r>
-              <a:rPr lang="en-US" dirty="0" smtClean="0"/>
-              <a:t>Organize </a:t>
+              <a:rPr lang="en-US" dirty="0">
+                <a:highlight>
+                  <a:srgbClr val="00FF00"/>
+                </a:highlight>
+              </a:rPr>
+              <a:t>Organize</a:t>
             </a:r>
             <a:r>
               <a:rPr lang="en-US" dirty="0"/>
-              <a:t>actors and use cases. [13.1.9</a:t>
-            </a:r>
-            <a:r>
-              <a:rPr lang="en-US" dirty="0" smtClean="0"/>
-              <a:t>]</a:t>
+              <a:t> </a:t>
+            </a:r>
+            <a:r>
+              <a:rPr lang="en-US" dirty="0">
+                <a:highlight>
+                  <a:srgbClr val="00FF00"/>
+                </a:highlight>
+              </a:rPr>
+              <a:t>actors and use cases</a:t>
+            </a:r>
+            <a:r>
+              <a:rPr lang="en-US" dirty="0"/>
+              <a:t>. [13.1.9]</a:t>
             </a:r>
           </a:p>
           <a:p>
@@ -8870,12 +10387,32 @@
               <a:buNone/>
             </a:pPr>
             <a:r>
-              <a:rPr lang="en-US" dirty="0" smtClean="0"/>
+              <a:rPr lang="en-US" dirty="0"/>
               <a:t>■ </a:t>
             </a:r>
             <a:r>
+              <a:rPr lang="en-US" dirty="0">
+                <a:highlight>
+                  <a:srgbClr val="00FF00"/>
+                </a:highlight>
+              </a:rPr>
+              <a:t>Check</a:t>
+            </a:r>
+            <a:r>
               <a:rPr lang="en-US" dirty="0"/>
-              <a:t>Check against the domain class model. [13.1.10]</a:t>
+              <a:t> against the </a:t>
+            </a:r>
+            <a:r>
+              <a:rPr lang="en-US" dirty="0">
+                <a:highlight>
+                  <a:srgbClr val="00FF00"/>
+                </a:highlight>
+              </a:rPr>
+              <a:t>domain class model</a:t>
+            </a:r>
+            <a:r>
+              <a:rPr lang="en-US" dirty="0"/>
+              <a:t>. [13.1.10]</a:t>
             </a:r>
             <a:endParaRPr lang="en-IN" dirty="0"/>
           </a:p>
@@ -8897,7 +10434,7 @@
           <a:lstStyle/>
           <a:p>
             <a:r>
-              <a:rPr lang="en-US" smtClean="0"/>
+              <a:rPr lang="en-US"/>
               <a:t>Department of Computer Science and Engineering</a:t>
             </a:r>
             <a:endParaRPr lang="en-US" dirty="0"/>
@@ -8970,12 +10507,14 @@
         </p:nvSpPr>
         <p:spPr/>
         <p:txBody>
-          <a:bodyPr/>
+          <a:bodyPr>
+            <a:normAutofit fontScale="90000"/>
+          </a:bodyPr>
           <a:lstStyle/>
           <a:p>
             <a:r>
               <a:rPr lang="en-US" dirty="0"/>
-              <a:t>Determine the system boundary</a:t>
+              <a:t>1. Determine the system boundary (DFFF PAF POC)</a:t>
             </a:r>
             <a:endParaRPr lang="en-IN" dirty="0"/>
           </a:p>
@@ -9005,60 +10544,106 @@
           <a:p>
             <a:pPr algn="just"/>
             <a:r>
-              <a:rPr lang="en-US" sz="2800" dirty="0" smtClean="0"/>
+              <a:rPr lang="en-US" sz="2800" dirty="0"/>
               <a:t>One  should know the </a:t>
             </a:r>
             <a:r>
+              <a:rPr lang="en-US" sz="2800" dirty="0">
+                <a:highlight>
+                  <a:srgbClr val="00FF00"/>
+                </a:highlight>
+              </a:rPr>
+              <a:t>boundary of the system</a:t>
+            </a:r>
+            <a:r>
               <a:rPr lang="en-US" sz="2800" dirty="0"/>
-              <a:t>boundary of the system—in order to specify </a:t>
-            </a:r>
-            <a:r>
-              <a:rPr lang="en-US" sz="2800" dirty="0" smtClean="0"/>
-              <a:t>functionality.</a:t>
-            </a:r>
-          </a:p>
-          <a:p>
-            <a:pPr algn="just"/>
-            <a:r>
-              <a:rPr lang="en-US" sz="2800" dirty="0"/>
-              <a:t>This means that you must decide what the system includes and, more importantly, what </a:t>
-            </a:r>
-            <a:r>
-              <a:rPr lang="en-US" sz="2800" dirty="0" smtClean="0"/>
-              <a:t>it doesn't include.</a:t>
-            </a:r>
-          </a:p>
-          <a:p>
-            <a:pPr algn="just"/>
-            <a:r>
-              <a:rPr lang="en-US" sz="2800" dirty="0"/>
-              <a:t>ATM example: – For this chapter</a:t>
-            </a:r>
-            <a:r>
-              <a:rPr lang="en-US" sz="2800"/>
-              <a:t>, </a:t>
-            </a:r>
-            <a:r>
-              <a:rPr lang="en-US" sz="2800" smtClean="0"/>
-              <a:t>Focus </a:t>
-            </a:r>
-            <a:r>
-              <a:rPr lang="en-US" sz="2800" dirty="0"/>
-              <a:t>on ATM behavior and ignore </a:t>
-            </a:r>
-            <a:r>
-              <a:rPr lang="en-US" sz="2800"/>
-              <a:t>cashier </a:t>
-            </a:r>
-            <a:r>
-              <a:rPr lang="en-US" sz="2800" smtClean="0"/>
-              <a:t> details</a:t>
+              <a:t>—in </a:t>
+            </a:r>
+            <a:r>
+              <a:rPr lang="en-US" sz="2800" dirty="0">
+                <a:highlight>
+                  <a:srgbClr val="00FF00"/>
+                </a:highlight>
+              </a:rPr>
+              <a:t>order to specify functionality</a:t>
             </a:r>
             <a:r>
               <a:rPr lang="en-US" sz="2800" dirty="0"/>
               <a:t>.</a:t>
             </a:r>
-            <a:endParaRPr lang="en-IN" sz="2800" dirty="0"/>
+          </a:p>
+          <a:p>
+            <a:pPr algn="just"/>
+            <a:r>
+              <a:rPr lang="en-US" sz="2800" dirty="0"/>
+              <a:t>This means that you </a:t>
+            </a:r>
+            <a:r>
+              <a:rPr lang="en-US" sz="2800" dirty="0">
+                <a:highlight>
+                  <a:srgbClr val="00FF00"/>
+                </a:highlight>
+              </a:rPr>
+              <a:t>must decide what the system includes</a:t>
+            </a:r>
+            <a:r>
+              <a:rPr lang="en-US" sz="2800" dirty="0"/>
+              <a:t> and, more importantly, </a:t>
+            </a:r>
+            <a:r>
+              <a:rPr lang="en-US" sz="2800" dirty="0">
+                <a:highlight>
+                  <a:srgbClr val="00FF00"/>
+                </a:highlight>
+              </a:rPr>
+              <a:t>what it doesn't include.</a:t>
+            </a:r>
+          </a:p>
+          <a:p>
+            <a:pPr algn="just"/>
+            <a:r>
+              <a:rPr lang="en-US" sz="2800" dirty="0"/>
+              <a:t>ATM example: –</a:t>
+            </a:r>
+          </a:p>
+          <a:p>
+            <a:pPr marL="0" indent="0" algn="just">
+              <a:buNone/>
+            </a:pPr>
+            <a:r>
+              <a:rPr lang="en-US" sz="2800" dirty="0"/>
+              <a:t>	</a:t>
+            </a:r>
+            <a:r>
+              <a:rPr lang="en-US" sz="2800" dirty="0">
+                <a:highlight>
+                  <a:srgbClr val="FFFF00"/>
+                </a:highlight>
+              </a:rPr>
+              <a:t>Focus on ATM behavior </a:t>
+            </a:r>
+          </a:p>
+          <a:p>
+            <a:pPr marL="0" indent="0" algn="just">
+              <a:buNone/>
+            </a:pPr>
+            <a:r>
+              <a:rPr lang="en-US" sz="2800" dirty="0"/>
+              <a:t>	</a:t>
+            </a:r>
+            <a:r>
+              <a:rPr lang="en-US" sz="2800" dirty="0">
+                <a:highlight>
+                  <a:srgbClr val="FFFF00"/>
+                </a:highlight>
+              </a:rPr>
+              <a:t>ignore cashier  details.</a:t>
+            </a:r>
+            <a:endParaRPr lang="en-IN" sz="2800" dirty="0">
+              <a:highlight>
+                <a:srgbClr val="FFFF00"/>
+              </a:highlight>
+            </a:endParaRPr>
           </a:p>
         </p:txBody>
       </p:sp>
@@ -9078,7 +10663,7 @@
           <a:lstStyle/>
           <a:p>
             <a:r>
-              <a:rPr lang="en-US" smtClean="0"/>
+              <a:rPr lang="en-US"/>
               <a:t>Department of Computer Science and Engineering</a:t>
             </a:r>
             <a:endParaRPr lang="en-US" dirty="0"/>
@@ -9156,7 +10741,7 @@
           <a:p>
             <a:r>
               <a:rPr lang="en-US" dirty="0"/>
-              <a:t>Find actors</a:t>
+              <a:t>2. Find actors(DFFF PAF POC)</a:t>
             </a:r>
             <a:endParaRPr lang="en-IN" dirty="0"/>
           </a:p>
@@ -9174,73 +10759,174 @@
         </p:nvSpPr>
         <p:spPr/>
         <p:txBody>
+          <a:bodyPr>
+            <a:normAutofit fontScale="92500" lnSpcReduction="20000"/>
+          </a:bodyPr>
+          <a:lstStyle/>
+          <a:p>
+            <a:r>
+              <a:rPr lang="en-US" dirty="0"/>
+              <a:t>Once you </a:t>
+            </a:r>
+            <a:r>
+              <a:rPr lang="en-US" dirty="0">
+                <a:highlight>
+                  <a:srgbClr val="00FF00"/>
+                </a:highlight>
+              </a:rPr>
+              <a:t>determine the system boundary</a:t>
+            </a:r>
+            <a:r>
+              <a:rPr lang="en-US" dirty="0"/>
+              <a:t>, you must identify the </a:t>
+            </a:r>
+            <a:r>
+              <a:rPr lang="en-US" dirty="0">
+                <a:highlight>
+                  <a:srgbClr val="00FF00"/>
+                </a:highlight>
+              </a:rPr>
+              <a:t>external objects </a:t>
+            </a:r>
+            <a:r>
+              <a:rPr lang="en-US" dirty="0"/>
+              <a:t>that </a:t>
+            </a:r>
+            <a:r>
+              <a:rPr lang="en-US" dirty="0">
+                <a:highlight>
+                  <a:srgbClr val="00FF00"/>
+                </a:highlight>
+              </a:rPr>
+              <a:t>interact directly </a:t>
+            </a:r>
+            <a:r>
+              <a:rPr lang="en-US" dirty="0"/>
+              <a:t>with the </a:t>
+            </a:r>
+            <a:r>
+              <a:rPr lang="en-US" dirty="0">
+                <a:highlight>
+                  <a:srgbClr val="00FF00"/>
+                </a:highlight>
+              </a:rPr>
+              <a:t>system</a:t>
+            </a:r>
+            <a:r>
+              <a:rPr lang="en-US" dirty="0"/>
+              <a:t>.</a:t>
+            </a:r>
+          </a:p>
+          <a:p>
+            <a:r>
+              <a:rPr lang="en-US" dirty="0"/>
+              <a:t> These are its actors. </a:t>
+            </a:r>
+          </a:p>
+          <a:p>
+            <a:r>
+              <a:rPr lang="en-US" dirty="0"/>
+              <a:t>Actors include </a:t>
+            </a:r>
+            <a:r>
+              <a:rPr lang="en-US" dirty="0">
+                <a:highlight>
+                  <a:srgbClr val="00FF00"/>
+                </a:highlight>
+              </a:rPr>
+              <a:t>humans, external devices, and other software systems.</a:t>
+            </a:r>
+          </a:p>
+          <a:p>
+            <a:r>
+              <a:rPr lang="en-US" dirty="0"/>
+              <a:t>Example for ATM application</a:t>
+            </a:r>
+          </a:p>
+          <a:p>
+            <a:pPr marL="457200" lvl="1" indent="0">
+              <a:buNone/>
+            </a:pPr>
+            <a:r>
+              <a:rPr lang="en-US" dirty="0"/>
+              <a:t>	actors are </a:t>
+            </a:r>
+          </a:p>
+          <a:p>
+            <a:pPr marL="457200" lvl="1" indent="0">
+              <a:buNone/>
+            </a:pPr>
+            <a:r>
+              <a:rPr lang="en-US" dirty="0"/>
+              <a:t>		1. </a:t>
+            </a:r>
+            <a:r>
+              <a:rPr lang="en-US" dirty="0">
+                <a:highlight>
+                  <a:srgbClr val="FFFF00"/>
+                </a:highlight>
+              </a:rPr>
+              <a:t>Customer</a:t>
+            </a:r>
+          </a:p>
+          <a:p>
+            <a:pPr marL="457200" lvl="1" indent="0">
+              <a:buNone/>
+            </a:pPr>
+            <a:r>
+              <a:rPr lang="en-US" dirty="0"/>
+              <a:t>		2. </a:t>
+            </a:r>
+            <a:r>
+              <a:rPr lang="en-US" dirty="0">
+                <a:highlight>
+                  <a:srgbClr val="FFFF00"/>
+                </a:highlight>
+              </a:rPr>
+              <a:t>Bank</a:t>
+            </a:r>
+          </a:p>
+          <a:p>
+            <a:pPr marL="457200" lvl="1" indent="0">
+              <a:buNone/>
+            </a:pPr>
+            <a:r>
+              <a:rPr lang="en-US" dirty="0"/>
+              <a:t>		3. </a:t>
+            </a:r>
+            <a:r>
+              <a:rPr lang="en-US" dirty="0">
+                <a:highlight>
+                  <a:srgbClr val="FFFF00"/>
+                </a:highlight>
+              </a:rPr>
+              <a:t>Consortium</a:t>
+            </a:r>
+            <a:r>
+              <a:rPr lang="en-US" dirty="0"/>
+              <a:t>.</a:t>
+            </a:r>
+            <a:endParaRPr lang="en-IN" dirty="0"/>
+          </a:p>
+        </p:txBody>
+      </p:sp>
+      <p:sp>
+        <p:nvSpPr>
+          <p:cNvPr id="4" name="Footer Placeholder 3"/>
+          <p:cNvSpPr>
+            <a:spLocks noGrp="1"/>
+          </p:cNvSpPr>
+          <p:nvPr>
+            <p:ph type="ftr" sz="quarter" idx="11"/>
+          </p:nvPr>
+        </p:nvSpPr>
+        <p:spPr/>
+        <p:txBody>
           <a:bodyPr/>
           <a:lstStyle/>
           <a:p>
             <a:r>
-              <a:rPr lang="en-US" dirty="0"/>
-              <a:t>Once you determine the system boundary, you must identify the external objects that interact directly with the system</a:t>
-            </a:r>
-            <a:r>
-              <a:rPr lang="en-US" dirty="0" smtClean="0"/>
-              <a:t>.</a:t>
-            </a:r>
-          </a:p>
-          <a:p>
-            <a:r>
-              <a:rPr lang="en-US" dirty="0" smtClean="0"/>
-              <a:t> </a:t>
-            </a:r>
-            <a:r>
-              <a:rPr lang="en-US" dirty="0"/>
-              <a:t>These are its actors. </a:t>
-            </a:r>
-            <a:endParaRPr lang="en-US" dirty="0" smtClean="0"/>
-          </a:p>
-          <a:p>
-            <a:r>
-              <a:rPr lang="en-US" dirty="0" smtClean="0"/>
-              <a:t>Actors </a:t>
-            </a:r>
-            <a:r>
-              <a:rPr lang="en-US" dirty="0"/>
-              <a:t>include humans, external devices, and other software systems</a:t>
-            </a:r>
-            <a:r>
-              <a:rPr lang="en-US" dirty="0" smtClean="0"/>
-              <a:t>.</a:t>
-            </a:r>
-          </a:p>
-          <a:p>
-            <a:r>
-              <a:rPr lang="en-US" dirty="0" smtClean="0"/>
-              <a:t>Example for ATM application the </a:t>
-            </a:r>
-            <a:r>
-              <a:rPr lang="en-US" dirty="0"/>
-              <a:t>actors are Customer, Bank, and Consortium.</a:t>
-            </a:r>
-            <a:endParaRPr lang="en-IN" dirty="0"/>
-          </a:p>
-        </p:txBody>
-      </p:sp>
-      <p:sp>
-        <p:nvSpPr>
-          <p:cNvPr id="4" name="Footer Placeholder 3"/>
-          <p:cNvSpPr>
-            <a:spLocks noGrp="1"/>
-          </p:cNvSpPr>
-          <p:nvPr>
-            <p:ph type="ftr" sz="quarter" idx="11"/>
-          </p:nvPr>
-        </p:nvSpPr>
-        <p:spPr/>
-        <p:txBody>
-          <a:bodyPr/>
-          <a:lstStyle/>
-          <a:p>
-            <a:r>
-              <a:rPr lang="en-US" smtClean="0"/>
+              <a:rPr lang="en-US"/>
               <a:t>Department of Computer Science and Engineering</a:t>
             </a:r>
             <a:endParaRPr lang="en-US" dirty="0"/>
@@ -9342,12 +11028,14 @@
           </a:xfrm>
         </p:spPr>
         <p:txBody>
-          <a:bodyPr/>
+          <a:bodyPr>
+            <a:normAutofit/>
+          </a:bodyPr>
           <a:lstStyle/>
           <a:p>
             <a:r>
               <a:rPr lang="en-IN" dirty="0"/>
-              <a:t>Finding Use Cases</a:t>
+              <a:t>Finding Use Cases(DFFF PAF POC)</a:t>
             </a:r>
           </a:p>
         </p:txBody>
@@ -9377,18 +11065,78 @@
             <a:pPr algn="just"/>
             <a:r>
               <a:rPr lang="en-US" sz="2400" dirty="0"/>
-              <a:t>For each actor, list the fundamentally different ways in which the actor uses the system. Each of these ways is a use </a:t>
-            </a:r>
-            <a:r>
-              <a:rPr lang="en-US" sz="2400" dirty="0" smtClean="0"/>
-              <a:t>case</a:t>
+              <a:t>For each actor, </a:t>
+            </a:r>
+            <a:r>
+              <a:rPr lang="en-US" sz="2400" dirty="0">
+                <a:highlight>
+                  <a:srgbClr val="00FF00"/>
+                </a:highlight>
+              </a:rPr>
+              <a:t>list the fundamentally different ways </a:t>
+            </a:r>
+            <a:r>
+              <a:rPr lang="en-US" sz="2400" dirty="0"/>
+              <a:t>in which the </a:t>
+            </a:r>
+            <a:r>
+              <a:rPr lang="en-US" sz="2400" dirty="0">
+                <a:highlight>
+                  <a:srgbClr val="00FF00"/>
+                </a:highlight>
+              </a:rPr>
+              <a:t>actor uses the system</a:t>
+            </a:r>
+            <a:r>
+              <a:rPr lang="en-US" sz="2400" dirty="0"/>
+              <a:t>. Each of these ways is a </a:t>
+            </a:r>
+            <a:r>
+              <a:rPr lang="en-US" sz="2400" dirty="0">
+                <a:highlight>
+                  <a:srgbClr val="00FF00"/>
+                </a:highlight>
+              </a:rPr>
+              <a:t>use case</a:t>
             </a:r>
           </a:p>
           <a:p>
             <a:pPr algn="just"/>
             <a:r>
+              <a:rPr lang="en-US" sz="2400" dirty="0">
+                <a:highlight>
+                  <a:srgbClr val="00FF00"/>
+                </a:highlight>
+              </a:rPr>
+              <a:t>Each</a:t>
+            </a:r>
+            <a:r>
               <a:rPr lang="en-US" sz="2400" dirty="0"/>
-              <a:t>Each use case should represent a kind of service that the system provides—something that provides value to the actor.</a:t>
+              <a:t> use case should represent a </a:t>
+            </a:r>
+            <a:r>
+              <a:rPr lang="en-US" sz="2400" dirty="0">
+                <a:highlight>
+                  <a:srgbClr val="00FF00"/>
+                </a:highlight>
+              </a:rPr>
+              <a:t>kind of service that the system provides</a:t>
+            </a:r>
+            <a:r>
+              <a:rPr lang="en-US" sz="2400" dirty="0"/>
+              <a:t>—something that </a:t>
+            </a:r>
+            <a:r>
+              <a:rPr lang="en-US" sz="2400" dirty="0">
+                <a:highlight>
+                  <a:srgbClr val="00FF00"/>
+                </a:highlight>
+              </a:rPr>
+              <a:t>provides value to the actor</a:t>
+            </a:r>
+            <a:r>
+              <a:rPr lang="en-US" sz="2400" dirty="0"/>
+              <a:t>.</a:t>
             </a:r>
             <a:endParaRPr lang="en-IN" sz="2400" dirty="0"/>
           </a:p>
@@ -9410,7 +11158,7 @@
           <a:lstStyle/>
           <a:p>
             <a:r>
-              <a:rPr lang="en-US" smtClean="0"/>
+              <a:rPr lang="en-US"/>
               <a:t>Department of Computer Science and Engineering</a:t>
             </a:r>
             <a:endParaRPr lang="en-US" dirty="0"/>
@@ -9543,73 +11291,245 @@
               <a:buNone/>
             </a:pPr>
             <a:r>
-              <a:rPr lang="en-US" sz="2400" b="1" dirty="0" smtClean="0"/>
+              <a:rPr lang="en-US" sz="2400" b="1" dirty="0"/>
               <a:t>From the previous diagram </a:t>
             </a:r>
           </a:p>
           <a:p>
-            <a:r>
-              <a:rPr lang="en-US" sz="2400" b="1" dirty="0" smtClean="0"/>
-              <a:t>Initiate </a:t>
-            </a:r>
-            <a:r>
-              <a:rPr lang="en-US" sz="2400" b="1" dirty="0"/>
-              <a:t>session</a:t>
+            <a:pPr marL="457200" indent="-457200">
+              <a:buFont typeface="+mj-lt"/>
+              <a:buAutoNum type="arabicPeriod"/>
+            </a:pPr>
+            <a:r>
+              <a:rPr lang="en-US" sz="2400" b="1" dirty="0">
+                <a:highlight>
+                  <a:srgbClr val="FFFF00"/>
+                </a:highlight>
+              </a:rPr>
+              <a:t>Initiate session</a:t>
             </a:r>
             <a:r>
               <a:rPr lang="en-US" sz="2400" dirty="0"/>
-              <a:t>. The ATM establishes the identity of the user and makes available a list of accounts and actions</a:t>
-            </a:r>
-            <a:r>
-              <a:rPr lang="en-US" sz="2400" dirty="0" smtClean="0"/>
+              <a:t>. The ATM </a:t>
+            </a:r>
+            <a:r>
+              <a:rPr lang="en-US" sz="2400" dirty="0">
+                <a:highlight>
+                  <a:srgbClr val="FFFF00"/>
+                </a:highlight>
+              </a:rPr>
+              <a:t>establishes</a:t>
+            </a:r>
+            <a:r>
+              <a:rPr lang="en-US" sz="2400" dirty="0"/>
+              <a:t> the </a:t>
+            </a:r>
+            <a:r>
+              <a:rPr lang="en-US" sz="2400" dirty="0">
+                <a:highlight>
+                  <a:srgbClr val="FFFF00"/>
+                </a:highlight>
+              </a:rPr>
+              <a:t>identity of the user </a:t>
+            </a:r>
+            <a:r>
+              <a:rPr lang="en-US" sz="2400" dirty="0"/>
+              <a:t>and makes available a </a:t>
+            </a:r>
+            <a:r>
+              <a:rPr lang="en-US" sz="2400" dirty="0">
+                <a:highlight>
+                  <a:srgbClr val="FFFF00"/>
+                </a:highlight>
+              </a:rPr>
+              <a:t>list of accounts and actions</a:t>
+            </a:r>
+            <a:r>
+              <a:rPr lang="en-US" sz="2400" dirty="0"/>
               <a:t>.</a:t>
             </a:r>
           </a:p>
           <a:p>
-            <a:r>
-              <a:rPr lang="en-US" sz="2400" b="1" dirty="0" smtClean="0"/>
-              <a:t>Query </a:t>
-            </a:r>
-            <a:r>
-              <a:rPr lang="en-US" sz="2400" b="1" dirty="0"/>
-              <a:t>account. </a:t>
+            <a:pPr marL="457200" indent="-457200">
+              <a:buFont typeface="+mj-lt"/>
+              <a:buAutoNum type="arabicPeriod"/>
+            </a:pPr>
+            <a:r>
+              <a:rPr lang="en-US" sz="2400" b="1" dirty="0">
+                <a:highlight>
+                  <a:srgbClr val="FFFF00"/>
+                </a:highlight>
+              </a:rPr>
+              <a:t>Query account. </a:t>
             </a:r>
             <a:r>
               <a:rPr lang="en-US" sz="2400" dirty="0"/>
-              <a:t>The system provides general data for an account, such as the current balance, date of last transaction, and date of mailing for last statement</a:t>
-            </a:r>
-            <a:r>
-              <a:rPr lang="en-US" sz="2400" dirty="0" smtClean="0"/>
+              <a:t>The system </a:t>
+            </a:r>
+            <a:r>
+              <a:rPr lang="en-US" sz="2400" dirty="0">
+                <a:highlight>
+                  <a:srgbClr val="FFFF00"/>
+                </a:highlight>
+              </a:rPr>
+              <a:t>provides general data </a:t>
+            </a:r>
+            <a:r>
+              <a:rPr lang="en-US" sz="2400" dirty="0"/>
+              <a:t>for an account, such as the </a:t>
+            </a:r>
+            <a:r>
+              <a:rPr lang="en-US" sz="2400" dirty="0">
+                <a:highlight>
+                  <a:srgbClr val="FFFF00"/>
+                </a:highlight>
+              </a:rPr>
+              <a:t>current balance</a:t>
+            </a:r>
+            <a:r>
+              <a:rPr lang="en-US" sz="2400" dirty="0"/>
+              <a:t>, </a:t>
+            </a:r>
+            <a:r>
+              <a:rPr lang="en-US" sz="2400" dirty="0">
+                <a:highlight>
+                  <a:srgbClr val="FFFF00"/>
+                </a:highlight>
+              </a:rPr>
+              <a:t>date of last transaction</a:t>
+            </a:r>
+            <a:r>
+              <a:rPr lang="en-US" sz="2400" dirty="0"/>
+              <a:t>, and </a:t>
+            </a:r>
+            <a:r>
+              <a:rPr lang="en-US" sz="2400" dirty="0">
+                <a:highlight>
+                  <a:srgbClr val="FFFF00"/>
+                </a:highlight>
+              </a:rPr>
+              <a:t>date of mailing </a:t>
+            </a:r>
+            <a:r>
+              <a:rPr lang="en-US" sz="2400" dirty="0"/>
+              <a:t>for last statement.</a:t>
+            </a:r>
+          </a:p>
+          <a:p>
+            <a:pPr marL="457200" indent="-457200">
+              <a:buFont typeface="+mj-lt"/>
+              <a:buAutoNum type="arabicPeriod"/>
+            </a:pPr>
+            <a:r>
+              <a:rPr lang="en-US" sz="2400" b="1" dirty="0">
+                <a:highlight>
+                  <a:srgbClr val="FFFF00"/>
+                </a:highlight>
+              </a:rPr>
+              <a:t>Process transaction. </a:t>
+            </a:r>
+            <a:r>
+              <a:rPr lang="en-US" sz="2400" dirty="0"/>
+              <a:t>The ATM system performs an action that affects an </a:t>
+            </a:r>
+            <a:r>
+              <a:rPr lang="en-US" sz="2400" dirty="0">
+                <a:highlight>
+                  <a:srgbClr val="FFFF00"/>
+                </a:highlight>
+              </a:rPr>
+              <a:t>account’s balance</a:t>
+            </a:r>
+            <a:r>
+              <a:rPr lang="en-US" sz="2400" dirty="0"/>
+              <a:t>, such as </a:t>
+            </a:r>
+            <a:r>
+              <a:rPr lang="en-US" sz="2400" dirty="0">
+                <a:highlight>
+                  <a:srgbClr val="FFFF00"/>
+                </a:highlight>
+              </a:rPr>
+              <a:t>deposit</a:t>
+            </a:r>
+            <a:r>
+              <a:rPr lang="en-US" sz="2400" dirty="0"/>
+              <a:t>, </a:t>
+            </a:r>
+            <a:r>
+              <a:rPr lang="en-US" sz="2400" dirty="0">
+                <a:highlight>
+                  <a:srgbClr val="FFFF00"/>
+                </a:highlight>
+              </a:rPr>
+              <a:t>withdraw</a:t>
+            </a:r>
+            <a:r>
+              <a:rPr lang="en-US" sz="2400" dirty="0"/>
+              <a:t>, and </a:t>
+            </a:r>
+            <a:r>
+              <a:rPr lang="en-US" sz="2400" dirty="0">
+                <a:highlight>
+                  <a:srgbClr val="FFFF00"/>
+                </a:highlight>
+              </a:rPr>
+              <a:t>transfer</a:t>
+            </a:r>
+            <a:r>
+              <a:rPr lang="en-US" sz="2400" dirty="0"/>
+              <a:t>. The ATM ensures that all completed transactions are ultimately written to the bank’s database.</a:t>
+            </a:r>
+          </a:p>
+          <a:p>
+            <a:pPr marL="457200" indent="-457200">
+              <a:buFont typeface="+mj-lt"/>
+              <a:buAutoNum type="arabicPeriod"/>
+            </a:pPr>
+            <a:r>
+              <a:rPr lang="en-US" sz="2400" b="1" dirty="0">
+                <a:highlight>
+                  <a:srgbClr val="FFFF00"/>
+                </a:highlight>
+              </a:rPr>
+              <a:t>Transmit data</a:t>
+            </a:r>
+            <a:r>
+              <a:rPr lang="en-US" sz="2400" dirty="0">
+                <a:highlight>
+                  <a:srgbClr val="FFFF00"/>
+                </a:highlight>
+              </a:rPr>
+              <a:t>. </a:t>
+            </a:r>
+            <a:r>
+              <a:rPr lang="en-US" sz="2400" dirty="0"/>
+              <a:t>The ATM uses the </a:t>
+            </a:r>
+            <a:r>
+              <a:rPr lang="en-US" sz="2400" dirty="0">
+                <a:highlight>
+                  <a:srgbClr val="FFFF00"/>
+                </a:highlight>
+              </a:rPr>
+              <a:t>consortium’s facilities </a:t>
+            </a:r>
+            <a:r>
+              <a:rPr lang="en-US" sz="2400" dirty="0"/>
+              <a:t>to </a:t>
+            </a:r>
+            <a:r>
+              <a:rPr lang="en-US" sz="2400" dirty="0">
+                <a:highlight>
+                  <a:srgbClr val="FFFF00"/>
+                </a:highlight>
+              </a:rPr>
+              <a:t>communicate with the appropriate bank computers</a:t>
+            </a:r>
+            <a:r>
+              <a:rPr lang="en-US" sz="2400" dirty="0"/>
               <a:t>.</a:t>
             </a:r>
-          </a:p>
-          <a:p>
-            <a:r>
-              <a:rPr lang="en-US" sz="2400" b="1" dirty="0"/>
-              <a:t>Process transaction. </a:t>
-            </a:r>
-            <a:r>
-              <a:rPr lang="en-US" sz="2400" dirty="0"/>
-              <a:t>The ATM system performs an action that affects an account’s balance, such as deposit, withdraw, and transfer. The ATM ensures that all completed transactions are ultimately written to the bank’s database</a:t>
-            </a:r>
-            <a:r>
-              <a:rPr lang="en-US" sz="2400" dirty="0" smtClean="0"/>
-              <a:t>.</a:t>
-            </a:r>
-          </a:p>
-          <a:p>
-            <a:r>
-              <a:rPr lang="en-US" sz="2400" b="1" dirty="0" smtClean="0"/>
-              <a:t>Transmit </a:t>
-            </a:r>
-            <a:r>
-              <a:rPr lang="en-US" sz="2400" b="1" dirty="0"/>
-              <a:t>data</a:t>
-            </a:r>
-            <a:r>
-              <a:rPr lang="en-US" sz="2400" dirty="0"/>
-              <a:t>. The ATM uses the consortium’s facilities to communicate with the appropriate bank computers.</a:t>
-            </a:r>
             <a:endParaRPr lang="en-IN" sz="2400" dirty="0"/>
           </a:p>
         </p:txBody>
@@ -9630,7 +11550,7 @@
           <a:lstStyle/>
           <a:p>
             <a:r>
-              <a:rPr lang="en-US" smtClean="0"/>
+              <a:rPr lang="en-US"/>
               <a:t>Department of Computer Science and Engineering</a:t>
             </a:r>
             <a:endParaRPr lang="en-US" dirty="0"/>
@@ -9714,10 +11634,10 @@
           <a:lstStyle/>
           <a:p>
             <a:r>
-              <a:rPr lang="en-US" dirty="0"/>
-              <a:t>Find initial and final events</a:t>
-            </a:r>
-            <a:endParaRPr lang="en-IN" dirty="0"/>
+              <a:rPr lang="en-US" sz="3200" dirty="0"/>
+              <a:t>Find initial and final events(DFFF PAF POC)</a:t>
+            </a:r>
+            <a:endParaRPr lang="en-IN" sz="3200" dirty="0"/>
           </a:p>
         </p:txBody>
       </p:sp>
@@ -9746,22 +11666,34 @@
             <a:pPr algn="just"/>
             <a:r>
               <a:rPr lang="en-US" sz="2000" dirty="0"/>
-              <a:t>Finding the initial and final events for each use </a:t>
-            </a:r>
-            <a:r>
-              <a:rPr lang="en-US" sz="2000" dirty="0" smtClean="0"/>
-              <a:t>case</a:t>
+              <a:t>Finding the </a:t>
+            </a:r>
+            <a:r>
+              <a:rPr lang="en-US" sz="2000" dirty="0">
+                <a:highlight>
+                  <a:srgbClr val="00FF00"/>
+                </a:highlight>
+              </a:rPr>
+              <a:t>initial and final events </a:t>
+            </a:r>
+            <a:r>
+              <a:rPr lang="en-US" sz="2000" dirty="0"/>
+              <a:t>for each use case</a:t>
             </a:r>
           </a:p>
           <a:p>
             <a:pPr algn="just"/>
             <a:r>
               <a:rPr lang="en-US" sz="2000" dirty="0"/>
-              <a:t>To understand the behavior clearly of </a:t>
-            </a:r>
-            <a:r>
-              <a:rPr lang="en-US" sz="2000" dirty="0" smtClean="0"/>
-              <a:t>system</a:t>
+              <a:t>To understand the </a:t>
+            </a:r>
+            <a:r>
+              <a:rPr lang="en-US" sz="2000" dirty="0">
+                <a:highlight>
+                  <a:srgbClr val="00FF00"/>
+                </a:highlight>
+              </a:rPr>
+              <a:t>behavior clearly of system</a:t>
             </a:r>
           </a:p>
           <a:p>
@@ -9770,23 +11702,46 @@
               <a:rPr lang="en-US" sz="2000" dirty="0"/>
               <a:t>Initial events may be </a:t>
             </a:r>
-            <a:endParaRPr lang="en-US" sz="2000" dirty="0" smtClean="0"/>
           </a:p>
           <a:p>
             <a:pPr marL="0" indent="0" algn="just">
               <a:buNone/>
             </a:pPr>
             <a:r>
-              <a:rPr lang="en-US" sz="2000" dirty="0" smtClean="0"/>
-              <a:t>      a</a:t>
-            </a:r>
-            <a:r>
               <a:rPr lang="en-US" sz="2000" dirty="0"/>
-              <a:t>. A request for the service that the use case </a:t>
-            </a:r>
-            <a:r>
-              <a:rPr lang="en-US" sz="2000" dirty="0" smtClean="0"/>
-              <a:t>provides</a:t>
+              <a:t>      a. A </a:t>
+            </a:r>
+            <a:r>
+              <a:rPr lang="en-US" sz="2000" dirty="0">
+                <a:highlight>
+                  <a:srgbClr val="00FF00"/>
+                </a:highlight>
+              </a:rPr>
+              <a:t>request</a:t>
+            </a:r>
+            <a:r>
+              <a:rPr lang="en-US" sz="2000" dirty="0"/>
+              <a:t> for the </a:t>
+            </a:r>
+            <a:r>
+              <a:rPr lang="en-US" sz="2000" dirty="0">
+                <a:highlight>
+                  <a:srgbClr val="00FF00"/>
+                </a:highlight>
+              </a:rPr>
+              <a:t>service</a:t>
+            </a:r>
+            <a:r>
+              <a:rPr lang="en-US" sz="2000" dirty="0"/>
+              <a:t> that the </a:t>
+            </a:r>
+            <a:r>
+              <a:rPr lang="en-US" sz="2000" dirty="0">
+                <a:highlight>
+                  <a:srgbClr val="00FF00"/>
+                </a:highlight>
+              </a:rPr>
+              <a:t>use case provides</a:t>
             </a:r>
           </a:p>
           <a:p>
@@ -9795,39 +11750,105 @@
             </a:pPr>
             <a:r>
               <a:rPr lang="en-US" sz="2000" dirty="0"/>
-              <a:t> </a:t>
-            </a:r>
-            <a:r>
-              <a:rPr lang="en-US" sz="2000" dirty="0" smtClean="0"/>
-              <a:t>     </a:t>
+              <a:t>      b. An </a:t>
+            </a:r>
+            <a:r>
+              <a:rPr lang="en-US" sz="2000" dirty="0">
+                <a:highlight>
+                  <a:srgbClr val="00FF00"/>
+                </a:highlight>
+              </a:rPr>
+              <a:t>occurrence</a:t>
             </a:r>
             <a:r>
               <a:rPr lang="en-US" sz="2000" dirty="0"/>
-              <a:t>b. An occurrence that triggers a chain of activity</a:t>
-            </a:r>
-            <a:endParaRPr lang="en-US" sz="2000" dirty="0" smtClean="0"/>
+              <a:t> that </a:t>
+            </a:r>
+            <a:r>
+              <a:rPr lang="en-US" sz="2000" dirty="0">
+                <a:highlight>
+                  <a:srgbClr val="00FF00"/>
+                </a:highlight>
+              </a:rPr>
+              <a:t>triggers a chain of activity</a:t>
+            </a:r>
           </a:p>
           <a:p>
             <a:pPr algn="just"/>
             <a:r>
-              <a:rPr lang="en-US" sz="2000" dirty="0" smtClean="0"/>
-              <a:t>You </a:t>
-            </a:r>
-            <a:r>
               <a:rPr lang="en-US" sz="2000" dirty="0"/>
-              <a:t>can start by finding the events that initiate each use case. Determine which actor initiates the use case and define the event that it sends to the system. </a:t>
-            </a:r>
-            <a:endParaRPr lang="en-US" sz="2000" dirty="0" smtClean="0"/>
+              <a:t>You can </a:t>
+            </a:r>
+            <a:r>
+              <a:rPr lang="en-US" sz="2000" dirty="0">
+                <a:highlight>
+                  <a:srgbClr val="00FF00"/>
+                </a:highlight>
+              </a:rPr>
+              <a:t>start</a:t>
+            </a:r>
+            <a:r>
+              <a:rPr lang="en-US" sz="2000" dirty="0"/>
+              <a:t> by finding the events that </a:t>
+            </a:r>
+            <a:r>
+              <a:rPr lang="en-US" sz="2000" dirty="0">
+                <a:highlight>
+                  <a:srgbClr val="00FF00"/>
+                </a:highlight>
+              </a:rPr>
+              <a:t>initiate each use case</a:t>
+            </a:r>
+            <a:r>
+              <a:rPr lang="en-US" sz="2000" dirty="0"/>
+              <a:t>. Determine which </a:t>
+            </a:r>
+            <a:r>
+              <a:rPr lang="en-US" sz="2000" dirty="0">
+                <a:highlight>
+                  <a:srgbClr val="00FF00"/>
+                </a:highlight>
+              </a:rPr>
+              <a:t>actor initiates the use case </a:t>
+            </a:r>
+            <a:r>
+              <a:rPr lang="en-US" sz="2000" dirty="0"/>
+              <a:t>and </a:t>
+            </a:r>
+            <a:r>
+              <a:rPr lang="en-US" sz="2000" dirty="0">
+                <a:highlight>
+                  <a:srgbClr val="00FF00"/>
+                </a:highlight>
+              </a:rPr>
+              <a:t>define the event that it sends to the system. </a:t>
+            </a:r>
           </a:p>
           <a:p>
             <a:pPr algn="just"/>
             <a:r>
               <a:rPr lang="en-US" sz="2000" dirty="0"/>
-              <a:t>You should also determine the final event </a:t>
-            </a:r>
-            <a:r>
-              <a:rPr lang="en-US" sz="2000" dirty="0" smtClean="0"/>
-              <a:t>,final events indicate completion</a:t>
+              <a:t>You should also </a:t>
+            </a:r>
+            <a:r>
+              <a:rPr lang="en-US" sz="2000" dirty="0">
+                <a:highlight>
+                  <a:srgbClr val="00FF00"/>
+                </a:highlight>
+              </a:rPr>
+              <a:t>determine the final event </a:t>
+            </a:r>
+            <a:r>
+              <a:rPr lang="en-US" sz="2000" dirty="0"/>
+              <a:t>,final events indicate </a:t>
+            </a:r>
+            <a:r>
+              <a:rPr lang="en-US" sz="2000" dirty="0">
+                <a:highlight>
+                  <a:srgbClr val="00FF00"/>
+                </a:highlight>
+              </a:rPr>
+              <a:t>completion</a:t>
             </a:r>
           </a:p>
           <a:p>
@@ -9835,29 +11856,20 @@
               <a:buNone/>
             </a:pPr>
             <a:r>
-              <a:rPr lang="en-US" sz="2000" b="1" dirty="0" smtClean="0"/>
-              <a:t>For ATM </a:t>
-            </a:r>
-            <a:r>
               <a:rPr lang="en-US" sz="2000" b="1" dirty="0"/>
-              <a:t>example. Here are initial and final events for each use case. </a:t>
-            </a:r>
-            <a:endParaRPr lang="en-US" sz="2000" b="1" dirty="0" smtClean="0"/>
+              <a:t>For ATM example. Here are initial and final events for each use case. </a:t>
+            </a:r>
           </a:p>
           <a:p>
             <a:pPr marL="0" indent="0" algn="just">
               <a:buNone/>
             </a:pPr>
             <a:r>
-              <a:rPr lang="en-US" sz="2000" dirty="0" smtClean="0"/>
-              <a:t> </a:t>
-            </a:r>
-            <a:r>
               <a:rPr lang="en-US" sz="2000" dirty="0"/>
-              <a:t>• </a:t>
-            </a:r>
-            <a:r>
-              <a:rPr lang="en-US" sz="2000" b="1" dirty="0" smtClean="0"/>
+              <a:t> • </a:t>
+            </a:r>
+            <a:r>
+              <a:rPr lang="en-US" sz="2000" b="1" dirty="0"/>
               <a:t>Initiate session </a:t>
             </a:r>
           </a:p>
@@ -9867,21 +11879,12 @@
             </a:pPr>
             <a:r>
               <a:rPr lang="en-US" sz="2000" dirty="0"/>
-              <a:t>	</a:t>
-            </a:r>
-            <a:r>
-              <a:rPr lang="en-US" sz="2000" dirty="0" smtClean="0"/>
-              <a:t> </a:t>
-            </a:r>
-            <a:r>
-              <a:rPr lang="en-US" sz="2000" dirty="0"/>
-              <a:t>– </a:t>
+              <a:t>	 – </a:t>
             </a:r>
             <a:r>
               <a:rPr lang="en-US" sz="2000" b="1" dirty="0"/>
               <a:t>Initial event </a:t>
             </a:r>
-            <a:endParaRPr lang="en-US" sz="2000" b="1" dirty="0" smtClean="0"/>
           </a:p>
           <a:p>
             <a:pPr marL="0" indent="0" algn="just">
@@ -9889,19 +11892,31 @@
             </a:pPr>
             <a:r>
               <a:rPr lang="en-US" sz="2000" dirty="0"/>
-              <a:t> </a:t>
-            </a:r>
-            <a:r>
-              <a:rPr lang="en-US" sz="2000" dirty="0" smtClean="0"/>
-              <a:t>		• </a:t>
+              <a:t> 		• The customer’s </a:t>
+            </a:r>
+            <a:r>
+              <a:rPr lang="en-US" sz="2000" dirty="0">
+                <a:highlight>
+                  <a:srgbClr val="00FF00"/>
+                </a:highlight>
+              </a:rPr>
+              <a:t>insertion</a:t>
             </a:r>
             <a:r>
               <a:rPr lang="en-US" sz="2000" dirty="0"/>
-              <a:t>The customer’s insertion of a cash </a:t>
-            </a:r>
-            <a:r>
-              <a:rPr lang="en-US" sz="2000" dirty="0" smtClean="0"/>
-              <a:t>card.</a:t>
+              <a:t> of a </a:t>
+            </a:r>
+            <a:r>
+              <a:rPr lang="en-US" sz="2000" dirty="0">
+                <a:highlight>
+                  <a:srgbClr val="00FF00"/>
+                </a:highlight>
+              </a:rPr>
+              <a:t>cash card</a:t>
+            </a:r>
+            <a:r>
+              <a:rPr lang="en-US" sz="2000" dirty="0"/>
+              <a:t>.</a:t>
             </a:r>
           </a:p>
           <a:p>
@@ -9910,21 +11925,12 @@
             </a:pPr>
             <a:r>
               <a:rPr lang="en-US" sz="2000" dirty="0"/>
-              <a:t> </a:t>
-            </a:r>
-            <a:r>
-              <a:rPr lang="en-US" sz="2000" dirty="0" smtClean="0"/>
-              <a:t>	--</a:t>
-            </a:r>
-            <a:r>
-              <a:rPr lang="en-US" sz="2000" b="1" dirty="0" smtClean="0"/>
-              <a:t>final </a:t>
+              <a:t> 	--</a:t>
             </a:r>
             <a:r>
               <a:rPr lang="en-US" sz="2000" b="1" dirty="0"/>
-              <a:t>event </a:t>
-            </a:r>
-            <a:endParaRPr lang="en-US" sz="2000" b="1" dirty="0" smtClean="0"/>
+              <a:t>final event </a:t>
+            </a:r>
           </a:p>
           <a:p>
             <a:pPr marL="0" indent="0" algn="just">
@@ -9932,17 +11938,20 @@
             </a:pPr>
             <a:r>
               <a:rPr lang="en-US" sz="2000" dirty="0"/>
-              <a:t> </a:t>
-            </a:r>
-            <a:r>
-              <a:rPr lang="en-US" sz="2000" dirty="0" smtClean="0"/>
-              <a:t>		• </a:t>
+              <a:t> 		• The system </a:t>
+            </a:r>
+            <a:r>
+              <a:rPr lang="en-US" sz="2000" dirty="0">
+                <a:highlight>
+                  <a:srgbClr val="00FF00"/>
+                </a:highlight>
+              </a:rPr>
+              <a:t>keeps</a:t>
             </a:r>
             <a:r>
               <a:rPr lang="en-US" sz="2000" dirty="0"/>
-              <a:t>The system keeps the cash card, or </a:t>
-            </a:r>
-            <a:endParaRPr lang="en-US" sz="2000" dirty="0" smtClean="0"/>
+              <a:t> the cash card, or </a:t>
+            </a:r>
           </a:p>
           <a:p>
             <a:pPr marL="0" indent="0" algn="just">
@@ -9950,19 +11959,19 @@
             </a:pPr>
             <a:r>
               <a:rPr lang="en-US" sz="2000" dirty="0"/>
-              <a:t>	</a:t>
-            </a:r>
-            <a:r>
-              <a:rPr lang="en-US" sz="2000" dirty="0" smtClean="0"/>
-              <a:t>	• </a:t>
+              <a:t>		• The system </a:t>
+            </a:r>
+            <a:r>
+              <a:rPr lang="en-US" sz="2000" dirty="0">
+                <a:highlight>
+                  <a:srgbClr val="00FF00"/>
+                </a:highlight>
+              </a:rPr>
+              <a:t>returns</a:t>
             </a:r>
             <a:r>
               <a:rPr lang="en-US" sz="2000" dirty="0"/>
-              <a:t>The system returns the cash card</a:t>
-            </a:r>
-            <a:r>
-              <a:rPr lang="en-US" sz="2000" dirty="0" smtClean="0"/>
-              <a:t>.</a:t>
+              <a:t> the cash card.</a:t>
             </a:r>
           </a:p>
         </p:txBody>
@@ -9983,7 +11992,7 @@
           <a:lstStyle/>
           <a:p>
             <a:r>
-              <a:rPr lang="en-US" smtClean="0"/>
+              <a:rPr lang="en-US"/>
               <a:t>Department of Computer Science and Engineering</a:t>
             </a:r>
             <a:endParaRPr lang="en-US" dirty="0"/>

--- a/SEM-5/OOMD/Unit 5/Unit5_Application Analysis.pptx
+++ b/SEM-5/OOMD/Unit 5/Unit5_Application Analysis.pptx
@@ -240,7 +240,7 @@
             <a:fld id="{46CFF6EA-A321-41A0-B9CA-11D445300381}" type="datetimeFigureOut">
               <a:rPr lang="en-US" smtClean="0"/>
               <a:pPr/>
-              <a:t>2/9/2023</a:t>
+              <a:t>2/19/2023</a:t>
             </a:fld>
             <a:endParaRPr lang="en-US" dirty="0"/>
           </a:p>
@@ -690,7 +690,7 @@
             <a:fld id="{4BC7FDF5-4155-4DE3-831B-EABD18B61535}" type="datetime1">
               <a:rPr lang="en-US" smtClean="0"/>
               <a:pPr/>
-              <a:t>2/9/2023</a:t>
+              <a:t>2/19/2023</a:t>
             </a:fld>
             <a:endParaRPr lang="en-US" dirty="0"/>
           </a:p>
@@ -858,7 +858,7 @@
             <a:fld id="{A751CBA5-0EE3-431F-BEEE-457FBFB1BF59}" type="datetime1">
               <a:rPr lang="en-US" smtClean="0"/>
               <a:pPr/>
-              <a:t>2/9/2023</a:t>
+              <a:t>2/19/2023</a:t>
             </a:fld>
             <a:endParaRPr lang="en-US" dirty="0"/>
           </a:p>
@@ -1036,7 +1036,7 @@
             <a:fld id="{70DEFB04-3B4A-41AF-9584-914C5A89E70D}" type="datetime1">
               <a:rPr lang="en-US" smtClean="0"/>
               <a:pPr/>
-              <a:t>2/9/2023</a:t>
+              <a:t>2/19/2023</a:t>
             </a:fld>
             <a:endParaRPr lang="en-US" dirty="0"/>
           </a:p>
@@ -1204,7 +1204,7 @@
             <a:fld id="{EAD68581-92D1-4B88-9DC8-97D51B7738A7}" type="datetime1">
               <a:rPr lang="en-US" smtClean="0"/>
               <a:pPr/>
-              <a:t>2/9/2023</a:t>
+              <a:t>2/19/2023</a:t>
             </a:fld>
             <a:endParaRPr lang="en-US" dirty="0"/>
           </a:p>
@@ -1449,7 +1449,7 @@
             <a:fld id="{EFE8456C-351C-4182-B78F-80E9C73D4897}" type="datetime1">
               <a:rPr lang="en-US" smtClean="0"/>
               <a:pPr/>
-              <a:t>2/9/2023</a:t>
+              <a:t>2/19/2023</a:t>
             </a:fld>
             <a:endParaRPr lang="en-US" dirty="0"/>
           </a:p>
@@ -1734,7 +1734,7 @@
             <a:fld id="{0377CF10-0B0D-4811-89BC-9004596D7A3A}" type="datetime1">
               <a:rPr lang="en-US" smtClean="0"/>
               <a:pPr/>
-              <a:t>2/9/2023</a:t>
+              <a:t>2/19/2023</a:t>
             </a:fld>
             <a:endParaRPr lang="en-US" dirty="0"/>
           </a:p>
@@ -2153,7 +2153,7 @@
             <a:fld id="{F91C525E-6CF6-4F0D-86DF-F2DAD67B724B}" type="datetime1">
               <a:rPr lang="en-US" smtClean="0"/>
               <a:pPr/>
-              <a:t>2/9/2023</a:t>
+              <a:t>2/19/2023</a:t>
             </a:fld>
             <a:endParaRPr lang="en-US" dirty="0"/>
           </a:p>
@@ -2270,7 +2270,7 @@
             <a:fld id="{33932732-4A20-419F-9707-02BC3BEB63AC}" type="datetime1">
               <a:rPr lang="en-US" smtClean="0"/>
               <a:pPr/>
-              <a:t>2/9/2023</a:t>
+              <a:t>2/19/2023</a:t>
             </a:fld>
             <a:endParaRPr lang="en-US" dirty="0"/>
           </a:p>
@@ -2365,7 +2365,7 @@
             <a:fld id="{AC08AB18-6F1D-4C26-91BC-B858B0172913}" type="datetime1">
               <a:rPr lang="en-US" smtClean="0"/>
               <a:pPr/>
-              <a:t>2/9/2023</a:t>
+              <a:t>2/19/2023</a:t>
             </a:fld>
             <a:endParaRPr lang="en-US" dirty="0"/>
           </a:p>
@@ -2640,7 +2640,7 @@
             <a:fld id="{2718529D-26EB-4445-9D96-C702CBBE8C28}" type="datetime1">
               <a:rPr lang="en-US" smtClean="0"/>
               <a:pPr/>
-              <a:t>2/9/2023</a:t>
+              <a:t>2/19/2023</a:t>
             </a:fld>
             <a:endParaRPr lang="en-US" dirty="0"/>
           </a:p>
@@ -2892,7 +2892,7 @@
             <a:fld id="{121116CA-CF59-4FCC-A2D8-1C296C109469}" type="datetime1">
               <a:rPr lang="en-US" smtClean="0"/>
               <a:pPr/>
-              <a:t>2/9/2023</a:t>
+              <a:t>2/19/2023</a:t>
             </a:fld>
             <a:endParaRPr lang="en-US" dirty="0"/>
           </a:p>
@@ -3103,7 +3103,7 @@
             <a:fld id="{9408F63B-DDB2-4D1B-8613-9B72FA5D595B}" type="datetime1">
               <a:rPr lang="en-US" smtClean="0"/>
               <a:pPr/>
-              <a:t>2/9/2023</a:t>
+              <a:t>2/19/2023</a:t>
             </a:fld>
             <a:endParaRPr lang="en-US" dirty="0"/>
           </a:p>
@@ -4509,7 +4509,11 @@
               <a:buAutoNum type="arabicPeriod"/>
             </a:pPr>
             <a:r>
-              <a:rPr lang="en-IN" sz="2200" b="1" dirty="0"/>
+              <a:rPr lang="en-IN" sz="2200" b="1" dirty="0">
+                <a:solidFill>
+                  <a:srgbClr val="FF0000"/>
+                </a:solidFill>
+              </a:rPr>
               <a:t>Special cases </a:t>
             </a:r>
             <a:r>
@@ -4523,11 +4527,25 @@
               <a:buAutoNum type="arabicPeriod"/>
             </a:pPr>
             <a:r>
-              <a:rPr lang="en-IN" sz="2200" dirty="0"/>
+              <a:rPr lang="en-IN" sz="2200" dirty="0">
+                <a:solidFill>
+                  <a:srgbClr val="FF0000"/>
+                </a:solidFill>
+                <a:highlight>
+                  <a:srgbClr val="FFFF00"/>
+                </a:highlight>
+              </a:rPr>
               <a:t> </a:t>
             </a:r>
             <a:r>
-              <a:rPr lang="en-IN" sz="2200" b="1" dirty="0"/>
+              <a:rPr lang="en-IN" sz="2200" b="1" dirty="0">
+                <a:solidFill>
+                  <a:srgbClr val="FF0000"/>
+                </a:solidFill>
+                <a:highlight>
+                  <a:srgbClr val="FFFF00"/>
+                </a:highlight>
+              </a:rPr>
               <a:t>Error cases </a:t>
             </a:r>
             <a:r>
@@ -4541,7 +4559,11 @@
               <a:buAutoNum type="arabicPeriod"/>
             </a:pPr>
             <a:r>
-              <a:rPr lang="en-IN" sz="2200" b="1" dirty="0"/>
+              <a:rPr lang="en-IN" sz="2200" b="1" dirty="0">
+                <a:highlight>
+                  <a:srgbClr val="FFFF00"/>
+                </a:highlight>
+              </a:rPr>
               <a:t>Other cases </a:t>
             </a:r>
             <a:r>
@@ -9547,7 +9569,7 @@
           <a:p>
             <a:r>
               <a:rPr lang="en-US" dirty="0"/>
-              <a:t>Overview of Class Design</a:t>
+              <a:t>Overview of Class Design(BR FRR ORAO)</a:t>
             </a:r>
           </a:p>
         </p:txBody>
@@ -10973,8 +10995,8 @@
         </p:blipFill>
         <p:spPr>
           <a:xfrm>
-            <a:off x="4367212" y="3190875"/>
-            <a:ext cx="409575" cy="476250"/>
+            <a:off x="5791200" y="3770597"/>
+            <a:ext cx="2514109" cy="2923383"/>
           </a:xfrm>
           <a:prstGeom prst="rect">
             <a:avLst/>
